--- a/hw02.pptx
+++ b/hw02.pptx
@@ -4,8 +4,22 @@
   <p:sldMasterIdLst>
     <p:sldMasterId id="2147483648" r:id="rId1"/>
   </p:sldMasterIdLst>
+  <p:notesMasterIdLst>
+    <p:notesMasterId r:id="rId14"/>
+  </p:notesMasterIdLst>
   <p:sldIdLst>
-    <p:sldId id="256" r:id="rId2"/>
+    <p:sldId id="270" r:id="rId2"/>
+    <p:sldId id="277" r:id="rId3"/>
+    <p:sldId id="278" r:id="rId4"/>
+    <p:sldId id="282" r:id="rId5"/>
+    <p:sldId id="279" r:id="rId6"/>
+    <p:sldId id="280" r:id="rId7"/>
+    <p:sldId id="283" r:id="rId8"/>
+    <p:sldId id="284" r:id="rId9"/>
+    <p:sldId id="285" r:id="rId10"/>
+    <p:sldId id="286" r:id="rId11"/>
+    <p:sldId id="287" r:id="rId12"/>
+    <p:sldId id="291" r:id="rId13"/>
   </p:sldIdLst>
   <p:sldSz cx="12192000" cy="6858000"/>
   <p:notesSz cx="6858000" cy="9144000"/>
@@ -104,7 +118,1989 @@
       </a:defRPr>
     </a:lvl9pPr>
   </p:defaultTextStyle>
+  <p:extLst>
+    <p:ext uri="{EFAFB233-063F-42B5-8137-9DF3F51BA10A}">
+      <p15:sldGuideLst xmlns:p15="http://schemas.microsoft.com/office/powerpoint/2012/main"/>
+    </p:ext>
+  </p:extLst>
 </p:presentation>
+</file>
+
+<file path=ppt/notesMasters/notesMaster1.xml><?xml version="1.0" encoding="utf-8"?>
+<p:notesMaster xmlns:a="http://schemas.openxmlformats.org/drawingml/2006/main" xmlns:r="http://schemas.openxmlformats.org/officeDocument/2006/relationships" xmlns:p="http://schemas.openxmlformats.org/presentationml/2006/main">
+  <p:cSld>
+    <p:bg>
+      <p:bgRef idx="1001">
+        <a:schemeClr val="bg1"/>
+      </p:bgRef>
+    </p:bg>
+    <p:spTree>
+      <p:nvGrpSpPr>
+        <p:cNvPr id="1" name=""/>
+        <p:cNvGrpSpPr/>
+        <p:nvPr/>
+      </p:nvGrpSpPr>
+      <p:grpSpPr>
+        <a:xfrm>
+          <a:off x="0" y="0"/>
+          <a:ext cx="0" cy="0"/>
+          <a:chOff x="0" y="0"/>
+          <a:chExt cx="0" cy="0"/>
+        </a:xfrm>
+      </p:grpSpPr>
+      <p:sp>
+        <p:nvSpPr>
+          <p:cNvPr id="2" name="頁首版面配置區 1"/>
+          <p:cNvSpPr>
+            <a:spLocks noGrp="1"/>
+          </p:cNvSpPr>
+          <p:nvPr>
+            <p:ph type="hdr" sz="quarter"/>
+          </p:nvPr>
+        </p:nvSpPr>
+        <p:spPr>
+          <a:xfrm>
+            <a:off x="0" y="0"/>
+            <a:ext cx="2971800" cy="458788"/>
+          </a:xfrm>
+          <a:prstGeom prst="rect">
+            <a:avLst/>
+          </a:prstGeom>
+        </p:spPr>
+        <p:txBody>
+          <a:bodyPr vert="horz" lIns="91440" tIns="45720" rIns="91440" bIns="45720" rtlCol="0"/>
+          <a:lstStyle>
+            <a:lvl1pPr algn="l">
+              <a:defRPr sz="1200"/>
+            </a:lvl1pPr>
+          </a:lstStyle>
+          <a:p>
+            <a:endParaRPr lang="zh-TW" altLang="en-US"/>
+          </a:p>
+        </p:txBody>
+      </p:sp>
+      <p:sp>
+        <p:nvSpPr>
+          <p:cNvPr id="3" name="日期版面配置區 2"/>
+          <p:cNvSpPr>
+            <a:spLocks noGrp="1"/>
+          </p:cNvSpPr>
+          <p:nvPr>
+            <p:ph type="dt" idx="1"/>
+          </p:nvPr>
+        </p:nvSpPr>
+        <p:spPr>
+          <a:xfrm>
+            <a:off x="3884613" y="0"/>
+            <a:ext cx="2971800" cy="458788"/>
+          </a:xfrm>
+          <a:prstGeom prst="rect">
+            <a:avLst/>
+          </a:prstGeom>
+        </p:spPr>
+        <p:txBody>
+          <a:bodyPr vert="horz" lIns="91440" tIns="45720" rIns="91440" bIns="45720" rtlCol="0"/>
+          <a:lstStyle>
+            <a:lvl1pPr algn="r">
+              <a:defRPr sz="1200"/>
+            </a:lvl1pPr>
+          </a:lstStyle>
+          <a:p>
+            <a:fld id="{C3ADC67D-B875-494C-A789-0B27AA4DED5E}" type="datetimeFigureOut">
+              <a:rPr lang="zh-TW" altLang="en-US" smtClean="0"/>
+              <a:t>2024/10/1</a:t>
+            </a:fld>
+            <a:endParaRPr lang="zh-TW" altLang="en-US"/>
+          </a:p>
+        </p:txBody>
+      </p:sp>
+      <p:sp>
+        <p:nvSpPr>
+          <p:cNvPr id="4" name="投影片影像版面配置區 3"/>
+          <p:cNvSpPr>
+            <a:spLocks noGrp="1" noRot="1" noChangeAspect="1"/>
+          </p:cNvSpPr>
+          <p:nvPr>
+            <p:ph type="sldImg" idx="2"/>
+          </p:nvPr>
+        </p:nvSpPr>
+        <p:spPr>
+          <a:xfrm>
+            <a:off x="685800" y="1143000"/>
+            <a:ext cx="5486400" cy="3086100"/>
+          </a:xfrm>
+          <a:prstGeom prst="rect">
+            <a:avLst/>
+          </a:prstGeom>
+          <a:noFill/>
+          <a:ln w="12700">
+            <a:solidFill>
+              <a:prstClr val="black"/>
+            </a:solidFill>
+          </a:ln>
+        </p:spPr>
+        <p:txBody>
+          <a:bodyPr vert="horz" lIns="91440" tIns="45720" rIns="91440" bIns="45720" rtlCol="0" anchor="ctr"/>
+          <a:lstStyle/>
+          <a:p>
+            <a:endParaRPr lang="zh-TW" altLang="en-US"/>
+          </a:p>
+        </p:txBody>
+      </p:sp>
+      <p:sp>
+        <p:nvSpPr>
+          <p:cNvPr id="5" name="備忘稿版面配置區 4"/>
+          <p:cNvSpPr>
+            <a:spLocks noGrp="1"/>
+          </p:cNvSpPr>
+          <p:nvPr>
+            <p:ph type="body" sz="quarter" idx="3"/>
+          </p:nvPr>
+        </p:nvSpPr>
+        <p:spPr>
+          <a:xfrm>
+            <a:off x="685800" y="4400550"/>
+            <a:ext cx="5486400" cy="3600450"/>
+          </a:xfrm>
+          <a:prstGeom prst="rect">
+            <a:avLst/>
+          </a:prstGeom>
+        </p:spPr>
+        <p:txBody>
+          <a:bodyPr vert="horz" lIns="91440" tIns="45720" rIns="91440" bIns="45720" rtlCol="0"/>
+          <a:lstStyle/>
+          <a:p>
+            <a:pPr lvl="0"/>
+            <a:r>
+              <a:rPr lang="zh-TW" altLang="en-US"/>
+              <a:t>按一下以編輯母片文字樣式</a:t>
+            </a:r>
+          </a:p>
+          <a:p>
+            <a:pPr lvl="1"/>
+            <a:r>
+              <a:rPr lang="zh-TW" altLang="en-US"/>
+              <a:t>第二層</a:t>
+            </a:r>
+          </a:p>
+          <a:p>
+            <a:pPr lvl="2"/>
+            <a:r>
+              <a:rPr lang="zh-TW" altLang="en-US"/>
+              <a:t>第三層</a:t>
+            </a:r>
+          </a:p>
+          <a:p>
+            <a:pPr lvl="3"/>
+            <a:r>
+              <a:rPr lang="zh-TW" altLang="en-US"/>
+              <a:t>第四層</a:t>
+            </a:r>
+          </a:p>
+          <a:p>
+            <a:pPr lvl="4"/>
+            <a:r>
+              <a:rPr lang="zh-TW" altLang="en-US"/>
+              <a:t>第五層</a:t>
+            </a:r>
+          </a:p>
+        </p:txBody>
+      </p:sp>
+      <p:sp>
+        <p:nvSpPr>
+          <p:cNvPr id="6" name="頁尾版面配置區 5"/>
+          <p:cNvSpPr>
+            <a:spLocks noGrp="1"/>
+          </p:cNvSpPr>
+          <p:nvPr>
+            <p:ph type="ftr" sz="quarter" idx="4"/>
+          </p:nvPr>
+        </p:nvSpPr>
+        <p:spPr>
+          <a:xfrm>
+            <a:off x="0" y="8685213"/>
+            <a:ext cx="2971800" cy="458787"/>
+          </a:xfrm>
+          <a:prstGeom prst="rect">
+            <a:avLst/>
+          </a:prstGeom>
+        </p:spPr>
+        <p:txBody>
+          <a:bodyPr vert="horz" lIns="91440" tIns="45720" rIns="91440" bIns="45720" rtlCol="0" anchor="b"/>
+          <a:lstStyle>
+            <a:lvl1pPr algn="l">
+              <a:defRPr sz="1200"/>
+            </a:lvl1pPr>
+          </a:lstStyle>
+          <a:p>
+            <a:endParaRPr lang="zh-TW" altLang="en-US"/>
+          </a:p>
+        </p:txBody>
+      </p:sp>
+      <p:sp>
+        <p:nvSpPr>
+          <p:cNvPr id="7" name="投影片編號版面配置區 6"/>
+          <p:cNvSpPr>
+            <a:spLocks noGrp="1"/>
+          </p:cNvSpPr>
+          <p:nvPr>
+            <p:ph type="sldNum" sz="quarter" idx="5"/>
+          </p:nvPr>
+        </p:nvSpPr>
+        <p:spPr>
+          <a:xfrm>
+            <a:off x="3884613" y="8685213"/>
+            <a:ext cx="2971800" cy="458787"/>
+          </a:xfrm>
+          <a:prstGeom prst="rect">
+            <a:avLst/>
+          </a:prstGeom>
+        </p:spPr>
+        <p:txBody>
+          <a:bodyPr vert="horz" lIns="91440" tIns="45720" rIns="91440" bIns="45720" rtlCol="0" anchor="b"/>
+          <a:lstStyle>
+            <a:lvl1pPr algn="r">
+              <a:defRPr sz="1200"/>
+            </a:lvl1pPr>
+          </a:lstStyle>
+          <a:p>
+            <a:fld id="{B487413E-1054-4680-9ADE-03C02C3A6B41}" type="slidenum">
+              <a:rPr lang="zh-TW" altLang="en-US" smtClean="0"/>
+              <a:t>‹#›</a:t>
+            </a:fld>
+            <a:endParaRPr lang="zh-TW" altLang="en-US"/>
+          </a:p>
+        </p:txBody>
+      </p:sp>
+    </p:spTree>
+    <p:extLst>
+      <p:ext uri="{BB962C8B-B14F-4D97-AF65-F5344CB8AC3E}">
+        <p14:creationId xmlns:p14="http://schemas.microsoft.com/office/powerpoint/2010/main" val="2151510544"/>
+      </p:ext>
+    </p:extLst>
+  </p:cSld>
+  <p:clrMap bg1="lt1" tx1="dk1" bg2="lt2" tx2="dk2" accent1="accent1" accent2="accent2" accent3="accent3" accent4="accent4" accent5="accent5" accent6="accent6" hlink="hlink" folHlink="folHlink"/>
+  <p:notesStyle>
+    <a:lvl1pPr marL="0" algn="l" defTabSz="914400" rtl="0" eaLnBrk="1" latinLnBrk="0" hangingPunct="1">
+      <a:defRPr sz="1200" kern="1200">
+        <a:solidFill>
+          <a:schemeClr val="tx1"/>
+        </a:solidFill>
+        <a:latin typeface="+mn-lt"/>
+        <a:ea typeface="+mn-ea"/>
+        <a:cs typeface="+mn-cs"/>
+      </a:defRPr>
+    </a:lvl1pPr>
+    <a:lvl2pPr marL="457200" algn="l" defTabSz="914400" rtl="0" eaLnBrk="1" latinLnBrk="0" hangingPunct="1">
+      <a:defRPr sz="1200" kern="1200">
+        <a:solidFill>
+          <a:schemeClr val="tx1"/>
+        </a:solidFill>
+        <a:latin typeface="+mn-lt"/>
+        <a:ea typeface="+mn-ea"/>
+        <a:cs typeface="+mn-cs"/>
+      </a:defRPr>
+    </a:lvl2pPr>
+    <a:lvl3pPr marL="914400" algn="l" defTabSz="914400" rtl="0" eaLnBrk="1" latinLnBrk="0" hangingPunct="1">
+      <a:defRPr sz="1200" kern="1200">
+        <a:solidFill>
+          <a:schemeClr val="tx1"/>
+        </a:solidFill>
+        <a:latin typeface="+mn-lt"/>
+        <a:ea typeface="+mn-ea"/>
+        <a:cs typeface="+mn-cs"/>
+      </a:defRPr>
+    </a:lvl3pPr>
+    <a:lvl4pPr marL="1371600" algn="l" defTabSz="914400" rtl="0" eaLnBrk="1" latinLnBrk="0" hangingPunct="1">
+      <a:defRPr sz="1200" kern="1200">
+        <a:solidFill>
+          <a:schemeClr val="tx1"/>
+        </a:solidFill>
+        <a:latin typeface="+mn-lt"/>
+        <a:ea typeface="+mn-ea"/>
+        <a:cs typeface="+mn-cs"/>
+      </a:defRPr>
+    </a:lvl4pPr>
+    <a:lvl5pPr marL="1828800" algn="l" defTabSz="914400" rtl="0" eaLnBrk="1" latinLnBrk="0" hangingPunct="1">
+      <a:defRPr sz="1200" kern="1200">
+        <a:solidFill>
+          <a:schemeClr val="tx1"/>
+        </a:solidFill>
+        <a:latin typeface="+mn-lt"/>
+        <a:ea typeface="+mn-ea"/>
+        <a:cs typeface="+mn-cs"/>
+      </a:defRPr>
+    </a:lvl5pPr>
+    <a:lvl6pPr marL="2286000" algn="l" defTabSz="914400" rtl="0" eaLnBrk="1" latinLnBrk="0" hangingPunct="1">
+      <a:defRPr sz="1200" kern="1200">
+        <a:solidFill>
+          <a:schemeClr val="tx1"/>
+        </a:solidFill>
+        <a:latin typeface="+mn-lt"/>
+        <a:ea typeface="+mn-ea"/>
+        <a:cs typeface="+mn-cs"/>
+      </a:defRPr>
+    </a:lvl6pPr>
+    <a:lvl7pPr marL="2743200" algn="l" defTabSz="914400" rtl="0" eaLnBrk="1" latinLnBrk="0" hangingPunct="1">
+      <a:defRPr sz="1200" kern="1200">
+        <a:solidFill>
+          <a:schemeClr val="tx1"/>
+        </a:solidFill>
+        <a:latin typeface="+mn-lt"/>
+        <a:ea typeface="+mn-ea"/>
+        <a:cs typeface="+mn-cs"/>
+      </a:defRPr>
+    </a:lvl7pPr>
+    <a:lvl8pPr marL="3200400" algn="l" defTabSz="914400" rtl="0" eaLnBrk="1" latinLnBrk="0" hangingPunct="1">
+      <a:defRPr sz="1200" kern="1200">
+        <a:solidFill>
+          <a:schemeClr val="tx1"/>
+        </a:solidFill>
+        <a:latin typeface="+mn-lt"/>
+        <a:ea typeface="+mn-ea"/>
+        <a:cs typeface="+mn-cs"/>
+      </a:defRPr>
+    </a:lvl8pPr>
+    <a:lvl9pPr marL="3657600" algn="l" defTabSz="914400" rtl="0" eaLnBrk="1" latinLnBrk="0" hangingPunct="1">
+      <a:defRPr sz="1200" kern="1200">
+        <a:solidFill>
+          <a:schemeClr val="tx1"/>
+        </a:solidFill>
+        <a:latin typeface="+mn-lt"/>
+        <a:ea typeface="+mn-ea"/>
+        <a:cs typeface="+mn-cs"/>
+      </a:defRPr>
+    </a:lvl9pPr>
+  </p:notesStyle>
+</p:notesMaster>
+</file>
+
+<file path=ppt/notesSlides/notesSlide1.xml><?xml version="1.0" encoding="utf-8"?>
+<p:notes xmlns:a="http://schemas.openxmlformats.org/drawingml/2006/main" xmlns:r="http://schemas.openxmlformats.org/officeDocument/2006/relationships" xmlns:p="http://schemas.openxmlformats.org/presentationml/2006/main">
+  <p:cSld>
+    <p:spTree>
+      <p:nvGrpSpPr>
+        <p:cNvPr id="1" name=""/>
+        <p:cNvGrpSpPr/>
+        <p:nvPr/>
+      </p:nvGrpSpPr>
+      <p:grpSpPr>
+        <a:xfrm>
+          <a:off x="0" y="0"/>
+          <a:ext cx="0" cy="0"/>
+          <a:chOff x="0" y="0"/>
+          <a:chExt cx="0" cy="0"/>
+        </a:xfrm>
+      </p:grpSpPr>
+      <p:sp>
+        <p:nvSpPr>
+          <p:cNvPr id="2" name="投影片影像版面配置區 1"/>
+          <p:cNvSpPr>
+            <a:spLocks noGrp="1" noRot="1" noChangeAspect="1"/>
+          </p:cNvSpPr>
+          <p:nvPr>
+            <p:ph type="sldImg"/>
+          </p:nvPr>
+        </p:nvSpPr>
+        <p:spPr/>
+      </p:sp>
+      <p:sp>
+        <p:nvSpPr>
+          <p:cNvPr id="3" name="備忘稿版面配置區 2"/>
+          <p:cNvSpPr>
+            <a:spLocks noGrp="1"/>
+          </p:cNvSpPr>
+          <p:nvPr>
+            <p:ph type="body" idx="1"/>
+          </p:nvPr>
+        </p:nvSpPr>
+        <p:spPr/>
+        <p:txBody>
+          <a:bodyPr/>
+          <a:lstStyle/>
+          <a:p>
+            <a:r>
+              <a:rPr lang="zh-TW" altLang="en-US" dirty="0"/>
+              <a:t>大家好，接下來我要分享我的冒險故事</a:t>
+            </a:r>
+          </a:p>
+        </p:txBody>
+      </p:sp>
+      <p:sp>
+        <p:nvSpPr>
+          <p:cNvPr id="4" name="投影片編號版面配置區 3"/>
+          <p:cNvSpPr>
+            <a:spLocks noGrp="1"/>
+          </p:cNvSpPr>
+          <p:nvPr>
+            <p:ph type="sldNum" sz="quarter" idx="5"/>
+          </p:nvPr>
+        </p:nvSpPr>
+        <p:spPr/>
+        <p:txBody>
+          <a:bodyPr/>
+          <a:lstStyle/>
+          <a:p>
+            <a:fld id="{B487413E-1054-4680-9ADE-03C02C3A6B41}" type="slidenum">
+              <a:rPr lang="zh-TW" altLang="en-US" smtClean="0"/>
+              <a:t>1</a:t>
+            </a:fld>
+            <a:endParaRPr lang="zh-TW" altLang="en-US"/>
+          </a:p>
+        </p:txBody>
+      </p:sp>
+    </p:spTree>
+    <p:extLst>
+      <p:ext uri="{BB962C8B-B14F-4D97-AF65-F5344CB8AC3E}">
+        <p14:creationId xmlns:p14="http://schemas.microsoft.com/office/powerpoint/2010/main" val="2919986889"/>
+      </p:ext>
+    </p:extLst>
+  </p:cSld>
+  <p:clrMapOvr>
+    <a:masterClrMapping/>
+  </p:clrMapOvr>
+</p:notes>
+</file>
+
+<file path=ppt/notesSlides/notesSlide10.xml><?xml version="1.0" encoding="utf-8"?>
+<p:notes xmlns:a="http://schemas.openxmlformats.org/drawingml/2006/main" xmlns:r="http://schemas.openxmlformats.org/officeDocument/2006/relationships" xmlns:p="http://schemas.openxmlformats.org/presentationml/2006/main">
+  <p:cSld>
+    <p:spTree>
+      <p:nvGrpSpPr>
+        <p:cNvPr id="1" name=""/>
+        <p:cNvGrpSpPr/>
+        <p:nvPr/>
+      </p:nvGrpSpPr>
+      <p:grpSpPr>
+        <a:xfrm>
+          <a:off x="0" y="0"/>
+          <a:ext cx="0" cy="0"/>
+          <a:chOff x="0" y="0"/>
+          <a:chExt cx="0" cy="0"/>
+        </a:xfrm>
+      </p:grpSpPr>
+      <p:sp>
+        <p:nvSpPr>
+          <p:cNvPr id="2" name="投影片影像版面配置區 1"/>
+          <p:cNvSpPr>
+            <a:spLocks noGrp="1" noRot="1" noChangeAspect="1"/>
+          </p:cNvSpPr>
+          <p:nvPr>
+            <p:ph type="sldImg"/>
+          </p:nvPr>
+        </p:nvSpPr>
+        <p:spPr/>
+      </p:sp>
+      <p:sp>
+        <p:nvSpPr>
+          <p:cNvPr id="3" name="備忘稿版面配置區 2"/>
+          <p:cNvSpPr>
+            <a:spLocks noGrp="1"/>
+          </p:cNvSpPr>
+          <p:nvPr>
+            <p:ph type="body" idx="1"/>
+          </p:nvPr>
+        </p:nvSpPr>
+        <p:spPr/>
+        <p:txBody>
+          <a:bodyPr/>
+          <a:lstStyle/>
+          <a:p>
+            <a:r>
+              <a:rPr lang="en-US" altLang="zh-TW" sz="1200" b="1" i="0" kern="1200" dirty="0">
+                <a:solidFill>
+                  <a:srgbClr val="FFFFFF"/>
+                </a:solidFill>
+                <a:effectLst/>
+                <a:latin typeface="Roboto" panose="02000000000000000000" pitchFamily="2" charset="0"/>
+                <a:ea typeface="+mn-ea"/>
+                <a:cs typeface="+mn-cs"/>
+              </a:rPr>
+              <a:t>A male character with white hair, gray eyes, wearing a black and white T-shirt, with a cold expression, practicing DJ skills with dedication, and creating </a:t>
+            </a:r>
+          </a:p>
+          <a:p>
+            <a:r>
+              <a:rPr lang="en-US" altLang="zh-TW" sz="1200" b="1" i="0" kern="1200" dirty="0">
+                <a:solidFill>
+                  <a:srgbClr val="FFFFFF"/>
+                </a:solidFill>
+                <a:effectLst/>
+                <a:latin typeface="Roboto" panose="02000000000000000000" pitchFamily="2" charset="0"/>
+                <a:ea typeface="+mn-ea"/>
+                <a:cs typeface="+mn-cs"/>
+              </a:rPr>
+              <a:t>music that captivates the audience, with a stage assistant helping to fix the sound system.</a:t>
+            </a:r>
+          </a:p>
+          <a:p>
+            <a:endParaRPr lang="en-US" altLang="zh-TW" sz="1200" b="1" i="0" kern="1200" dirty="0">
+              <a:solidFill>
+                <a:srgbClr val="FFFFFF"/>
+              </a:solidFill>
+              <a:effectLst/>
+              <a:latin typeface="Roboto" panose="02000000000000000000" pitchFamily="2" charset="0"/>
+              <a:ea typeface="+mn-ea"/>
+              <a:cs typeface="+mn-cs"/>
+            </a:endParaRPr>
+          </a:p>
+          <a:p>
+            <a:pPr marL="0" marR="0" lvl="0" indent="0" algn="l" defTabSz="914400" rtl="0" eaLnBrk="1" fontAlgn="auto" latinLnBrk="0" hangingPunct="1">
+              <a:lnSpc>
+                <a:spcPct val="100000"/>
+              </a:lnSpc>
+              <a:spcBef>
+                <a:spcPts val="0"/>
+              </a:spcBef>
+              <a:spcAft>
+                <a:spcPts val="0"/>
+              </a:spcAft>
+              <a:buClrTx/>
+              <a:buSzTx/>
+              <a:buFontTx/>
+              <a:buNone/>
+              <a:tabLst/>
+              <a:defRPr/>
+            </a:pPr>
+            <a:r>
+              <a:rPr lang="zh-TW" altLang="en-US" sz="1200" b="1" i="0" kern="1200" dirty="0">
+                <a:solidFill>
+                  <a:srgbClr val="FFFFFF"/>
+                </a:solidFill>
+                <a:effectLst/>
+                <a:latin typeface="Roboto" panose="02000000000000000000" pitchFamily="2" charset="0"/>
+                <a:ea typeface="+mn-ea"/>
+                <a:cs typeface="+mn-cs"/>
+              </a:rPr>
+              <a:t>比賽後，監製找到我，稱讚了我對音樂的感覺，並說我有成為優秀</a:t>
+            </a:r>
+            <a:r>
+              <a:rPr lang="en-US" altLang="zh-TW" sz="1200" b="1" i="0" kern="1200" dirty="0">
+                <a:solidFill>
+                  <a:srgbClr val="FFFFFF"/>
+                </a:solidFill>
+                <a:effectLst/>
+                <a:latin typeface="Roboto" panose="02000000000000000000" pitchFamily="2" charset="0"/>
+                <a:ea typeface="+mn-ea"/>
+                <a:cs typeface="+mn-cs"/>
+              </a:rPr>
+              <a:t>DJ</a:t>
+            </a:r>
+            <a:r>
+              <a:rPr lang="zh-TW" altLang="en-US" sz="1200" b="1" i="0" kern="1200" dirty="0">
+                <a:solidFill>
+                  <a:srgbClr val="FFFFFF"/>
+                </a:solidFill>
+                <a:effectLst/>
+                <a:latin typeface="Roboto" panose="02000000000000000000" pitchFamily="2" charset="0"/>
+                <a:ea typeface="+mn-ea"/>
+                <a:cs typeface="+mn-cs"/>
+              </a:rPr>
+              <a:t>的潛力。他甚至邀請我參加下一個小型派對的現場表演。這讓我意識到，偶爾的失敗不會決定一切，反而是成長的契機。</a:t>
+            </a:r>
+          </a:p>
+          <a:p>
+            <a:endParaRPr lang="zh-TW" altLang="en-US" dirty="0"/>
+          </a:p>
+        </p:txBody>
+      </p:sp>
+      <p:sp>
+        <p:nvSpPr>
+          <p:cNvPr id="4" name="投影片編號版面配置區 3"/>
+          <p:cNvSpPr>
+            <a:spLocks noGrp="1"/>
+          </p:cNvSpPr>
+          <p:nvPr>
+            <p:ph type="sldNum" sz="quarter" idx="5"/>
+          </p:nvPr>
+        </p:nvSpPr>
+        <p:spPr/>
+        <p:txBody>
+          <a:bodyPr/>
+          <a:lstStyle/>
+          <a:p>
+            <a:fld id="{B487413E-1054-4680-9ADE-03C02C3A6B41}" type="slidenum">
+              <a:rPr lang="zh-TW" altLang="en-US" smtClean="0"/>
+              <a:t>10</a:t>
+            </a:fld>
+            <a:endParaRPr lang="zh-TW" altLang="en-US"/>
+          </a:p>
+        </p:txBody>
+      </p:sp>
+    </p:spTree>
+    <p:extLst>
+      <p:ext uri="{BB962C8B-B14F-4D97-AF65-F5344CB8AC3E}">
+        <p14:creationId xmlns:p14="http://schemas.microsoft.com/office/powerpoint/2010/main" val="160770209"/>
+      </p:ext>
+    </p:extLst>
+  </p:cSld>
+  <p:clrMapOvr>
+    <a:masterClrMapping/>
+  </p:clrMapOvr>
+</p:notes>
+</file>
+
+<file path=ppt/notesSlides/notesSlide11.xml><?xml version="1.0" encoding="utf-8"?>
+<p:notes xmlns:a="http://schemas.openxmlformats.org/drawingml/2006/main" xmlns:r="http://schemas.openxmlformats.org/officeDocument/2006/relationships" xmlns:p="http://schemas.openxmlformats.org/presentationml/2006/main">
+  <p:cSld>
+    <p:spTree>
+      <p:nvGrpSpPr>
+        <p:cNvPr id="1" name=""/>
+        <p:cNvGrpSpPr/>
+        <p:nvPr/>
+      </p:nvGrpSpPr>
+      <p:grpSpPr>
+        <a:xfrm>
+          <a:off x="0" y="0"/>
+          <a:ext cx="0" cy="0"/>
+          <a:chOff x="0" y="0"/>
+          <a:chExt cx="0" cy="0"/>
+        </a:xfrm>
+      </p:grpSpPr>
+      <p:sp>
+        <p:nvSpPr>
+          <p:cNvPr id="2" name="投影片影像版面配置區 1"/>
+          <p:cNvSpPr>
+            <a:spLocks noGrp="1" noRot="1" noChangeAspect="1"/>
+          </p:cNvSpPr>
+          <p:nvPr>
+            <p:ph type="sldImg"/>
+          </p:nvPr>
+        </p:nvSpPr>
+        <p:spPr/>
+      </p:sp>
+      <p:sp>
+        <p:nvSpPr>
+          <p:cNvPr id="3" name="備忘稿版面配置區 2"/>
+          <p:cNvSpPr>
+            <a:spLocks noGrp="1"/>
+          </p:cNvSpPr>
+          <p:nvPr>
+            <p:ph type="body" idx="1"/>
+          </p:nvPr>
+        </p:nvSpPr>
+        <p:spPr/>
+        <p:txBody>
+          <a:bodyPr/>
+          <a:lstStyle/>
+          <a:p>
+            <a:r>
+              <a:rPr lang="en-US" altLang="zh-TW" sz="1200" b="1" i="0" kern="1200" dirty="0">
+                <a:solidFill>
+                  <a:srgbClr val="FFFFFF"/>
+                </a:solidFill>
+                <a:effectLst/>
+                <a:latin typeface="Roboto" panose="02000000000000000000" pitchFamily="2" charset="0"/>
+                <a:ea typeface="+mn-ea"/>
+                <a:cs typeface="+mn-cs"/>
+              </a:rPr>
+              <a:t>A male character with white hair, gray eyes, wearing a black and white T-shirt, with a cold expression, practicing DJ skills with dedication, and creating music that captivates the audience.</a:t>
+            </a:r>
+          </a:p>
+          <a:p>
+            <a:endParaRPr lang="en-US" altLang="zh-TW" sz="1200" b="1" i="0" kern="1200" dirty="0">
+              <a:solidFill>
+                <a:srgbClr val="FFFFFF"/>
+              </a:solidFill>
+              <a:effectLst/>
+              <a:latin typeface="Roboto" panose="02000000000000000000" pitchFamily="2" charset="0"/>
+              <a:ea typeface="+mn-ea"/>
+              <a:cs typeface="+mn-cs"/>
+            </a:endParaRPr>
+          </a:p>
+          <a:p>
+            <a:pPr marL="0" marR="0" lvl="0" indent="0" algn="l" defTabSz="914400" rtl="0" eaLnBrk="1" fontAlgn="auto" latinLnBrk="0" hangingPunct="1">
+              <a:lnSpc>
+                <a:spcPct val="100000"/>
+              </a:lnSpc>
+              <a:spcBef>
+                <a:spcPts val="0"/>
+              </a:spcBef>
+              <a:spcAft>
+                <a:spcPts val="0"/>
+              </a:spcAft>
+              <a:buClrTx/>
+              <a:buSzTx/>
+              <a:buFontTx/>
+              <a:buNone/>
+              <a:tabLst/>
+              <a:defRPr/>
+            </a:pPr>
+            <a:r>
+              <a:rPr lang="zh-TW" altLang="en-US" sz="1200" b="1" i="0" kern="1200" dirty="0">
+                <a:solidFill>
+                  <a:srgbClr val="FFFFFF"/>
+                </a:solidFill>
+                <a:effectLst/>
+                <a:latin typeface="Roboto" panose="02000000000000000000" pitchFamily="2" charset="0"/>
+                <a:ea typeface="+mn-ea"/>
+                <a:cs typeface="+mn-cs"/>
+              </a:rPr>
+              <a:t>經歷了這次冒險，我不再害怕舞台上的挑戰。我決定繼續我的</a:t>
+            </a:r>
+            <a:r>
+              <a:rPr lang="en-US" altLang="zh-TW" sz="1200" b="1" i="0" kern="1200" dirty="0">
+                <a:solidFill>
+                  <a:srgbClr val="FFFFFF"/>
+                </a:solidFill>
+                <a:effectLst/>
+                <a:latin typeface="Roboto" panose="02000000000000000000" pitchFamily="2" charset="0"/>
+                <a:ea typeface="+mn-ea"/>
+                <a:cs typeface="+mn-cs"/>
+              </a:rPr>
+              <a:t>DJ</a:t>
+            </a:r>
+            <a:r>
+              <a:rPr lang="zh-TW" altLang="en-US" sz="1200" b="1" i="0" kern="1200" dirty="0">
+                <a:solidFill>
+                  <a:srgbClr val="FFFFFF"/>
+                </a:solidFill>
+                <a:effectLst/>
+                <a:latin typeface="Roboto" panose="02000000000000000000" pitchFamily="2" charset="0"/>
+                <a:ea typeface="+mn-ea"/>
+                <a:cs typeface="+mn-cs"/>
+              </a:rPr>
+              <a:t>夢想，無論遇到什麼困難，都會以音樂為我的心靈避風港，並持續成長。</a:t>
+            </a:r>
+          </a:p>
+          <a:p>
+            <a:endParaRPr lang="en-US" altLang="zh-TW" b="0" i="0" dirty="0">
+              <a:solidFill>
+                <a:srgbClr val="111111"/>
+              </a:solidFill>
+              <a:effectLst/>
+              <a:latin typeface="-apple-system"/>
+            </a:endParaRPr>
+          </a:p>
+        </p:txBody>
+      </p:sp>
+      <p:sp>
+        <p:nvSpPr>
+          <p:cNvPr id="4" name="投影片編號版面配置區 3"/>
+          <p:cNvSpPr>
+            <a:spLocks noGrp="1"/>
+          </p:cNvSpPr>
+          <p:nvPr>
+            <p:ph type="sldNum" sz="quarter" idx="5"/>
+          </p:nvPr>
+        </p:nvSpPr>
+        <p:spPr/>
+        <p:txBody>
+          <a:bodyPr/>
+          <a:lstStyle/>
+          <a:p>
+            <a:fld id="{B487413E-1054-4680-9ADE-03C02C3A6B41}" type="slidenum">
+              <a:rPr lang="zh-TW" altLang="en-US" smtClean="0"/>
+              <a:t>11</a:t>
+            </a:fld>
+            <a:endParaRPr lang="zh-TW" altLang="en-US"/>
+          </a:p>
+        </p:txBody>
+      </p:sp>
+    </p:spTree>
+    <p:extLst>
+      <p:ext uri="{BB962C8B-B14F-4D97-AF65-F5344CB8AC3E}">
+        <p14:creationId xmlns:p14="http://schemas.microsoft.com/office/powerpoint/2010/main" val="154588699"/>
+      </p:ext>
+    </p:extLst>
+  </p:cSld>
+  <p:clrMapOvr>
+    <a:masterClrMapping/>
+  </p:clrMapOvr>
+</p:notes>
+</file>
+
+<file path=ppt/notesSlides/notesSlide12.xml><?xml version="1.0" encoding="utf-8"?>
+<p:notes xmlns:a="http://schemas.openxmlformats.org/drawingml/2006/main" xmlns:r="http://schemas.openxmlformats.org/officeDocument/2006/relationships" xmlns:p="http://schemas.openxmlformats.org/presentationml/2006/main">
+  <p:cSld>
+    <p:spTree>
+      <p:nvGrpSpPr>
+        <p:cNvPr id="1" name=""/>
+        <p:cNvGrpSpPr/>
+        <p:nvPr/>
+      </p:nvGrpSpPr>
+      <p:grpSpPr>
+        <a:xfrm>
+          <a:off x="0" y="0"/>
+          <a:ext cx="0" cy="0"/>
+          <a:chOff x="0" y="0"/>
+          <a:chExt cx="0" cy="0"/>
+        </a:xfrm>
+      </p:grpSpPr>
+      <p:sp>
+        <p:nvSpPr>
+          <p:cNvPr id="2" name="投影片影像版面配置區 1"/>
+          <p:cNvSpPr>
+            <a:spLocks noGrp="1" noRot="1" noChangeAspect="1"/>
+          </p:cNvSpPr>
+          <p:nvPr>
+            <p:ph type="sldImg"/>
+          </p:nvPr>
+        </p:nvSpPr>
+        <p:spPr/>
+      </p:sp>
+      <p:sp>
+        <p:nvSpPr>
+          <p:cNvPr id="3" name="備忘稿版面配置區 2"/>
+          <p:cNvSpPr>
+            <a:spLocks noGrp="1"/>
+          </p:cNvSpPr>
+          <p:nvPr>
+            <p:ph type="body" idx="1"/>
+          </p:nvPr>
+        </p:nvSpPr>
+        <p:spPr/>
+        <p:txBody>
+          <a:bodyPr/>
+          <a:lstStyle/>
+          <a:p>
+            <a:r>
+              <a:rPr lang="en-US" altLang="zh-TW" sz="1200" b="1" i="0" kern="1200" dirty="0">
+                <a:solidFill>
+                  <a:srgbClr val="FFFFFF"/>
+                </a:solidFill>
+                <a:effectLst/>
+                <a:latin typeface="Roboto" panose="02000000000000000000" pitchFamily="2" charset="0"/>
+                <a:ea typeface="+mn-ea"/>
+                <a:cs typeface="+mn-cs"/>
+              </a:rPr>
+              <a:t>A male character with white hair, gray eyes, wearing a black and white T-shirt, with a cold expression, practicing DJ skills with dedication, and creating music that captivates the audience.</a:t>
+            </a:r>
+          </a:p>
+          <a:p>
+            <a:endParaRPr lang="en-US" altLang="zh-TW" sz="1200" b="1" i="0" kern="1200" dirty="0">
+              <a:solidFill>
+                <a:srgbClr val="FFFFFF"/>
+              </a:solidFill>
+              <a:effectLst/>
+              <a:latin typeface="Roboto" panose="02000000000000000000" pitchFamily="2" charset="0"/>
+              <a:ea typeface="+mn-ea"/>
+              <a:cs typeface="+mn-cs"/>
+            </a:endParaRPr>
+          </a:p>
+          <a:p>
+            <a:r>
+              <a:rPr lang="zh-TW" altLang="en-US" sz="1200" b="1" i="0" kern="1200" dirty="0">
+                <a:solidFill>
+                  <a:srgbClr val="FFFFFF"/>
+                </a:solidFill>
+                <a:effectLst/>
+                <a:latin typeface="Roboto" panose="02000000000000000000" pitchFamily="2" charset="0"/>
+                <a:ea typeface="+mn-ea"/>
+                <a:cs typeface="+mn-cs"/>
+              </a:rPr>
+              <a:t>這只是我音樂旅程的開始，還有更多的節奏與故事等待我去創造。</a:t>
+            </a:r>
+          </a:p>
+        </p:txBody>
+      </p:sp>
+      <p:sp>
+        <p:nvSpPr>
+          <p:cNvPr id="4" name="投影片編號版面配置區 3"/>
+          <p:cNvSpPr>
+            <a:spLocks noGrp="1"/>
+          </p:cNvSpPr>
+          <p:nvPr>
+            <p:ph type="sldNum" sz="quarter" idx="5"/>
+          </p:nvPr>
+        </p:nvSpPr>
+        <p:spPr/>
+        <p:txBody>
+          <a:bodyPr/>
+          <a:lstStyle/>
+          <a:p>
+            <a:fld id="{B487413E-1054-4680-9ADE-03C02C3A6B41}" type="slidenum">
+              <a:rPr lang="zh-TW" altLang="en-US" smtClean="0"/>
+              <a:t>12</a:t>
+            </a:fld>
+            <a:endParaRPr lang="zh-TW" altLang="en-US"/>
+          </a:p>
+        </p:txBody>
+      </p:sp>
+    </p:spTree>
+    <p:extLst>
+      <p:ext uri="{BB962C8B-B14F-4D97-AF65-F5344CB8AC3E}">
+        <p14:creationId xmlns:p14="http://schemas.microsoft.com/office/powerpoint/2010/main" val="4284960287"/>
+      </p:ext>
+    </p:extLst>
+  </p:cSld>
+  <p:clrMapOvr>
+    <a:masterClrMapping/>
+  </p:clrMapOvr>
+</p:notes>
+</file>
+
+<file path=ppt/notesSlides/notesSlide2.xml><?xml version="1.0" encoding="utf-8"?>
+<p:notes xmlns:a="http://schemas.openxmlformats.org/drawingml/2006/main" xmlns:r="http://schemas.openxmlformats.org/officeDocument/2006/relationships" xmlns:p="http://schemas.openxmlformats.org/presentationml/2006/main">
+  <p:cSld>
+    <p:spTree>
+      <p:nvGrpSpPr>
+        <p:cNvPr id="1" name=""/>
+        <p:cNvGrpSpPr/>
+        <p:nvPr/>
+      </p:nvGrpSpPr>
+      <p:grpSpPr>
+        <a:xfrm>
+          <a:off x="0" y="0"/>
+          <a:ext cx="0" cy="0"/>
+          <a:chOff x="0" y="0"/>
+          <a:chExt cx="0" cy="0"/>
+        </a:xfrm>
+      </p:grpSpPr>
+      <p:sp>
+        <p:nvSpPr>
+          <p:cNvPr id="2" name="投影片影像版面配置區 1"/>
+          <p:cNvSpPr>
+            <a:spLocks noGrp="1" noRot="1" noChangeAspect="1"/>
+          </p:cNvSpPr>
+          <p:nvPr>
+            <p:ph type="sldImg"/>
+          </p:nvPr>
+        </p:nvSpPr>
+        <p:spPr/>
+      </p:sp>
+      <p:sp>
+        <p:nvSpPr>
+          <p:cNvPr id="3" name="備忘稿版面配置區 2"/>
+          <p:cNvSpPr>
+            <a:spLocks noGrp="1"/>
+          </p:cNvSpPr>
+          <p:nvPr>
+            <p:ph type="body" idx="1"/>
+          </p:nvPr>
+        </p:nvSpPr>
+        <p:spPr/>
+        <p:txBody>
+          <a:bodyPr/>
+          <a:lstStyle/>
+          <a:p>
+            <a:r>
+              <a:rPr lang="en-US" altLang="zh-TW" sz="1200" b="1" i="0" kern="1200" dirty="0">
+                <a:solidFill>
+                  <a:srgbClr val="FFFFFF"/>
+                </a:solidFill>
+                <a:effectLst/>
+                <a:latin typeface="Roboto" panose="02000000000000000000" pitchFamily="2" charset="0"/>
+                <a:ea typeface="+mn-ea"/>
+                <a:cs typeface="+mn-cs"/>
+              </a:rPr>
+              <a:t>A male character with white hair, gray eyes, wearing a black and white T-shirt, with a cold expression, and surrounded by competition audio equipment</a:t>
+            </a:r>
+          </a:p>
+          <a:p>
+            <a:endParaRPr lang="en-US" altLang="zh-TW" sz="1200" b="1" i="0" kern="1200" dirty="0">
+              <a:solidFill>
+                <a:srgbClr val="FFFFFF"/>
+              </a:solidFill>
+              <a:effectLst/>
+              <a:latin typeface="Roboto" panose="02000000000000000000" pitchFamily="2" charset="0"/>
+              <a:ea typeface="+mn-ea"/>
+              <a:cs typeface="+mn-cs"/>
+            </a:endParaRPr>
+          </a:p>
+          <a:p>
+            <a:r>
+              <a:rPr lang="zh-TW" altLang="en-US" sz="1200" b="1" i="0" kern="1200" dirty="0">
+                <a:solidFill>
+                  <a:srgbClr val="FFFFFF"/>
+                </a:solidFill>
+                <a:effectLst/>
+                <a:latin typeface="Roboto" panose="02000000000000000000" pitchFamily="2" charset="0"/>
+                <a:ea typeface="+mn-ea"/>
+                <a:cs typeface="+mn-cs"/>
+              </a:rPr>
+              <a:t>這次，我終於有機會參加一場知名音樂節的</a:t>
+            </a:r>
+            <a:r>
+              <a:rPr lang="en-US" altLang="zh-TW" sz="1200" b="1" i="0" kern="1200" dirty="0">
+                <a:solidFill>
+                  <a:srgbClr val="FFFFFF"/>
+                </a:solidFill>
+                <a:effectLst/>
+                <a:latin typeface="Roboto" panose="02000000000000000000" pitchFamily="2" charset="0"/>
+                <a:ea typeface="+mn-ea"/>
+                <a:cs typeface="+mn-cs"/>
+              </a:rPr>
+              <a:t>DJ</a:t>
+            </a:r>
+            <a:r>
+              <a:rPr lang="zh-TW" altLang="en-US" sz="1200" b="1" i="0" kern="1200" dirty="0">
+                <a:solidFill>
+                  <a:srgbClr val="FFFFFF"/>
+                </a:solidFill>
+                <a:effectLst/>
+                <a:latin typeface="Roboto" panose="02000000000000000000" pitchFamily="2" charset="0"/>
+                <a:ea typeface="+mn-ea"/>
+                <a:cs typeface="+mn-cs"/>
+              </a:rPr>
+              <a:t>比賽，我希望能用音樂讓觀眾感受到強烈的節奏與情感，並藉此提升我的</a:t>
+            </a:r>
+            <a:r>
+              <a:rPr lang="en-US" altLang="zh-TW" sz="1200" b="1" i="0" kern="1200" dirty="0">
+                <a:solidFill>
+                  <a:srgbClr val="FFFFFF"/>
+                </a:solidFill>
+                <a:effectLst/>
+                <a:latin typeface="Roboto" panose="02000000000000000000" pitchFamily="2" charset="0"/>
+                <a:ea typeface="+mn-ea"/>
+                <a:cs typeface="+mn-cs"/>
+              </a:rPr>
+              <a:t>DJ</a:t>
+            </a:r>
+            <a:r>
+              <a:rPr lang="zh-TW" altLang="en-US" sz="1200" b="1" i="0" kern="1200" dirty="0">
+                <a:solidFill>
+                  <a:srgbClr val="FFFFFF"/>
+                </a:solidFill>
+                <a:effectLst/>
+                <a:latin typeface="Roboto" panose="02000000000000000000" pitchFamily="2" charset="0"/>
+                <a:ea typeface="+mn-ea"/>
+                <a:cs typeface="+mn-cs"/>
+              </a:rPr>
+              <a:t>技巧，讓更多人知道我的音樂。</a:t>
+            </a:r>
+          </a:p>
+        </p:txBody>
+      </p:sp>
+      <p:sp>
+        <p:nvSpPr>
+          <p:cNvPr id="4" name="投影片編號版面配置區 3"/>
+          <p:cNvSpPr>
+            <a:spLocks noGrp="1"/>
+          </p:cNvSpPr>
+          <p:nvPr>
+            <p:ph type="sldNum" sz="quarter" idx="5"/>
+          </p:nvPr>
+        </p:nvSpPr>
+        <p:spPr/>
+        <p:txBody>
+          <a:bodyPr/>
+          <a:lstStyle/>
+          <a:p>
+            <a:fld id="{B487413E-1054-4680-9ADE-03C02C3A6B41}" type="slidenum">
+              <a:rPr lang="zh-TW" altLang="en-US" smtClean="0"/>
+              <a:t>2</a:t>
+            </a:fld>
+            <a:endParaRPr lang="zh-TW" altLang="en-US"/>
+          </a:p>
+        </p:txBody>
+      </p:sp>
+    </p:spTree>
+    <p:extLst>
+      <p:ext uri="{BB962C8B-B14F-4D97-AF65-F5344CB8AC3E}">
+        <p14:creationId xmlns:p14="http://schemas.microsoft.com/office/powerpoint/2010/main" val="54924626"/>
+      </p:ext>
+    </p:extLst>
+  </p:cSld>
+  <p:clrMapOvr>
+    <a:masterClrMapping/>
+  </p:clrMapOvr>
+</p:notes>
+</file>
+
+<file path=ppt/notesSlides/notesSlide3.xml><?xml version="1.0" encoding="utf-8"?>
+<p:notes xmlns:a="http://schemas.openxmlformats.org/drawingml/2006/main" xmlns:r="http://schemas.openxmlformats.org/officeDocument/2006/relationships" xmlns:p="http://schemas.openxmlformats.org/presentationml/2006/main">
+  <p:cSld>
+    <p:spTree>
+      <p:nvGrpSpPr>
+        <p:cNvPr id="1" name=""/>
+        <p:cNvGrpSpPr/>
+        <p:nvPr/>
+      </p:nvGrpSpPr>
+      <p:grpSpPr>
+        <a:xfrm>
+          <a:off x="0" y="0"/>
+          <a:ext cx="0" cy="0"/>
+          <a:chOff x="0" y="0"/>
+          <a:chExt cx="0" cy="0"/>
+        </a:xfrm>
+      </p:grpSpPr>
+      <p:sp>
+        <p:nvSpPr>
+          <p:cNvPr id="2" name="投影片影像版面配置區 1"/>
+          <p:cNvSpPr>
+            <a:spLocks noGrp="1" noRot="1" noChangeAspect="1"/>
+          </p:cNvSpPr>
+          <p:nvPr>
+            <p:ph type="sldImg"/>
+          </p:nvPr>
+        </p:nvSpPr>
+        <p:spPr/>
+      </p:sp>
+      <p:sp>
+        <p:nvSpPr>
+          <p:cNvPr id="3" name="備忘稿版面配置區 2"/>
+          <p:cNvSpPr>
+            <a:spLocks noGrp="1"/>
+          </p:cNvSpPr>
+          <p:nvPr>
+            <p:ph type="body" idx="1"/>
+          </p:nvPr>
+        </p:nvSpPr>
+        <p:spPr/>
+        <p:txBody>
+          <a:bodyPr/>
+          <a:lstStyle/>
+          <a:p>
+            <a:r>
+              <a:rPr lang="en-US" altLang="zh-TW" sz="1200" b="1" i="0" kern="1200" dirty="0">
+                <a:solidFill>
+                  <a:srgbClr val="FFFFFF"/>
+                </a:solidFill>
+                <a:effectLst/>
+                <a:latin typeface="Roboto" panose="02000000000000000000" pitchFamily="2" charset="0"/>
+                <a:ea typeface="+mn-ea"/>
+                <a:cs typeface="+mn-cs"/>
+              </a:rPr>
+              <a:t>DJ booths with unique designs</a:t>
+            </a:r>
+          </a:p>
+          <a:p>
+            <a:endParaRPr lang="en-US" altLang="zh-TW" sz="1200" b="1" i="0" kern="1200" dirty="0">
+              <a:solidFill>
+                <a:srgbClr val="FFFFFF"/>
+              </a:solidFill>
+              <a:effectLst/>
+              <a:latin typeface="Roboto" panose="02000000000000000000" pitchFamily="2" charset="0"/>
+              <a:ea typeface="+mn-ea"/>
+              <a:cs typeface="+mn-cs"/>
+            </a:endParaRPr>
+          </a:p>
+          <a:p>
+            <a:r>
+              <a:rPr lang="zh-TW" altLang="en-US" sz="1200" b="1" i="0" kern="1200" dirty="0">
+                <a:solidFill>
+                  <a:srgbClr val="FFFFFF"/>
+                </a:solidFill>
+                <a:effectLst/>
+                <a:latin typeface="Roboto" panose="02000000000000000000" pitchFamily="2" charset="0"/>
+                <a:ea typeface="+mn-ea"/>
+                <a:cs typeface="+mn-cs"/>
+              </a:rPr>
+              <a:t>比賽當天，當我到達現場時，看到現場圍滿了觀眾與參賽者，我不禁感到壓力倍增。</a:t>
+            </a:r>
+          </a:p>
+        </p:txBody>
+      </p:sp>
+      <p:sp>
+        <p:nvSpPr>
+          <p:cNvPr id="4" name="投影片編號版面配置區 3"/>
+          <p:cNvSpPr>
+            <a:spLocks noGrp="1"/>
+          </p:cNvSpPr>
+          <p:nvPr>
+            <p:ph type="sldNum" sz="quarter" idx="5"/>
+          </p:nvPr>
+        </p:nvSpPr>
+        <p:spPr/>
+        <p:txBody>
+          <a:bodyPr/>
+          <a:lstStyle/>
+          <a:p>
+            <a:fld id="{B487413E-1054-4680-9ADE-03C02C3A6B41}" type="slidenum">
+              <a:rPr lang="zh-TW" altLang="en-US" smtClean="0"/>
+              <a:t>3</a:t>
+            </a:fld>
+            <a:endParaRPr lang="zh-TW" altLang="en-US"/>
+          </a:p>
+        </p:txBody>
+      </p:sp>
+    </p:spTree>
+    <p:extLst>
+      <p:ext uri="{BB962C8B-B14F-4D97-AF65-F5344CB8AC3E}">
+        <p14:creationId xmlns:p14="http://schemas.microsoft.com/office/powerpoint/2010/main" val="3546794634"/>
+      </p:ext>
+    </p:extLst>
+  </p:cSld>
+  <p:clrMapOvr>
+    <a:masterClrMapping/>
+  </p:clrMapOvr>
+</p:notes>
+</file>
+
+<file path=ppt/notesSlides/notesSlide4.xml><?xml version="1.0" encoding="utf-8"?>
+<p:notes xmlns:a="http://schemas.openxmlformats.org/drawingml/2006/main" xmlns:r="http://schemas.openxmlformats.org/officeDocument/2006/relationships" xmlns:p="http://schemas.openxmlformats.org/presentationml/2006/main">
+  <p:cSld>
+    <p:spTree>
+      <p:nvGrpSpPr>
+        <p:cNvPr id="1" name=""/>
+        <p:cNvGrpSpPr/>
+        <p:nvPr/>
+      </p:nvGrpSpPr>
+      <p:grpSpPr>
+        <a:xfrm>
+          <a:off x="0" y="0"/>
+          <a:ext cx="0" cy="0"/>
+          <a:chOff x="0" y="0"/>
+          <a:chExt cx="0" cy="0"/>
+        </a:xfrm>
+      </p:grpSpPr>
+      <p:sp>
+        <p:nvSpPr>
+          <p:cNvPr id="2" name="投影片影像版面配置區 1"/>
+          <p:cNvSpPr>
+            <a:spLocks noGrp="1" noRot="1" noChangeAspect="1"/>
+          </p:cNvSpPr>
+          <p:nvPr>
+            <p:ph type="sldImg"/>
+          </p:nvPr>
+        </p:nvSpPr>
+        <p:spPr/>
+      </p:sp>
+      <p:sp>
+        <p:nvSpPr>
+          <p:cNvPr id="3" name="備忘稿版面配置區 2"/>
+          <p:cNvSpPr>
+            <a:spLocks noGrp="1"/>
+          </p:cNvSpPr>
+          <p:nvPr>
+            <p:ph type="body" idx="1"/>
+          </p:nvPr>
+        </p:nvSpPr>
+        <p:spPr/>
+        <p:txBody>
+          <a:bodyPr/>
+          <a:lstStyle/>
+          <a:p>
+            <a:r>
+              <a:rPr lang="en-US" altLang="zh-TW" sz="1200" b="1" i="0" kern="1200" dirty="0">
+                <a:solidFill>
+                  <a:srgbClr val="FFFFFF"/>
+                </a:solidFill>
+                <a:effectLst/>
+                <a:latin typeface="Roboto" panose="02000000000000000000" pitchFamily="2" charset="0"/>
+                <a:ea typeface="+mn-ea"/>
+                <a:cs typeface="+mn-cs"/>
+              </a:rPr>
+              <a:t>Audio equipment</a:t>
+            </a:r>
+          </a:p>
+          <a:p>
+            <a:endParaRPr lang="en-US" altLang="zh-TW" dirty="0"/>
+          </a:p>
+          <a:p>
+            <a:r>
+              <a:rPr lang="zh-TW" altLang="en-US" sz="1200" b="1" i="0" kern="1200" dirty="0">
+                <a:solidFill>
+                  <a:srgbClr val="FFFFFF"/>
+                </a:solidFill>
+                <a:effectLst/>
+                <a:latin typeface="Roboto" panose="02000000000000000000" pitchFamily="2" charset="0"/>
+                <a:ea typeface="+mn-ea"/>
+                <a:cs typeface="+mn-cs"/>
+              </a:rPr>
+              <a:t>看到其他參賽者裝備齊全，操作技術純熟。加上，家裡並不支持我走這條音樂路，這讓我更加焦慮。</a:t>
+            </a:r>
+          </a:p>
+          <a:p>
+            <a:endParaRPr lang="zh-TW" altLang="en-US" dirty="0"/>
+          </a:p>
+        </p:txBody>
+      </p:sp>
+      <p:sp>
+        <p:nvSpPr>
+          <p:cNvPr id="4" name="投影片編號版面配置區 3"/>
+          <p:cNvSpPr>
+            <a:spLocks noGrp="1"/>
+          </p:cNvSpPr>
+          <p:nvPr>
+            <p:ph type="sldNum" sz="quarter" idx="5"/>
+          </p:nvPr>
+        </p:nvSpPr>
+        <p:spPr/>
+        <p:txBody>
+          <a:bodyPr/>
+          <a:lstStyle/>
+          <a:p>
+            <a:fld id="{B487413E-1054-4680-9ADE-03C02C3A6B41}" type="slidenum">
+              <a:rPr lang="zh-TW" altLang="en-US" smtClean="0"/>
+              <a:t>4</a:t>
+            </a:fld>
+            <a:endParaRPr lang="zh-TW" altLang="en-US"/>
+          </a:p>
+        </p:txBody>
+      </p:sp>
+    </p:spTree>
+    <p:extLst>
+      <p:ext uri="{BB962C8B-B14F-4D97-AF65-F5344CB8AC3E}">
+        <p14:creationId xmlns:p14="http://schemas.microsoft.com/office/powerpoint/2010/main" val="2752882881"/>
+      </p:ext>
+    </p:extLst>
+  </p:cSld>
+  <p:clrMapOvr>
+    <a:masterClrMapping/>
+  </p:clrMapOvr>
+</p:notes>
+</file>
+
+<file path=ppt/notesSlides/notesSlide5.xml><?xml version="1.0" encoding="utf-8"?>
+<p:notes xmlns:a="http://schemas.openxmlformats.org/drawingml/2006/main" xmlns:r="http://schemas.openxmlformats.org/officeDocument/2006/relationships" xmlns:p="http://schemas.openxmlformats.org/presentationml/2006/main">
+  <p:cSld>
+    <p:spTree>
+      <p:nvGrpSpPr>
+        <p:cNvPr id="1" name=""/>
+        <p:cNvGrpSpPr/>
+        <p:nvPr/>
+      </p:nvGrpSpPr>
+      <p:grpSpPr>
+        <a:xfrm>
+          <a:off x="0" y="0"/>
+          <a:ext cx="0" cy="0"/>
+          <a:chOff x="0" y="0"/>
+          <a:chExt cx="0" cy="0"/>
+        </a:xfrm>
+      </p:grpSpPr>
+      <p:sp>
+        <p:nvSpPr>
+          <p:cNvPr id="2" name="投影片影像版面配置區 1"/>
+          <p:cNvSpPr>
+            <a:spLocks noGrp="1" noRot="1" noChangeAspect="1"/>
+          </p:cNvSpPr>
+          <p:nvPr>
+            <p:ph type="sldImg"/>
+          </p:nvPr>
+        </p:nvSpPr>
+        <p:spPr/>
+      </p:sp>
+      <p:sp>
+        <p:nvSpPr>
+          <p:cNvPr id="3" name="備忘稿版面配置區 2"/>
+          <p:cNvSpPr>
+            <a:spLocks noGrp="1"/>
+          </p:cNvSpPr>
+          <p:nvPr>
+            <p:ph type="body" idx="1"/>
+          </p:nvPr>
+        </p:nvSpPr>
+        <p:spPr/>
+        <p:txBody>
+          <a:bodyPr/>
+          <a:lstStyle/>
+          <a:p>
+            <a:r>
+              <a:rPr lang="en-US" altLang="zh-TW" sz="1200" b="1" i="0" kern="1200" dirty="0">
+                <a:solidFill>
+                  <a:srgbClr val="FFFFFF"/>
+                </a:solidFill>
+                <a:effectLst/>
+                <a:latin typeface="Roboto" panose="02000000000000000000" pitchFamily="2" charset="0"/>
+                <a:ea typeface="+mn-ea"/>
+                <a:cs typeface="+mn-cs"/>
+              </a:rPr>
+              <a:t>DJ booths with unique designs</a:t>
+            </a:r>
+          </a:p>
+          <a:p>
+            <a:endParaRPr lang="en-US" altLang="zh-TW" sz="1200" b="1" i="0" kern="1200" dirty="0">
+              <a:solidFill>
+                <a:srgbClr val="FFFFFF"/>
+              </a:solidFill>
+              <a:effectLst/>
+              <a:latin typeface="Roboto" panose="02000000000000000000" pitchFamily="2" charset="0"/>
+              <a:ea typeface="+mn-ea"/>
+              <a:cs typeface="+mn-cs"/>
+            </a:endParaRPr>
+          </a:p>
+          <a:p>
+            <a:r>
+              <a:rPr lang="zh-TW" altLang="en-US" sz="1200" b="1" i="0" kern="1200" dirty="0">
+                <a:solidFill>
+                  <a:srgbClr val="FFFFFF"/>
+                </a:solidFill>
+                <a:effectLst/>
+                <a:latin typeface="Roboto" panose="02000000000000000000" pitchFamily="2" charset="0"/>
+                <a:ea typeface="+mn-ea"/>
+                <a:cs typeface="+mn-cs"/>
+              </a:rPr>
+              <a:t>儘管如此，我告訴自己，這是我的機會。開始為即將上台的表演做準備</a:t>
+            </a:r>
+          </a:p>
+        </p:txBody>
+      </p:sp>
+      <p:sp>
+        <p:nvSpPr>
+          <p:cNvPr id="4" name="投影片編號版面配置區 3"/>
+          <p:cNvSpPr>
+            <a:spLocks noGrp="1"/>
+          </p:cNvSpPr>
+          <p:nvPr>
+            <p:ph type="sldNum" sz="quarter" idx="5"/>
+          </p:nvPr>
+        </p:nvSpPr>
+        <p:spPr/>
+        <p:txBody>
+          <a:bodyPr/>
+          <a:lstStyle/>
+          <a:p>
+            <a:fld id="{B487413E-1054-4680-9ADE-03C02C3A6B41}" type="slidenum">
+              <a:rPr lang="zh-TW" altLang="en-US" smtClean="0"/>
+              <a:t>5</a:t>
+            </a:fld>
+            <a:endParaRPr lang="zh-TW" altLang="en-US"/>
+          </a:p>
+        </p:txBody>
+      </p:sp>
+    </p:spTree>
+    <p:extLst>
+      <p:ext uri="{BB962C8B-B14F-4D97-AF65-F5344CB8AC3E}">
+        <p14:creationId xmlns:p14="http://schemas.microsoft.com/office/powerpoint/2010/main" val="1516917245"/>
+      </p:ext>
+    </p:extLst>
+  </p:cSld>
+  <p:clrMapOvr>
+    <a:masterClrMapping/>
+  </p:clrMapOvr>
+</p:notes>
+</file>
+
+<file path=ppt/notesSlides/notesSlide6.xml><?xml version="1.0" encoding="utf-8"?>
+<p:notes xmlns:a="http://schemas.openxmlformats.org/drawingml/2006/main" xmlns:r="http://schemas.openxmlformats.org/officeDocument/2006/relationships" xmlns:p="http://schemas.openxmlformats.org/presentationml/2006/main">
+  <p:cSld>
+    <p:spTree>
+      <p:nvGrpSpPr>
+        <p:cNvPr id="1" name=""/>
+        <p:cNvGrpSpPr/>
+        <p:nvPr/>
+      </p:nvGrpSpPr>
+      <p:grpSpPr>
+        <a:xfrm>
+          <a:off x="0" y="0"/>
+          <a:ext cx="0" cy="0"/>
+          <a:chOff x="0" y="0"/>
+          <a:chExt cx="0" cy="0"/>
+        </a:xfrm>
+      </p:grpSpPr>
+      <p:sp>
+        <p:nvSpPr>
+          <p:cNvPr id="2" name="投影片影像版面配置區 1"/>
+          <p:cNvSpPr>
+            <a:spLocks noGrp="1" noRot="1" noChangeAspect="1"/>
+          </p:cNvSpPr>
+          <p:nvPr>
+            <p:ph type="sldImg"/>
+          </p:nvPr>
+        </p:nvSpPr>
+        <p:spPr/>
+      </p:sp>
+      <p:sp>
+        <p:nvSpPr>
+          <p:cNvPr id="3" name="備忘稿版面配置區 2"/>
+          <p:cNvSpPr>
+            <a:spLocks noGrp="1"/>
+          </p:cNvSpPr>
+          <p:nvPr>
+            <p:ph type="body" idx="1"/>
+          </p:nvPr>
+        </p:nvSpPr>
+        <p:spPr/>
+        <p:txBody>
+          <a:bodyPr/>
+          <a:lstStyle/>
+          <a:p>
+            <a:r>
+              <a:rPr lang="en-US" altLang="zh-TW" sz="1200" b="1" i="0" kern="1200" dirty="0">
+                <a:solidFill>
+                  <a:srgbClr val="FFFFFF"/>
+                </a:solidFill>
+                <a:effectLst/>
+                <a:latin typeface="Roboto" panose="02000000000000000000" pitchFamily="2" charset="0"/>
+                <a:ea typeface="+mn-ea"/>
+                <a:cs typeface="+mn-cs"/>
+              </a:rPr>
+              <a:t>A male character with white hair, gray eyes, wearing a black and white T-shirt, with a cold expression, practicing DJ skills with dedication, and creating music that captivates the audience</a:t>
+            </a:r>
+          </a:p>
+          <a:p>
+            <a:endParaRPr lang="en-US" altLang="zh-TW" sz="1200" b="1" i="0" kern="1200" dirty="0">
+              <a:solidFill>
+                <a:srgbClr val="FFFFFF"/>
+              </a:solidFill>
+              <a:effectLst/>
+              <a:latin typeface="Roboto" panose="02000000000000000000" pitchFamily="2" charset="0"/>
+              <a:ea typeface="+mn-ea"/>
+              <a:cs typeface="+mn-cs"/>
+            </a:endParaRPr>
+          </a:p>
+          <a:p>
+            <a:r>
+              <a:rPr lang="zh-TW" altLang="en-US" sz="1200" b="1" i="0" kern="1200" dirty="0">
+                <a:solidFill>
+                  <a:srgbClr val="FFFFFF"/>
+                </a:solidFill>
+                <a:effectLst/>
+                <a:latin typeface="Roboto" panose="02000000000000000000" pitchFamily="2" charset="0"/>
+                <a:ea typeface="+mn-ea"/>
+                <a:cs typeface="+mn-cs"/>
+              </a:rPr>
+              <a:t>我回想起自己每個夜晚的練習，告訴自己只要專注於音樂，其他的都不重要。隨著比賽開始，我深吸一口氣，全心投入到混音的節奏中。</a:t>
+            </a:r>
+            <a:endParaRPr lang="en-US" altLang="zh-TW" sz="1200" b="1" i="0" kern="1200" dirty="0">
+              <a:solidFill>
+                <a:srgbClr val="FFFFFF"/>
+              </a:solidFill>
+              <a:effectLst/>
+              <a:latin typeface="Roboto" panose="02000000000000000000" pitchFamily="2" charset="0"/>
+              <a:ea typeface="+mn-ea"/>
+              <a:cs typeface="+mn-cs"/>
+            </a:endParaRPr>
+          </a:p>
+          <a:p>
+            <a:pPr marL="0" marR="0" lvl="0" indent="0" algn="l" defTabSz="914400" rtl="0" eaLnBrk="1" fontAlgn="auto" latinLnBrk="0" hangingPunct="1">
+              <a:lnSpc>
+                <a:spcPct val="100000"/>
+              </a:lnSpc>
+              <a:spcBef>
+                <a:spcPts val="0"/>
+              </a:spcBef>
+              <a:spcAft>
+                <a:spcPts val="0"/>
+              </a:spcAft>
+              <a:buClrTx/>
+              <a:buSzTx/>
+              <a:buFontTx/>
+              <a:buNone/>
+              <a:tabLst/>
+              <a:defRPr/>
+            </a:pPr>
+            <a:r>
+              <a:rPr lang="zh-TW" altLang="en-US" sz="1200" b="1" i="0" kern="1200" dirty="0">
+                <a:solidFill>
+                  <a:srgbClr val="FFFFFF"/>
+                </a:solidFill>
+                <a:effectLst/>
+                <a:latin typeface="Roboto" panose="02000000000000000000" pitchFamily="2" charset="0"/>
+                <a:ea typeface="+mn-ea"/>
+                <a:cs typeface="+mn-cs"/>
+              </a:rPr>
+              <a:t>隨著比賽開始，我深吸一口氣，全心投入到混音的節奏中。</a:t>
+            </a:r>
+          </a:p>
+          <a:p>
+            <a:endParaRPr lang="zh-TW" altLang="en-US" dirty="0"/>
+          </a:p>
+        </p:txBody>
+      </p:sp>
+      <p:sp>
+        <p:nvSpPr>
+          <p:cNvPr id="4" name="投影片編號版面配置區 3"/>
+          <p:cNvSpPr>
+            <a:spLocks noGrp="1"/>
+          </p:cNvSpPr>
+          <p:nvPr>
+            <p:ph type="sldNum" sz="quarter" idx="5"/>
+          </p:nvPr>
+        </p:nvSpPr>
+        <p:spPr/>
+        <p:txBody>
+          <a:bodyPr/>
+          <a:lstStyle/>
+          <a:p>
+            <a:fld id="{B487413E-1054-4680-9ADE-03C02C3A6B41}" type="slidenum">
+              <a:rPr lang="zh-TW" altLang="en-US" smtClean="0"/>
+              <a:t>6</a:t>
+            </a:fld>
+            <a:endParaRPr lang="zh-TW" altLang="en-US"/>
+          </a:p>
+        </p:txBody>
+      </p:sp>
+    </p:spTree>
+    <p:extLst>
+      <p:ext uri="{BB962C8B-B14F-4D97-AF65-F5344CB8AC3E}">
+        <p14:creationId xmlns:p14="http://schemas.microsoft.com/office/powerpoint/2010/main" val="1757270171"/>
+      </p:ext>
+    </p:extLst>
+  </p:cSld>
+  <p:clrMapOvr>
+    <a:masterClrMapping/>
+  </p:clrMapOvr>
+</p:notes>
+</file>
+
+<file path=ppt/notesSlides/notesSlide7.xml><?xml version="1.0" encoding="utf-8"?>
+<p:notes xmlns:a="http://schemas.openxmlformats.org/drawingml/2006/main" xmlns:r="http://schemas.openxmlformats.org/officeDocument/2006/relationships" xmlns:p="http://schemas.openxmlformats.org/presentationml/2006/main">
+  <p:cSld>
+    <p:spTree>
+      <p:nvGrpSpPr>
+        <p:cNvPr id="1" name=""/>
+        <p:cNvGrpSpPr/>
+        <p:nvPr/>
+      </p:nvGrpSpPr>
+      <p:grpSpPr>
+        <a:xfrm>
+          <a:off x="0" y="0"/>
+          <a:ext cx="0" cy="0"/>
+          <a:chOff x="0" y="0"/>
+          <a:chExt cx="0" cy="0"/>
+        </a:xfrm>
+      </p:grpSpPr>
+      <p:sp>
+        <p:nvSpPr>
+          <p:cNvPr id="2" name="投影片影像版面配置區 1"/>
+          <p:cNvSpPr>
+            <a:spLocks noGrp="1" noRot="1" noChangeAspect="1"/>
+          </p:cNvSpPr>
+          <p:nvPr>
+            <p:ph type="sldImg"/>
+          </p:nvPr>
+        </p:nvSpPr>
+        <p:spPr/>
+      </p:sp>
+      <p:sp>
+        <p:nvSpPr>
+          <p:cNvPr id="3" name="備忘稿版面配置區 2"/>
+          <p:cNvSpPr>
+            <a:spLocks noGrp="1"/>
+          </p:cNvSpPr>
+          <p:nvPr>
+            <p:ph type="body" idx="1"/>
+          </p:nvPr>
+        </p:nvSpPr>
+        <p:spPr/>
+        <p:txBody>
+          <a:bodyPr/>
+          <a:lstStyle/>
+          <a:p>
+            <a:r>
+              <a:rPr lang="en-US" altLang="zh-TW" b="1" i="0" dirty="0">
+                <a:solidFill>
+                  <a:srgbClr val="FFFFFF"/>
+                </a:solidFill>
+                <a:effectLst/>
+                <a:latin typeface="Roboto" panose="02000000000000000000" pitchFamily="2" charset="0"/>
+              </a:rPr>
+              <a:t>music sound equipment</a:t>
+            </a:r>
+          </a:p>
+          <a:p>
+            <a:endParaRPr lang="en-US" altLang="zh-TW" sz="1200" b="1" i="0" kern="1200" dirty="0">
+              <a:solidFill>
+                <a:srgbClr val="FFFFFF"/>
+              </a:solidFill>
+              <a:effectLst/>
+              <a:latin typeface="Roboto" panose="02000000000000000000" pitchFamily="2" charset="0"/>
+              <a:ea typeface="+mn-ea"/>
+              <a:cs typeface="+mn-cs"/>
+            </a:endParaRPr>
+          </a:p>
+          <a:p>
+            <a:pPr marL="0" marR="0" lvl="0" indent="0" algn="l" defTabSz="914400" rtl="0" eaLnBrk="1" fontAlgn="auto" latinLnBrk="0" hangingPunct="1">
+              <a:lnSpc>
+                <a:spcPct val="100000"/>
+              </a:lnSpc>
+              <a:spcBef>
+                <a:spcPts val="0"/>
+              </a:spcBef>
+              <a:spcAft>
+                <a:spcPts val="0"/>
+              </a:spcAft>
+              <a:buClrTx/>
+              <a:buSzTx/>
+              <a:buFontTx/>
+              <a:buNone/>
+              <a:tabLst/>
+              <a:defRPr/>
+            </a:pPr>
+            <a:r>
+              <a:rPr lang="zh-TW" altLang="en-US" sz="1200" b="1" i="0" kern="1200" dirty="0">
+                <a:solidFill>
+                  <a:srgbClr val="FFFFFF"/>
+                </a:solidFill>
+                <a:effectLst/>
+                <a:latin typeface="Roboto" panose="02000000000000000000" pitchFamily="2" charset="0"/>
+                <a:ea typeface="+mn-ea"/>
+                <a:cs typeface="+mn-cs"/>
+              </a:rPr>
+              <a:t>表演開始一切還算順利，但就在我準備播放最後一段高潮時，我的混音設備突然出現故障，音樂瞬間中斷。觀眾的注意力全都轉向了我，我感到無比尷尬和挫折。</a:t>
+            </a:r>
+          </a:p>
+          <a:p>
+            <a:endParaRPr lang="zh-TW" altLang="en-US" dirty="0"/>
+          </a:p>
+        </p:txBody>
+      </p:sp>
+      <p:sp>
+        <p:nvSpPr>
+          <p:cNvPr id="4" name="投影片編號版面配置區 3"/>
+          <p:cNvSpPr>
+            <a:spLocks noGrp="1"/>
+          </p:cNvSpPr>
+          <p:nvPr>
+            <p:ph type="sldNum" sz="quarter" idx="5"/>
+          </p:nvPr>
+        </p:nvSpPr>
+        <p:spPr/>
+        <p:txBody>
+          <a:bodyPr/>
+          <a:lstStyle/>
+          <a:p>
+            <a:fld id="{B487413E-1054-4680-9ADE-03C02C3A6B41}" type="slidenum">
+              <a:rPr lang="zh-TW" altLang="en-US" smtClean="0"/>
+              <a:t>7</a:t>
+            </a:fld>
+            <a:endParaRPr lang="zh-TW" altLang="en-US"/>
+          </a:p>
+        </p:txBody>
+      </p:sp>
+    </p:spTree>
+    <p:extLst>
+      <p:ext uri="{BB962C8B-B14F-4D97-AF65-F5344CB8AC3E}">
+        <p14:creationId xmlns:p14="http://schemas.microsoft.com/office/powerpoint/2010/main" val="2329343121"/>
+      </p:ext>
+    </p:extLst>
+  </p:cSld>
+  <p:clrMapOvr>
+    <a:masterClrMapping/>
+  </p:clrMapOvr>
+</p:notes>
+</file>
+
+<file path=ppt/notesSlides/notesSlide8.xml><?xml version="1.0" encoding="utf-8"?>
+<p:notes xmlns:a="http://schemas.openxmlformats.org/drawingml/2006/main" xmlns:r="http://schemas.openxmlformats.org/officeDocument/2006/relationships" xmlns:p="http://schemas.openxmlformats.org/presentationml/2006/main">
+  <p:cSld>
+    <p:spTree>
+      <p:nvGrpSpPr>
+        <p:cNvPr id="1" name=""/>
+        <p:cNvGrpSpPr/>
+        <p:nvPr/>
+      </p:nvGrpSpPr>
+      <p:grpSpPr>
+        <a:xfrm>
+          <a:off x="0" y="0"/>
+          <a:ext cx="0" cy="0"/>
+          <a:chOff x="0" y="0"/>
+          <a:chExt cx="0" cy="0"/>
+        </a:xfrm>
+      </p:grpSpPr>
+      <p:sp>
+        <p:nvSpPr>
+          <p:cNvPr id="2" name="投影片影像版面配置區 1"/>
+          <p:cNvSpPr>
+            <a:spLocks noGrp="1" noRot="1" noChangeAspect="1"/>
+          </p:cNvSpPr>
+          <p:nvPr>
+            <p:ph type="sldImg"/>
+          </p:nvPr>
+        </p:nvSpPr>
+        <p:spPr/>
+      </p:sp>
+      <p:sp>
+        <p:nvSpPr>
+          <p:cNvPr id="3" name="備忘稿版面配置區 2"/>
+          <p:cNvSpPr>
+            <a:spLocks noGrp="1"/>
+          </p:cNvSpPr>
+          <p:nvPr>
+            <p:ph type="body" idx="1"/>
+          </p:nvPr>
+        </p:nvSpPr>
+        <p:spPr/>
+        <p:txBody>
+          <a:bodyPr/>
+          <a:lstStyle/>
+          <a:p>
+            <a:r>
+              <a:rPr lang="en-US" altLang="zh-TW" sz="1200" b="1" i="0" kern="1200" dirty="0">
+                <a:solidFill>
+                  <a:srgbClr val="FFFFFF"/>
+                </a:solidFill>
+                <a:effectLst/>
+                <a:latin typeface="Roboto" panose="02000000000000000000" pitchFamily="2" charset="0"/>
+                <a:ea typeface="+mn-ea"/>
+                <a:cs typeface="+mn-cs"/>
+              </a:rPr>
+              <a:t>music sound equipment with music notes</a:t>
+            </a:r>
+          </a:p>
+          <a:p>
+            <a:endParaRPr lang="en-US" altLang="zh-TW" sz="1200" b="1" i="0" kern="1200" dirty="0">
+              <a:solidFill>
+                <a:srgbClr val="FFFFFF"/>
+              </a:solidFill>
+              <a:effectLst/>
+              <a:latin typeface="Roboto" panose="02000000000000000000" pitchFamily="2" charset="0"/>
+              <a:ea typeface="+mn-ea"/>
+              <a:cs typeface="+mn-cs"/>
+            </a:endParaRPr>
+          </a:p>
+          <a:p>
+            <a:r>
+              <a:rPr lang="zh-TW" altLang="en-US" sz="1200" b="1" i="0" kern="1200" dirty="0">
+                <a:solidFill>
+                  <a:srgbClr val="FFFFFF"/>
+                </a:solidFill>
+                <a:effectLst/>
+                <a:latin typeface="Roboto" panose="02000000000000000000" pitchFamily="2" charset="0"/>
+                <a:ea typeface="+mn-ea"/>
+                <a:cs typeface="+mn-cs"/>
+              </a:rPr>
+              <a:t>正當我感到失望時，現場的音樂監製注意到了我的問題，快速提供了一台備用設備。</a:t>
+            </a:r>
+            <a:endParaRPr lang="en-US" altLang="zh-TW" sz="1200" b="1" i="0" kern="1200" dirty="0">
+              <a:solidFill>
+                <a:srgbClr val="FFFFFF"/>
+              </a:solidFill>
+              <a:effectLst/>
+              <a:latin typeface="Roboto" panose="02000000000000000000" pitchFamily="2" charset="0"/>
+              <a:ea typeface="+mn-ea"/>
+              <a:cs typeface="+mn-cs"/>
+            </a:endParaRPr>
+          </a:p>
+        </p:txBody>
+      </p:sp>
+      <p:sp>
+        <p:nvSpPr>
+          <p:cNvPr id="4" name="投影片編號版面配置區 3"/>
+          <p:cNvSpPr>
+            <a:spLocks noGrp="1"/>
+          </p:cNvSpPr>
+          <p:nvPr>
+            <p:ph type="sldNum" sz="quarter" idx="5"/>
+          </p:nvPr>
+        </p:nvSpPr>
+        <p:spPr/>
+        <p:txBody>
+          <a:bodyPr/>
+          <a:lstStyle/>
+          <a:p>
+            <a:fld id="{B487413E-1054-4680-9ADE-03C02C3A6B41}" type="slidenum">
+              <a:rPr lang="zh-TW" altLang="en-US" smtClean="0"/>
+              <a:t>8</a:t>
+            </a:fld>
+            <a:endParaRPr lang="zh-TW" altLang="en-US"/>
+          </a:p>
+        </p:txBody>
+      </p:sp>
+    </p:spTree>
+    <p:extLst>
+      <p:ext uri="{BB962C8B-B14F-4D97-AF65-F5344CB8AC3E}">
+        <p14:creationId xmlns:p14="http://schemas.microsoft.com/office/powerpoint/2010/main" val="4074079685"/>
+      </p:ext>
+    </p:extLst>
+  </p:cSld>
+  <p:clrMapOvr>
+    <a:masterClrMapping/>
+  </p:clrMapOvr>
+</p:notes>
+</file>
+
+<file path=ppt/notesSlides/notesSlide9.xml><?xml version="1.0" encoding="utf-8"?>
+<p:notes xmlns:a="http://schemas.openxmlformats.org/drawingml/2006/main" xmlns:r="http://schemas.openxmlformats.org/officeDocument/2006/relationships" xmlns:p="http://schemas.openxmlformats.org/presentationml/2006/main">
+  <p:cSld>
+    <p:spTree>
+      <p:nvGrpSpPr>
+        <p:cNvPr id="1" name=""/>
+        <p:cNvGrpSpPr/>
+        <p:nvPr/>
+      </p:nvGrpSpPr>
+      <p:grpSpPr>
+        <a:xfrm>
+          <a:off x="0" y="0"/>
+          <a:ext cx="0" cy="0"/>
+          <a:chOff x="0" y="0"/>
+          <a:chExt cx="0" cy="0"/>
+        </a:xfrm>
+      </p:grpSpPr>
+      <p:sp>
+        <p:nvSpPr>
+          <p:cNvPr id="2" name="投影片影像版面配置區 1"/>
+          <p:cNvSpPr>
+            <a:spLocks noGrp="1" noRot="1" noChangeAspect="1"/>
+          </p:cNvSpPr>
+          <p:nvPr>
+            <p:ph type="sldImg"/>
+          </p:nvPr>
+        </p:nvSpPr>
+        <p:spPr/>
+      </p:sp>
+      <p:sp>
+        <p:nvSpPr>
+          <p:cNvPr id="3" name="備忘稿版面配置區 2"/>
+          <p:cNvSpPr>
+            <a:spLocks noGrp="1"/>
+          </p:cNvSpPr>
+          <p:nvPr>
+            <p:ph type="body" idx="1"/>
+          </p:nvPr>
+        </p:nvSpPr>
+        <p:spPr/>
+        <p:txBody>
+          <a:bodyPr/>
+          <a:lstStyle/>
+          <a:p>
+            <a:r>
+              <a:rPr lang="en-US" altLang="zh-TW" sz="1200" b="1" i="0" kern="1200" dirty="0">
+                <a:solidFill>
+                  <a:srgbClr val="FFFFFF"/>
+                </a:solidFill>
+                <a:effectLst/>
+                <a:latin typeface="Roboto" panose="02000000000000000000" pitchFamily="2" charset="0"/>
+                <a:ea typeface="+mn-ea"/>
+                <a:cs typeface="+mn-cs"/>
+              </a:rPr>
+              <a:t>DJ booths with unique designs</a:t>
+            </a:r>
+          </a:p>
+          <a:p>
+            <a:endParaRPr lang="en-US" altLang="zh-TW" sz="1200" b="1" i="0" kern="1200" dirty="0">
+              <a:solidFill>
+                <a:srgbClr val="FFFFFF"/>
+              </a:solidFill>
+              <a:effectLst/>
+              <a:latin typeface="Roboto" panose="02000000000000000000" pitchFamily="2" charset="0"/>
+              <a:ea typeface="+mn-ea"/>
+              <a:cs typeface="+mn-cs"/>
+            </a:endParaRPr>
+          </a:p>
+          <a:p>
+            <a:r>
+              <a:rPr lang="zh-TW" altLang="en-US" sz="1200" b="1" i="0" kern="1200" dirty="0">
+                <a:solidFill>
+                  <a:srgbClr val="FFFFFF"/>
+                </a:solidFill>
+                <a:effectLst/>
+                <a:latin typeface="Roboto" panose="02000000000000000000" pitchFamily="2" charset="0"/>
+                <a:ea typeface="+mn-ea"/>
+                <a:cs typeface="+mn-cs"/>
+              </a:rPr>
+              <a:t>這讓我重新拾起信心，完成了最後的混音。雖然表演不是完全按計劃進行，但觀眾的反應讓我感到驚喜，甚至有人開始隨著我的節奏舞動起來。</a:t>
+            </a:r>
+          </a:p>
+        </p:txBody>
+      </p:sp>
+      <p:sp>
+        <p:nvSpPr>
+          <p:cNvPr id="4" name="投影片編號版面配置區 3"/>
+          <p:cNvSpPr>
+            <a:spLocks noGrp="1"/>
+          </p:cNvSpPr>
+          <p:nvPr>
+            <p:ph type="sldNum" sz="quarter" idx="5"/>
+          </p:nvPr>
+        </p:nvSpPr>
+        <p:spPr/>
+        <p:txBody>
+          <a:bodyPr/>
+          <a:lstStyle/>
+          <a:p>
+            <a:fld id="{B487413E-1054-4680-9ADE-03C02C3A6B41}" type="slidenum">
+              <a:rPr lang="zh-TW" altLang="en-US" smtClean="0"/>
+              <a:t>9</a:t>
+            </a:fld>
+            <a:endParaRPr lang="zh-TW" altLang="en-US"/>
+          </a:p>
+        </p:txBody>
+      </p:sp>
+    </p:spTree>
+    <p:extLst>
+      <p:ext uri="{BB962C8B-B14F-4D97-AF65-F5344CB8AC3E}">
+        <p14:creationId xmlns:p14="http://schemas.microsoft.com/office/powerpoint/2010/main" val="2673353687"/>
+      </p:ext>
+    </p:extLst>
+  </p:cSld>
+  <p:clrMapOvr>
+    <a:masterClrMapping/>
+  </p:clrMapOvr>
+</p:notes>
 </file>
 
 <file path=ppt/slideLayouts/slideLayout1.xml><?xml version="1.0" encoding="utf-8"?>
@@ -129,7 +2125,7 @@
           <p:cNvPr id="2" name="標題 1">
             <a:extLst>
               <a:ext uri="{FF2B5EF4-FFF2-40B4-BE49-F238E27FC236}">
-                <a16:creationId xmlns:a16="http://schemas.microsoft.com/office/drawing/2014/main" id="{EB5CC918-B447-434E-B98E-5847BB49C259}"/>
+                <a16:creationId xmlns:a16="http://schemas.microsoft.com/office/drawing/2014/main" id="{EB21021E-0496-76CE-E6ED-CB84BD63ADEA}"/>
               </a:ext>
             </a:extLst>
           </p:cNvPr>
@@ -166,7 +2162,7 @@
           <p:cNvPr id="3" name="副標題 2">
             <a:extLst>
               <a:ext uri="{FF2B5EF4-FFF2-40B4-BE49-F238E27FC236}">
-                <a16:creationId xmlns:a16="http://schemas.microsoft.com/office/drawing/2014/main" id="{817FCC70-CC4E-4CB6-B2CF-9FDA5AC4D346}"/>
+                <a16:creationId xmlns:a16="http://schemas.microsoft.com/office/drawing/2014/main" id="{3E5E71C6-236B-B960-C67D-8C08E39C9256}"/>
               </a:ext>
             </a:extLst>
           </p:cNvPr>
@@ -236,7 +2232,7 @@
           <p:cNvPr id="4" name="日期版面配置區 3">
             <a:extLst>
               <a:ext uri="{FF2B5EF4-FFF2-40B4-BE49-F238E27FC236}">
-                <a16:creationId xmlns:a16="http://schemas.microsoft.com/office/drawing/2014/main" id="{BD08F018-0004-4322-AD0F-E6E740964233}"/>
+                <a16:creationId xmlns:a16="http://schemas.microsoft.com/office/drawing/2014/main" id="{691BA5F4-77F0-9568-0B81-3BBA8A8B0F0D}"/>
               </a:ext>
             </a:extLst>
           </p:cNvPr>
@@ -252,9 +2248,9 @@
           <a:bodyPr/>
           <a:lstStyle/>
           <a:p>
-            <a:fld id="{C3C90D7E-32D6-4894-AE08-7BBB3E610FC9}" type="datetimeFigureOut">
+            <a:fld id="{91B02C7C-A34F-48D1-9321-C49279C28F5B}" type="datetimeFigureOut">
               <a:rPr lang="zh-TW" altLang="en-US" smtClean="0"/>
-              <a:t>2024/9/16</a:t>
+              <a:t>2024/10/1</a:t>
             </a:fld>
             <a:endParaRPr lang="zh-TW" altLang="en-US"/>
           </a:p>
@@ -265,7 +2261,7 @@
           <p:cNvPr id="5" name="頁尾版面配置區 4">
             <a:extLst>
               <a:ext uri="{FF2B5EF4-FFF2-40B4-BE49-F238E27FC236}">
-                <a16:creationId xmlns:a16="http://schemas.microsoft.com/office/drawing/2014/main" id="{30427B34-CB13-41C7-B2F2-CED9BDC5B595}"/>
+                <a16:creationId xmlns:a16="http://schemas.microsoft.com/office/drawing/2014/main" id="{A68F28F0-809A-4CCB-C882-F91CC0FE2768}"/>
               </a:ext>
             </a:extLst>
           </p:cNvPr>
@@ -290,7 +2286,7 @@
           <p:cNvPr id="6" name="投影片編號版面配置區 5">
             <a:extLst>
               <a:ext uri="{FF2B5EF4-FFF2-40B4-BE49-F238E27FC236}">
-                <a16:creationId xmlns:a16="http://schemas.microsoft.com/office/drawing/2014/main" id="{76FA962E-5B03-439A-928C-87366876542D}"/>
+                <a16:creationId xmlns:a16="http://schemas.microsoft.com/office/drawing/2014/main" id="{2934B187-DE98-0B95-E302-AA87AD922FA5}"/>
               </a:ext>
             </a:extLst>
           </p:cNvPr>
@@ -306,7 +2302,7 @@
           <a:bodyPr/>
           <a:lstStyle/>
           <a:p>
-            <a:fld id="{E31EC408-072F-4346-BD0A-D6AA5788A305}" type="slidenum">
+            <a:fld id="{B77F578A-E708-4FF5-8CD5-2CF99810E8A1}" type="slidenum">
               <a:rPr lang="zh-TW" altLang="en-US" smtClean="0"/>
               <a:t>‹#›</a:t>
             </a:fld>
@@ -317,7 +2313,7 @@
     </p:spTree>
     <p:extLst>
       <p:ext uri="{BB962C8B-B14F-4D97-AF65-F5344CB8AC3E}">
-        <p14:creationId xmlns:p14="http://schemas.microsoft.com/office/powerpoint/2010/main" val="2963035110"/>
+        <p14:creationId xmlns:p14="http://schemas.microsoft.com/office/powerpoint/2010/main" val="3428303176"/>
       </p:ext>
     </p:extLst>
   </p:cSld>
@@ -349,7 +2345,7 @@
           <p:cNvPr id="2" name="標題 1">
             <a:extLst>
               <a:ext uri="{FF2B5EF4-FFF2-40B4-BE49-F238E27FC236}">
-                <a16:creationId xmlns:a16="http://schemas.microsoft.com/office/drawing/2014/main" id="{A02F0018-7F8E-4206-A929-07CDC6B5F34A}"/>
+                <a16:creationId xmlns:a16="http://schemas.microsoft.com/office/drawing/2014/main" id="{EF72A8AB-3785-B36F-A730-4762528BDA4E}"/>
               </a:ext>
             </a:extLst>
           </p:cNvPr>
@@ -377,7 +2373,7 @@
           <p:cNvPr id="3" name="直排文字版面配置區 2">
             <a:extLst>
               <a:ext uri="{FF2B5EF4-FFF2-40B4-BE49-F238E27FC236}">
-                <a16:creationId xmlns:a16="http://schemas.microsoft.com/office/drawing/2014/main" id="{9B801E88-34C3-4545-A358-81F5614FED64}"/>
+                <a16:creationId xmlns:a16="http://schemas.microsoft.com/office/drawing/2014/main" id="{7EEA9FF6-035A-0862-E3A9-B0448DF5883D}"/>
               </a:ext>
             </a:extLst>
           </p:cNvPr>
@@ -434,7 +2430,7 @@
           <p:cNvPr id="4" name="日期版面配置區 3">
             <a:extLst>
               <a:ext uri="{FF2B5EF4-FFF2-40B4-BE49-F238E27FC236}">
-                <a16:creationId xmlns:a16="http://schemas.microsoft.com/office/drawing/2014/main" id="{60AFD716-8B99-4230-B55F-C8B88ECBB171}"/>
+                <a16:creationId xmlns:a16="http://schemas.microsoft.com/office/drawing/2014/main" id="{11465545-BC35-D429-262B-40A2EF7FAE07}"/>
               </a:ext>
             </a:extLst>
           </p:cNvPr>
@@ -450,9 +2446,9 @@
           <a:bodyPr/>
           <a:lstStyle/>
           <a:p>
-            <a:fld id="{C3C90D7E-32D6-4894-AE08-7BBB3E610FC9}" type="datetimeFigureOut">
+            <a:fld id="{91B02C7C-A34F-48D1-9321-C49279C28F5B}" type="datetimeFigureOut">
               <a:rPr lang="zh-TW" altLang="en-US" smtClean="0"/>
-              <a:t>2024/9/16</a:t>
+              <a:t>2024/10/1</a:t>
             </a:fld>
             <a:endParaRPr lang="zh-TW" altLang="en-US"/>
           </a:p>
@@ -463,7 +2459,7 @@
           <p:cNvPr id="5" name="頁尾版面配置區 4">
             <a:extLst>
               <a:ext uri="{FF2B5EF4-FFF2-40B4-BE49-F238E27FC236}">
-                <a16:creationId xmlns:a16="http://schemas.microsoft.com/office/drawing/2014/main" id="{EA374743-76D9-4BF8-A60C-2F50B2636A8A}"/>
+                <a16:creationId xmlns:a16="http://schemas.microsoft.com/office/drawing/2014/main" id="{6B91E46A-685A-043C-9E1F-A6D49124AD94}"/>
               </a:ext>
             </a:extLst>
           </p:cNvPr>
@@ -488,7 +2484,7 @@
           <p:cNvPr id="6" name="投影片編號版面配置區 5">
             <a:extLst>
               <a:ext uri="{FF2B5EF4-FFF2-40B4-BE49-F238E27FC236}">
-                <a16:creationId xmlns:a16="http://schemas.microsoft.com/office/drawing/2014/main" id="{00454594-6C11-4013-A666-A151E960EC9B}"/>
+                <a16:creationId xmlns:a16="http://schemas.microsoft.com/office/drawing/2014/main" id="{1B12A62C-3AA6-D077-8D31-67FE62BA0BF2}"/>
               </a:ext>
             </a:extLst>
           </p:cNvPr>
@@ -504,7 +2500,7 @@
           <a:bodyPr/>
           <a:lstStyle/>
           <a:p>
-            <a:fld id="{E31EC408-072F-4346-BD0A-D6AA5788A305}" type="slidenum">
+            <a:fld id="{B77F578A-E708-4FF5-8CD5-2CF99810E8A1}" type="slidenum">
               <a:rPr lang="zh-TW" altLang="en-US" smtClean="0"/>
               <a:t>‹#›</a:t>
             </a:fld>
@@ -515,7 +2511,7 @@
     </p:spTree>
     <p:extLst>
       <p:ext uri="{BB962C8B-B14F-4D97-AF65-F5344CB8AC3E}">
-        <p14:creationId xmlns:p14="http://schemas.microsoft.com/office/powerpoint/2010/main" val="188953001"/>
+        <p14:creationId xmlns:p14="http://schemas.microsoft.com/office/powerpoint/2010/main" val="17478298"/>
       </p:ext>
     </p:extLst>
   </p:cSld>
@@ -547,7 +2543,7 @@
           <p:cNvPr id="2" name="直排標題 1">
             <a:extLst>
               <a:ext uri="{FF2B5EF4-FFF2-40B4-BE49-F238E27FC236}">
-                <a16:creationId xmlns:a16="http://schemas.microsoft.com/office/drawing/2014/main" id="{70F760AC-E708-4605-85E2-7D0F424B3E29}"/>
+                <a16:creationId xmlns:a16="http://schemas.microsoft.com/office/drawing/2014/main" id="{E922537A-7005-79D9-0D79-68B42DF3F801}"/>
               </a:ext>
             </a:extLst>
           </p:cNvPr>
@@ -580,7 +2576,7 @@
           <p:cNvPr id="3" name="直排文字版面配置區 2">
             <a:extLst>
               <a:ext uri="{FF2B5EF4-FFF2-40B4-BE49-F238E27FC236}">
-                <a16:creationId xmlns:a16="http://schemas.microsoft.com/office/drawing/2014/main" id="{84BECF48-F3B6-4D47-82A8-C6AE92EDC2F0}"/>
+                <a16:creationId xmlns:a16="http://schemas.microsoft.com/office/drawing/2014/main" id="{9FB7589B-A09E-844E-8448-921B77BEAE5F}"/>
               </a:ext>
             </a:extLst>
           </p:cNvPr>
@@ -642,7 +2638,7 @@
           <p:cNvPr id="4" name="日期版面配置區 3">
             <a:extLst>
               <a:ext uri="{FF2B5EF4-FFF2-40B4-BE49-F238E27FC236}">
-                <a16:creationId xmlns:a16="http://schemas.microsoft.com/office/drawing/2014/main" id="{215DE52A-093E-4116-A2FE-F61BA999B89F}"/>
+                <a16:creationId xmlns:a16="http://schemas.microsoft.com/office/drawing/2014/main" id="{5D4BEE79-E9A1-49C5-F4F9-4282D3F011CC}"/>
               </a:ext>
             </a:extLst>
           </p:cNvPr>
@@ -658,9 +2654,9 @@
           <a:bodyPr/>
           <a:lstStyle/>
           <a:p>
-            <a:fld id="{C3C90D7E-32D6-4894-AE08-7BBB3E610FC9}" type="datetimeFigureOut">
+            <a:fld id="{91B02C7C-A34F-48D1-9321-C49279C28F5B}" type="datetimeFigureOut">
               <a:rPr lang="zh-TW" altLang="en-US" smtClean="0"/>
-              <a:t>2024/9/16</a:t>
+              <a:t>2024/10/1</a:t>
             </a:fld>
             <a:endParaRPr lang="zh-TW" altLang="en-US"/>
           </a:p>
@@ -671,7 +2667,7 @@
           <p:cNvPr id="5" name="頁尾版面配置區 4">
             <a:extLst>
               <a:ext uri="{FF2B5EF4-FFF2-40B4-BE49-F238E27FC236}">
-                <a16:creationId xmlns:a16="http://schemas.microsoft.com/office/drawing/2014/main" id="{34553FE1-A5D9-4070-AA9C-378F491D4677}"/>
+                <a16:creationId xmlns:a16="http://schemas.microsoft.com/office/drawing/2014/main" id="{37557CFB-D6D1-44EB-74C3-30DDC72F0CA9}"/>
               </a:ext>
             </a:extLst>
           </p:cNvPr>
@@ -696,7 +2692,7 @@
           <p:cNvPr id="6" name="投影片編號版面配置區 5">
             <a:extLst>
               <a:ext uri="{FF2B5EF4-FFF2-40B4-BE49-F238E27FC236}">
-                <a16:creationId xmlns:a16="http://schemas.microsoft.com/office/drawing/2014/main" id="{928EFDDC-5B11-4543-8144-518625EDA57F}"/>
+                <a16:creationId xmlns:a16="http://schemas.microsoft.com/office/drawing/2014/main" id="{CA6B3134-0B3B-64CD-0F31-BBBD96B4E86F}"/>
               </a:ext>
             </a:extLst>
           </p:cNvPr>
@@ -712,7 +2708,7 @@
           <a:bodyPr/>
           <a:lstStyle/>
           <a:p>
-            <a:fld id="{E31EC408-072F-4346-BD0A-D6AA5788A305}" type="slidenum">
+            <a:fld id="{B77F578A-E708-4FF5-8CD5-2CF99810E8A1}" type="slidenum">
               <a:rPr lang="zh-TW" altLang="en-US" smtClean="0"/>
               <a:t>‹#›</a:t>
             </a:fld>
@@ -723,7 +2719,7 @@
     </p:spTree>
     <p:extLst>
       <p:ext uri="{BB962C8B-B14F-4D97-AF65-F5344CB8AC3E}">
-        <p14:creationId xmlns:p14="http://schemas.microsoft.com/office/powerpoint/2010/main" val="2483123943"/>
+        <p14:creationId xmlns:p14="http://schemas.microsoft.com/office/powerpoint/2010/main" val="3414805901"/>
       </p:ext>
     </p:extLst>
   </p:cSld>
@@ -755,7 +2751,7 @@
           <p:cNvPr id="2" name="標題 1">
             <a:extLst>
               <a:ext uri="{FF2B5EF4-FFF2-40B4-BE49-F238E27FC236}">
-                <a16:creationId xmlns:a16="http://schemas.microsoft.com/office/drawing/2014/main" id="{A1BFCF4C-FB58-444C-B754-A594851E4C7B}"/>
+                <a16:creationId xmlns:a16="http://schemas.microsoft.com/office/drawing/2014/main" id="{E993D115-9805-5A7E-FD86-B18474FDD2B4}"/>
               </a:ext>
             </a:extLst>
           </p:cNvPr>
@@ -783,7 +2779,7 @@
           <p:cNvPr id="3" name="內容版面配置區 2">
             <a:extLst>
               <a:ext uri="{FF2B5EF4-FFF2-40B4-BE49-F238E27FC236}">
-                <a16:creationId xmlns:a16="http://schemas.microsoft.com/office/drawing/2014/main" id="{987C475D-648F-4511-A6FE-04B04F755F93}"/>
+                <a16:creationId xmlns:a16="http://schemas.microsoft.com/office/drawing/2014/main" id="{CE78B57B-3F19-4711-5162-36613F3360EA}"/>
               </a:ext>
             </a:extLst>
           </p:cNvPr>
@@ -840,7 +2836,7 @@
           <p:cNvPr id="4" name="日期版面配置區 3">
             <a:extLst>
               <a:ext uri="{FF2B5EF4-FFF2-40B4-BE49-F238E27FC236}">
-                <a16:creationId xmlns:a16="http://schemas.microsoft.com/office/drawing/2014/main" id="{F511FCF8-D8F7-4914-920F-D63F2D97F713}"/>
+                <a16:creationId xmlns:a16="http://schemas.microsoft.com/office/drawing/2014/main" id="{6FF8316C-1C28-5926-B959-2E2EEA6552BD}"/>
               </a:ext>
             </a:extLst>
           </p:cNvPr>
@@ -856,9 +2852,9 @@
           <a:bodyPr/>
           <a:lstStyle/>
           <a:p>
-            <a:fld id="{C3C90D7E-32D6-4894-AE08-7BBB3E610FC9}" type="datetimeFigureOut">
+            <a:fld id="{91B02C7C-A34F-48D1-9321-C49279C28F5B}" type="datetimeFigureOut">
               <a:rPr lang="zh-TW" altLang="en-US" smtClean="0"/>
-              <a:t>2024/9/16</a:t>
+              <a:t>2024/10/1</a:t>
             </a:fld>
             <a:endParaRPr lang="zh-TW" altLang="en-US"/>
           </a:p>
@@ -869,7 +2865,7 @@
           <p:cNvPr id="5" name="頁尾版面配置區 4">
             <a:extLst>
               <a:ext uri="{FF2B5EF4-FFF2-40B4-BE49-F238E27FC236}">
-                <a16:creationId xmlns:a16="http://schemas.microsoft.com/office/drawing/2014/main" id="{7E1D3E8F-338D-4B4D-B411-5282866FF95D}"/>
+                <a16:creationId xmlns:a16="http://schemas.microsoft.com/office/drawing/2014/main" id="{D14F5A08-C60D-E923-35D7-49A981F3DDE9}"/>
               </a:ext>
             </a:extLst>
           </p:cNvPr>
@@ -894,7 +2890,7 @@
           <p:cNvPr id="6" name="投影片編號版面配置區 5">
             <a:extLst>
               <a:ext uri="{FF2B5EF4-FFF2-40B4-BE49-F238E27FC236}">
-                <a16:creationId xmlns:a16="http://schemas.microsoft.com/office/drawing/2014/main" id="{F7DF3AD5-06B6-42D8-AEDF-66CCE6582524}"/>
+                <a16:creationId xmlns:a16="http://schemas.microsoft.com/office/drawing/2014/main" id="{CBB89FDB-A625-71FD-1146-B0D013AE81AB}"/>
               </a:ext>
             </a:extLst>
           </p:cNvPr>
@@ -910,7 +2906,7 @@
           <a:bodyPr/>
           <a:lstStyle/>
           <a:p>
-            <a:fld id="{E31EC408-072F-4346-BD0A-D6AA5788A305}" type="slidenum">
+            <a:fld id="{B77F578A-E708-4FF5-8CD5-2CF99810E8A1}" type="slidenum">
               <a:rPr lang="zh-TW" altLang="en-US" smtClean="0"/>
               <a:t>‹#›</a:t>
             </a:fld>
@@ -921,7 +2917,7 @@
     </p:spTree>
     <p:extLst>
       <p:ext uri="{BB962C8B-B14F-4D97-AF65-F5344CB8AC3E}">
-        <p14:creationId xmlns:p14="http://schemas.microsoft.com/office/powerpoint/2010/main" val="4198509733"/>
+        <p14:creationId xmlns:p14="http://schemas.microsoft.com/office/powerpoint/2010/main" val="460651244"/>
       </p:ext>
     </p:extLst>
   </p:cSld>
@@ -953,7 +2949,7 @@
           <p:cNvPr id="2" name="標題 1">
             <a:extLst>
               <a:ext uri="{FF2B5EF4-FFF2-40B4-BE49-F238E27FC236}">
-                <a16:creationId xmlns:a16="http://schemas.microsoft.com/office/drawing/2014/main" id="{5986B870-2B24-4658-9AEB-3C92E8E40B41}"/>
+                <a16:creationId xmlns:a16="http://schemas.microsoft.com/office/drawing/2014/main" id="{F0B6E4A3-BABD-6E12-DB28-6312FB65F4AC}"/>
               </a:ext>
             </a:extLst>
           </p:cNvPr>
@@ -990,7 +2986,7 @@
           <p:cNvPr id="3" name="文字版面配置區 2">
             <a:extLst>
               <a:ext uri="{FF2B5EF4-FFF2-40B4-BE49-F238E27FC236}">
-                <a16:creationId xmlns:a16="http://schemas.microsoft.com/office/drawing/2014/main" id="{90235018-E757-4630-8511-F466B919268F}"/>
+                <a16:creationId xmlns:a16="http://schemas.microsoft.com/office/drawing/2014/main" id="{AA03CEE1-B90E-F64C-955D-E0742A4C4257}"/>
               </a:ext>
             </a:extLst>
           </p:cNvPr>
@@ -1015,7 +3011,7 @@
               <a:defRPr sz="2400">
                 <a:solidFill>
                   <a:schemeClr val="tx1">
-                    <a:tint val="75000"/>
+                    <a:tint val="82000"/>
                   </a:schemeClr>
                 </a:solidFill>
               </a:defRPr>
@@ -1025,7 +3021,7 @@
               <a:defRPr sz="2000">
                 <a:solidFill>
                   <a:schemeClr val="tx1">
-                    <a:tint val="75000"/>
+                    <a:tint val="82000"/>
                   </a:schemeClr>
                 </a:solidFill>
               </a:defRPr>
@@ -1035,7 +3031,7 @@
               <a:defRPr sz="1800">
                 <a:solidFill>
                   <a:schemeClr val="tx1">
-                    <a:tint val="75000"/>
+                    <a:tint val="82000"/>
                   </a:schemeClr>
                 </a:solidFill>
               </a:defRPr>
@@ -1045,7 +3041,7 @@
               <a:defRPr sz="1600">
                 <a:solidFill>
                   <a:schemeClr val="tx1">
-                    <a:tint val="75000"/>
+                    <a:tint val="82000"/>
                   </a:schemeClr>
                 </a:solidFill>
               </a:defRPr>
@@ -1055,7 +3051,7 @@
               <a:defRPr sz="1600">
                 <a:solidFill>
                   <a:schemeClr val="tx1">
-                    <a:tint val="75000"/>
+                    <a:tint val="82000"/>
                   </a:schemeClr>
                 </a:solidFill>
               </a:defRPr>
@@ -1065,7 +3061,7 @@
               <a:defRPr sz="1600">
                 <a:solidFill>
                   <a:schemeClr val="tx1">
-                    <a:tint val="75000"/>
+                    <a:tint val="82000"/>
                   </a:schemeClr>
                 </a:solidFill>
               </a:defRPr>
@@ -1075,7 +3071,7 @@
               <a:defRPr sz="1600">
                 <a:solidFill>
                   <a:schemeClr val="tx1">
-                    <a:tint val="75000"/>
+                    <a:tint val="82000"/>
                   </a:schemeClr>
                 </a:solidFill>
               </a:defRPr>
@@ -1085,7 +3081,7 @@
               <a:defRPr sz="1600">
                 <a:solidFill>
                   <a:schemeClr val="tx1">
-                    <a:tint val="75000"/>
+                    <a:tint val="82000"/>
                   </a:schemeClr>
                 </a:solidFill>
               </a:defRPr>
@@ -1095,7 +3091,7 @@
               <a:defRPr sz="1600">
                 <a:solidFill>
                   <a:schemeClr val="tx1">
-                    <a:tint val="75000"/>
+                    <a:tint val="82000"/>
                   </a:schemeClr>
                 </a:solidFill>
               </a:defRPr>
@@ -1115,7 +3111,7 @@
           <p:cNvPr id="4" name="日期版面配置區 3">
             <a:extLst>
               <a:ext uri="{FF2B5EF4-FFF2-40B4-BE49-F238E27FC236}">
-                <a16:creationId xmlns:a16="http://schemas.microsoft.com/office/drawing/2014/main" id="{37546C76-CF19-433D-9070-0A54A149F1B2}"/>
+                <a16:creationId xmlns:a16="http://schemas.microsoft.com/office/drawing/2014/main" id="{6D22104C-F3E1-4742-1DE1-5E05FF5F55D7}"/>
               </a:ext>
             </a:extLst>
           </p:cNvPr>
@@ -1131,9 +3127,9 @@
           <a:bodyPr/>
           <a:lstStyle/>
           <a:p>
-            <a:fld id="{C3C90D7E-32D6-4894-AE08-7BBB3E610FC9}" type="datetimeFigureOut">
+            <a:fld id="{91B02C7C-A34F-48D1-9321-C49279C28F5B}" type="datetimeFigureOut">
               <a:rPr lang="zh-TW" altLang="en-US" smtClean="0"/>
-              <a:t>2024/9/16</a:t>
+              <a:t>2024/10/1</a:t>
             </a:fld>
             <a:endParaRPr lang="zh-TW" altLang="en-US"/>
           </a:p>
@@ -1144,7 +3140,7 @@
           <p:cNvPr id="5" name="頁尾版面配置區 4">
             <a:extLst>
               <a:ext uri="{FF2B5EF4-FFF2-40B4-BE49-F238E27FC236}">
-                <a16:creationId xmlns:a16="http://schemas.microsoft.com/office/drawing/2014/main" id="{9C9DC25F-827C-4564-AD0E-7FD815D53AF7}"/>
+                <a16:creationId xmlns:a16="http://schemas.microsoft.com/office/drawing/2014/main" id="{783FC1A6-4B5E-4F1E-8942-2E222E11AD47}"/>
               </a:ext>
             </a:extLst>
           </p:cNvPr>
@@ -1169,7 +3165,7 @@
           <p:cNvPr id="6" name="投影片編號版面配置區 5">
             <a:extLst>
               <a:ext uri="{FF2B5EF4-FFF2-40B4-BE49-F238E27FC236}">
-                <a16:creationId xmlns:a16="http://schemas.microsoft.com/office/drawing/2014/main" id="{8C0653A6-68AA-4213-8D62-EAF9243D6998}"/>
+                <a16:creationId xmlns:a16="http://schemas.microsoft.com/office/drawing/2014/main" id="{A85ADACC-7AF7-7B9C-B048-C2EA5998C790}"/>
               </a:ext>
             </a:extLst>
           </p:cNvPr>
@@ -1185,7 +3181,7 @@
           <a:bodyPr/>
           <a:lstStyle/>
           <a:p>
-            <a:fld id="{E31EC408-072F-4346-BD0A-D6AA5788A305}" type="slidenum">
+            <a:fld id="{B77F578A-E708-4FF5-8CD5-2CF99810E8A1}" type="slidenum">
               <a:rPr lang="zh-TW" altLang="en-US" smtClean="0"/>
               <a:t>‹#›</a:t>
             </a:fld>
@@ -1196,7 +3192,7 @@
     </p:spTree>
     <p:extLst>
       <p:ext uri="{BB962C8B-B14F-4D97-AF65-F5344CB8AC3E}">
-        <p14:creationId xmlns:p14="http://schemas.microsoft.com/office/powerpoint/2010/main" val="3126775509"/>
+        <p14:creationId xmlns:p14="http://schemas.microsoft.com/office/powerpoint/2010/main" val="1534079832"/>
       </p:ext>
     </p:extLst>
   </p:cSld>
@@ -1228,7 +3224,7 @@
           <p:cNvPr id="2" name="標題 1">
             <a:extLst>
               <a:ext uri="{FF2B5EF4-FFF2-40B4-BE49-F238E27FC236}">
-                <a16:creationId xmlns:a16="http://schemas.microsoft.com/office/drawing/2014/main" id="{F8A74D77-9E6E-4FD1-97AD-0ADC1228B6AF}"/>
+                <a16:creationId xmlns:a16="http://schemas.microsoft.com/office/drawing/2014/main" id="{27473596-B0DB-AF34-CB68-1C99679E9137}"/>
               </a:ext>
             </a:extLst>
           </p:cNvPr>
@@ -1256,7 +3252,7 @@
           <p:cNvPr id="3" name="內容版面配置區 2">
             <a:extLst>
               <a:ext uri="{FF2B5EF4-FFF2-40B4-BE49-F238E27FC236}">
-                <a16:creationId xmlns:a16="http://schemas.microsoft.com/office/drawing/2014/main" id="{9FDE4E9B-689C-4373-B281-9636BE211982}"/>
+                <a16:creationId xmlns:a16="http://schemas.microsoft.com/office/drawing/2014/main" id="{40B0CD19-5326-84C9-7775-858A78C7EA72}"/>
               </a:ext>
             </a:extLst>
           </p:cNvPr>
@@ -1318,7 +3314,7 @@
           <p:cNvPr id="4" name="內容版面配置區 3">
             <a:extLst>
               <a:ext uri="{FF2B5EF4-FFF2-40B4-BE49-F238E27FC236}">
-                <a16:creationId xmlns:a16="http://schemas.microsoft.com/office/drawing/2014/main" id="{CD25EC10-0BDA-4ECA-AB8E-059AC3378E22}"/>
+                <a16:creationId xmlns:a16="http://schemas.microsoft.com/office/drawing/2014/main" id="{7978CA4C-1C6C-B3B4-060F-AB0C4D46822E}"/>
               </a:ext>
             </a:extLst>
           </p:cNvPr>
@@ -1380,7 +3376,7 @@
           <p:cNvPr id="5" name="日期版面配置區 4">
             <a:extLst>
               <a:ext uri="{FF2B5EF4-FFF2-40B4-BE49-F238E27FC236}">
-                <a16:creationId xmlns:a16="http://schemas.microsoft.com/office/drawing/2014/main" id="{63DAF127-0983-4C38-869C-C0A513FA9147}"/>
+                <a16:creationId xmlns:a16="http://schemas.microsoft.com/office/drawing/2014/main" id="{79F0AEAA-489C-7A6B-3560-36A1293F0CBF}"/>
               </a:ext>
             </a:extLst>
           </p:cNvPr>
@@ -1396,9 +3392,9 @@
           <a:bodyPr/>
           <a:lstStyle/>
           <a:p>
-            <a:fld id="{C3C90D7E-32D6-4894-AE08-7BBB3E610FC9}" type="datetimeFigureOut">
+            <a:fld id="{91B02C7C-A34F-48D1-9321-C49279C28F5B}" type="datetimeFigureOut">
               <a:rPr lang="zh-TW" altLang="en-US" smtClean="0"/>
-              <a:t>2024/9/16</a:t>
+              <a:t>2024/10/1</a:t>
             </a:fld>
             <a:endParaRPr lang="zh-TW" altLang="en-US"/>
           </a:p>
@@ -1409,7 +3405,7 @@
           <p:cNvPr id="6" name="頁尾版面配置區 5">
             <a:extLst>
               <a:ext uri="{FF2B5EF4-FFF2-40B4-BE49-F238E27FC236}">
-                <a16:creationId xmlns:a16="http://schemas.microsoft.com/office/drawing/2014/main" id="{E014CBA6-CCE3-4CF4-8E13-D895EDBD8F25}"/>
+                <a16:creationId xmlns:a16="http://schemas.microsoft.com/office/drawing/2014/main" id="{D0E19532-462C-035F-DBF9-8B35D15F0ED8}"/>
               </a:ext>
             </a:extLst>
           </p:cNvPr>
@@ -1434,7 +3430,7 @@
           <p:cNvPr id="7" name="投影片編號版面配置區 6">
             <a:extLst>
               <a:ext uri="{FF2B5EF4-FFF2-40B4-BE49-F238E27FC236}">
-                <a16:creationId xmlns:a16="http://schemas.microsoft.com/office/drawing/2014/main" id="{5CEAA8E5-79B3-445E-B8C3-29BD56CE6D7A}"/>
+                <a16:creationId xmlns:a16="http://schemas.microsoft.com/office/drawing/2014/main" id="{7CC083E1-B17C-41EB-5586-2682860FBE8C}"/>
               </a:ext>
             </a:extLst>
           </p:cNvPr>
@@ -1450,7 +3446,7 @@
           <a:bodyPr/>
           <a:lstStyle/>
           <a:p>
-            <a:fld id="{E31EC408-072F-4346-BD0A-D6AA5788A305}" type="slidenum">
+            <a:fld id="{B77F578A-E708-4FF5-8CD5-2CF99810E8A1}" type="slidenum">
               <a:rPr lang="zh-TW" altLang="en-US" smtClean="0"/>
               <a:t>‹#›</a:t>
             </a:fld>
@@ -1461,7 +3457,7 @@
     </p:spTree>
     <p:extLst>
       <p:ext uri="{BB962C8B-B14F-4D97-AF65-F5344CB8AC3E}">
-        <p14:creationId xmlns:p14="http://schemas.microsoft.com/office/powerpoint/2010/main" val="3858213488"/>
+        <p14:creationId xmlns:p14="http://schemas.microsoft.com/office/powerpoint/2010/main" val="3548978765"/>
       </p:ext>
     </p:extLst>
   </p:cSld>
@@ -1493,7 +3489,7 @@
           <p:cNvPr id="2" name="標題 1">
             <a:extLst>
               <a:ext uri="{FF2B5EF4-FFF2-40B4-BE49-F238E27FC236}">
-                <a16:creationId xmlns:a16="http://schemas.microsoft.com/office/drawing/2014/main" id="{A00F76B6-8DEC-4A74-A06A-BA0146321CD8}"/>
+                <a16:creationId xmlns:a16="http://schemas.microsoft.com/office/drawing/2014/main" id="{73CA3204-90CC-2A84-DC45-7B3EAAE6E18D}"/>
               </a:ext>
             </a:extLst>
           </p:cNvPr>
@@ -1526,7 +3522,7 @@
           <p:cNvPr id="3" name="文字版面配置區 2">
             <a:extLst>
               <a:ext uri="{FF2B5EF4-FFF2-40B4-BE49-F238E27FC236}">
-                <a16:creationId xmlns:a16="http://schemas.microsoft.com/office/drawing/2014/main" id="{EF00F5C5-99A7-4F16-855A-F170362659F7}"/>
+                <a16:creationId xmlns:a16="http://schemas.microsoft.com/office/drawing/2014/main" id="{CF516ACF-C364-1B2E-3A7D-1530BFA87A45}"/>
               </a:ext>
             </a:extLst>
           </p:cNvPr>
@@ -1597,7 +3593,7 @@
           <p:cNvPr id="4" name="內容版面配置區 3">
             <a:extLst>
               <a:ext uri="{FF2B5EF4-FFF2-40B4-BE49-F238E27FC236}">
-                <a16:creationId xmlns:a16="http://schemas.microsoft.com/office/drawing/2014/main" id="{6722BEB2-C9B4-4C14-8234-D17E84349984}"/>
+                <a16:creationId xmlns:a16="http://schemas.microsoft.com/office/drawing/2014/main" id="{D49FDA18-6C9E-5F9A-4E85-28596B3F6D1E}"/>
               </a:ext>
             </a:extLst>
           </p:cNvPr>
@@ -1659,7 +3655,7 @@
           <p:cNvPr id="5" name="文字版面配置區 4">
             <a:extLst>
               <a:ext uri="{FF2B5EF4-FFF2-40B4-BE49-F238E27FC236}">
-                <a16:creationId xmlns:a16="http://schemas.microsoft.com/office/drawing/2014/main" id="{E4A41162-A0AC-4211-940F-4B92208F9B0E}"/>
+                <a16:creationId xmlns:a16="http://schemas.microsoft.com/office/drawing/2014/main" id="{80C8F552-249F-893A-DCE8-20DECD8F1074}"/>
               </a:ext>
             </a:extLst>
           </p:cNvPr>
@@ -1730,7 +3726,7 @@
           <p:cNvPr id="6" name="內容版面配置區 5">
             <a:extLst>
               <a:ext uri="{FF2B5EF4-FFF2-40B4-BE49-F238E27FC236}">
-                <a16:creationId xmlns:a16="http://schemas.microsoft.com/office/drawing/2014/main" id="{E8EA159A-F9D7-4F58-A7C3-6E5B65E42266}"/>
+                <a16:creationId xmlns:a16="http://schemas.microsoft.com/office/drawing/2014/main" id="{13270101-B9BD-2BFF-AA71-0F97C05D2E49}"/>
               </a:ext>
             </a:extLst>
           </p:cNvPr>
@@ -1792,7 +3788,7 @@
           <p:cNvPr id="7" name="日期版面配置區 6">
             <a:extLst>
               <a:ext uri="{FF2B5EF4-FFF2-40B4-BE49-F238E27FC236}">
-                <a16:creationId xmlns:a16="http://schemas.microsoft.com/office/drawing/2014/main" id="{AE973E80-9141-48B7-A9D7-605A4541768F}"/>
+                <a16:creationId xmlns:a16="http://schemas.microsoft.com/office/drawing/2014/main" id="{AFA35D0F-C2F6-751B-E9C1-89188C4C650D}"/>
               </a:ext>
             </a:extLst>
           </p:cNvPr>
@@ -1808,9 +3804,9 @@
           <a:bodyPr/>
           <a:lstStyle/>
           <a:p>
-            <a:fld id="{C3C90D7E-32D6-4894-AE08-7BBB3E610FC9}" type="datetimeFigureOut">
+            <a:fld id="{91B02C7C-A34F-48D1-9321-C49279C28F5B}" type="datetimeFigureOut">
               <a:rPr lang="zh-TW" altLang="en-US" smtClean="0"/>
-              <a:t>2024/9/16</a:t>
+              <a:t>2024/10/1</a:t>
             </a:fld>
             <a:endParaRPr lang="zh-TW" altLang="en-US"/>
           </a:p>
@@ -1821,7 +3817,7 @@
           <p:cNvPr id="8" name="頁尾版面配置區 7">
             <a:extLst>
               <a:ext uri="{FF2B5EF4-FFF2-40B4-BE49-F238E27FC236}">
-                <a16:creationId xmlns:a16="http://schemas.microsoft.com/office/drawing/2014/main" id="{6520B07A-79F8-43E7-8013-632DD2AED223}"/>
+                <a16:creationId xmlns:a16="http://schemas.microsoft.com/office/drawing/2014/main" id="{3343896F-3D40-5CA0-F30D-513504512C20}"/>
               </a:ext>
             </a:extLst>
           </p:cNvPr>
@@ -1846,7 +3842,7 @@
           <p:cNvPr id="9" name="投影片編號版面配置區 8">
             <a:extLst>
               <a:ext uri="{FF2B5EF4-FFF2-40B4-BE49-F238E27FC236}">
-                <a16:creationId xmlns:a16="http://schemas.microsoft.com/office/drawing/2014/main" id="{3B997D8F-4F1C-4DE6-A82C-3E0C38ACAE96}"/>
+                <a16:creationId xmlns:a16="http://schemas.microsoft.com/office/drawing/2014/main" id="{A721F479-FA77-5E8C-4BA8-45F718D6C239}"/>
               </a:ext>
             </a:extLst>
           </p:cNvPr>
@@ -1862,7 +3858,7 @@
           <a:bodyPr/>
           <a:lstStyle/>
           <a:p>
-            <a:fld id="{E31EC408-072F-4346-BD0A-D6AA5788A305}" type="slidenum">
+            <a:fld id="{B77F578A-E708-4FF5-8CD5-2CF99810E8A1}" type="slidenum">
               <a:rPr lang="zh-TW" altLang="en-US" smtClean="0"/>
               <a:t>‹#›</a:t>
             </a:fld>
@@ -1873,7 +3869,7 @@
     </p:spTree>
     <p:extLst>
       <p:ext uri="{BB962C8B-B14F-4D97-AF65-F5344CB8AC3E}">
-        <p14:creationId xmlns:p14="http://schemas.microsoft.com/office/powerpoint/2010/main" val="3379995638"/>
+        <p14:creationId xmlns:p14="http://schemas.microsoft.com/office/powerpoint/2010/main" val="54613924"/>
       </p:ext>
     </p:extLst>
   </p:cSld>
@@ -1905,7 +3901,7 @@
           <p:cNvPr id="2" name="標題 1">
             <a:extLst>
               <a:ext uri="{FF2B5EF4-FFF2-40B4-BE49-F238E27FC236}">
-                <a16:creationId xmlns:a16="http://schemas.microsoft.com/office/drawing/2014/main" id="{6CE04611-FD10-429D-89AA-73C259B64293}"/>
+                <a16:creationId xmlns:a16="http://schemas.microsoft.com/office/drawing/2014/main" id="{6223586D-2F9F-C731-B869-2E0E737AEA4A}"/>
               </a:ext>
             </a:extLst>
           </p:cNvPr>
@@ -1933,7 +3929,7 @@
           <p:cNvPr id="3" name="日期版面配置區 2">
             <a:extLst>
               <a:ext uri="{FF2B5EF4-FFF2-40B4-BE49-F238E27FC236}">
-                <a16:creationId xmlns:a16="http://schemas.microsoft.com/office/drawing/2014/main" id="{2D9009F3-A280-4DA8-ACC4-187DE2172BCA}"/>
+                <a16:creationId xmlns:a16="http://schemas.microsoft.com/office/drawing/2014/main" id="{08184F17-1307-1BFA-CBEF-AE5BEFA5B731}"/>
               </a:ext>
             </a:extLst>
           </p:cNvPr>
@@ -1949,9 +3945,9 @@
           <a:bodyPr/>
           <a:lstStyle/>
           <a:p>
-            <a:fld id="{C3C90D7E-32D6-4894-AE08-7BBB3E610FC9}" type="datetimeFigureOut">
+            <a:fld id="{91B02C7C-A34F-48D1-9321-C49279C28F5B}" type="datetimeFigureOut">
               <a:rPr lang="zh-TW" altLang="en-US" smtClean="0"/>
-              <a:t>2024/9/16</a:t>
+              <a:t>2024/10/1</a:t>
             </a:fld>
             <a:endParaRPr lang="zh-TW" altLang="en-US"/>
           </a:p>
@@ -1962,7 +3958,7 @@
           <p:cNvPr id="4" name="頁尾版面配置區 3">
             <a:extLst>
               <a:ext uri="{FF2B5EF4-FFF2-40B4-BE49-F238E27FC236}">
-                <a16:creationId xmlns:a16="http://schemas.microsoft.com/office/drawing/2014/main" id="{F8FD791E-F627-4DDB-AD69-F7639FDD1767}"/>
+                <a16:creationId xmlns:a16="http://schemas.microsoft.com/office/drawing/2014/main" id="{0E04785D-F7B4-F3A6-63A0-798E5BEBB73D}"/>
               </a:ext>
             </a:extLst>
           </p:cNvPr>
@@ -1987,7 +3983,7 @@
           <p:cNvPr id="5" name="投影片編號版面配置區 4">
             <a:extLst>
               <a:ext uri="{FF2B5EF4-FFF2-40B4-BE49-F238E27FC236}">
-                <a16:creationId xmlns:a16="http://schemas.microsoft.com/office/drawing/2014/main" id="{CE9C3C73-9A1B-4A20-B40C-BF8E0726E9AE}"/>
+                <a16:creationId xmlns:a16="http://schemas.microsoft.com/office/drawing/2014/main" id="{2EF536BA-8730-647C-3451-F09EA69B695B}"/>
               </a:ext>
             </a:extLst>
           </p:cNvPr>
@@ -2003,7 +3999,7 @@
           <a:bodyPr/>
           <a:lstStyle/>
           <a:p>
-            <a:fld id="{E31EC408-072F-4346-BD0A-D6AA5788A305}" type="slidenum">
+            <a:fld id="{B77F578A-E708-4FF5-8CD5-2CF99810E8A1}" type="slidenum">
               <a:rPr lang="zh-TW" altLang="en-US" smtClean="0"/>
               <a:t>‹#›</a:t>
             </a:fld>
@@ -2014,7 +4010,7 @@
     </p:spTree>
     <p:extLst>
       <p:ext uri="{BB962C8B-B14F-4D97-AF65-F5344CB8AC3E}">
-        <p14:creationId xmlns:p14="http://schemas.microsoft.com/office/powerpoint/2010/main" val="3116621787"/>
+        <p14:creationId xmlns:p14="http://schemas.microsoft.com/office/powerpoint/2010/main" val="1011871788"/>
       </p:ext>
     </p:extLst>
   </p:cSld>
@@ -2046,7 +4042,7 @@
           <p:cNvPr id="2" name="日期版面配置區 1">
             <a:extLst>
               <a:ext uri="{FF2B5EF4-FFF2-40B4-BE49-F238E27FC236}">
-                <a16:creationId xmlns:a16="http://schemas.microsoft.com/office/drawing/2014/main" id="{1E1D8EED-F2A7-4221-9887-0DBB62EB3F80}"/>
+                <a16:creationId xmlns:a16="http://schemas.microsoft.com/office/drawing/2014/main" id="{4E551402-7F9B-203C-90EF-65EFFA176C11}"/>
               </a:ext>
             </a:extLst>
           </p:cNvPr>
@@ -2062,9 +4058,9 @@
           <a:bodyPr/>
           <a:lstStyle/>
           <a:p>
-            <a:fld id="{C3C90D7E-32D6-4894-AE08-7BBB3E610FC9}" type="datetimeFigureOut">
+            <a:fld id="{91B02C7C-A34F-48D1-9321-C49279C28F5B}" type="datetimeFigureOut">
               <a:rPr lang="zh-TW" altLang="en-US" smtClean="0"/>
-              <a:t>2024/9/16</a:t>
+              <a:t>2024/10/1</a:t>
             </a:fld>
             <a:endParaRPr lang="zh-TW" altLang="en-US"/>
           </a:p>
@@ -2075,7 +4071,7 @@
           <p:cNvPr id="3" name="頁尾版面配置區 2">
             <a:extLst>
               <a:ext uri="{FF2B5EF4-FFF2-40B4-BE49-F238E27FC236}">
-                <a16:creationId xmlns:a16="http://schemas.microsoft.com/office/drawing/2014/main" id="{10593B39-DC86-45A7-85EF-B4DB9C28DC80}"/>
+                <a16:creationId xmlns:a16="http://schemas.microsoft.com/office/drawing/2014/main" id="{2292CF5C-678F-7C43-8053-DCF50CE61545}"/>
               </a:ext>
             </a:extLst>
           </p:cNvPr>
@@ -2100,7 +4096,7 @@
           <p:cNvPr id="4" name="投影片編號版面配置區 3">
             <a:extLst>
               <a:ext uri="{FF2B5EF4-FFF2-40B4-BE49-F238E27FC236}">
-                <a16:creationId xmlns:a16="http://schemas.microsoft.com/office/drawing/2014/main" id="{3D9056B2-6966-4CAF-94D1-2295A737E168}"/>
+                <a16:creationId xmlns:a16="http://schemas.microsoft.com/office/drawing/2014/main" id="{506B1E59-11C4-915B-279C-20F1FF891365}"/>
               </a:ext>
             </a:extLst>
           </p:cNvPr>
@@ -2116,7 +4112,7 @@
           <a:bodyPr/>
           <a:lstStyle/>
           <a:p>
-            <a:fld id="{E31EC408-072F-4346-BD0A-D6AA5788A305}" type="slidenum">
+            <a:fld id="{B77F578A-E708-4FF5-8CD5-2CF99810E8A1}" type="slidenum">
               <a:rPr lang="zh-TW" altLang="en-US" smtClean="0"/>
               <a:t>‹#›</a:t>
             </a:fld>
@@ -2127,7 +4123,7 @@
     </p:spTree>
     <p:extLst>
       <p:ext uri="{BB962C8B-B14F-4D97-AF65-F5344CB8AC3E}">
-        <p14:creationId xmlns:p14="http://schemas.microsoft.com/office/powerpoint/2010/main" val="3887241942"/>
+        <p14:creationId xmlns:p14="http://schemas.microsoft.com/office/powerpoint/2010/main" val="34781463"/>
       </p:ext>
     </p:extLst>
   </p:cSld>
@@ -2159,7 +4155,7 @@
           <p:cNvPr id="2" name="標題 1">
             <a:extLst>
               <a:ext uri="{FF2B5EF4-FFF2-40B4-BE49-F238E27FC236}">
-                <a16:creationId xmlns:a16="http://schemas.microsoft.com/office/drawing/2014/main" id="{5C3076DF-D16B-4600-9550-96C6A8DD7F1A}"/>
+                <a16:creationId xmlns:a16="http://schemas.microsoft.com/office/drawing/2014/main" id="{711C6689-8FE0-787F-8DE3-F4A4C267125F}"/>
               </a:ext>
             </a:extLst>
           </p:cNvPr>
@@ -2196,7 +4192,7 @@
           <p:cNvPr id="3" name="內容版面配置區 2">
             <a:extLst>
               <a:ext uri="{FF2B5EF4-FFF2-40B4-BE49-F238E27FC236}">
-                <a16:creationId xmlns:a16="http://schemas.microsoft.com/office/drawing/2014/main" id="{9CD3D667-FDE5-4F5D-9495-588EC18912CE}"/>
+                <a16:creationId xmlns:a16="http://schemas.microsoft.com/office/drawing/2014/main" id="{CE3DB678-DC98-40E2-4173-CA66C138B621}"/>
               </a:ext>
             </a:extLst>
           </p:cNvPr>
@@ -2286,7 +4282,7 @@
           <p:cNvPr id="4" name="文字版面配置區 3">
             <a:extLst>
               <a:ext uri="{FF2B5EF4-FFF2-40B4-BE49-F238E27FC236}">
-                <a16:creationId xmlns:a16="http://schemas.microsoft.com/office/drawing/2014/main" id="{22F511E7-BEEF-4F51-BA0E-52C1908D5608}"/>
+                <a16:creationId xmlns:a16="http://schemas.microsoft.com/office/drawing/2014/main" id="{95A91817-5347-5C3D-C67B-B83EA98FB96A}"/>
               </a:ext>
             </a:extLst>
           </p:cNvPr>
@@ -2357,7 +4353,7 @@
           <p:cNvPr id="5" name="日期版面配置區 4">
             <a:extLst>
               <a:ext uri="{FF2B5EF4-FFF2-40B4-BE49-F238E27FC236}">
-                <a16:creationId xmlns:a16="http://schemas.microsoft.com/office/drawing/2014/main" id="{88060697-A92E-4178-A790-FCBB90D70573}"/>
+                <a16:creationId xmlns:a16="http://schemas.microsoft.com/office/drawing/2014/main" id="{E825B0BD-575A-11BD-3504-CD8D90A84F58}"/>
               </a:ext>
             </a:extLst>
           </p:cNvPr>
@@ -2373,9 +4369,9 @@
           <a:bodyPr/>
           <a:lstStyle/>
           <a:p>
-            <a:fld id="{C3C90D7E-32D6-4894-AE08-7BBB3E610FC9}" type="datetimeFigureOut">
+            <a:fld id="{91B02C7C-A34F-48D1-9321-C49279C28F5B}" type="datetimeFigureOut">
               <a:rPr lang="zh-TW" altLang="en-US" smtClean="0"/>
-              <a:t>2024/9/16</a:t>
+              <a:t>2024/10/1</a:t>
             </a:fld>
             <a:endParaRPr lang="zh-TW" altLang="en-US"/>
           </a:p>
@@ -2386,7 +4382,7 @@
           <p:cNvPr id="6" name="頁尾版面配置區 5">
             <a:extLst>
               <a:ext uri="{FF2B5EF4-FFF2-40B4-BE49-F238E27FC236}">
-                <a16:creationId xmlns:a16="http://schemas.microsoft.com/office/drawing/2014/main" id="{2A8E3F57-A99A-4C4C-BF14-EE42AB99CE78}"/>
+                <a16:creationId xmlns:a16="http://schemas.microsoft.com/office/drawing/2014/main" id="{6EE5021A-39CF-759B-4F40-FA50CE4E705D}"/>
               </a:ext>
             </a:extLst>
           </p:cNvPr>
@@ -2411,7 +4407,7 @@
           <p:cNvPr id="7" name="投影片編號版面配置區 6">
             <a:extLst>
               <a:ext uri="{FF2B5EF4-FFF2-40B4-BE49-F238E27FC236}">
-                <a16:creationId xmlns:a16="http://schemas.microsoft.com/office/drawing/2014/main" id="{39234440-6924-48D7-AC1A-200D5946BCA9}"/>
+                <a16:creationId xmlns:a16="http://schemas.microsoft.com/office/drawing/2014/main" id="{152A8DBC-458F-D186-5DE6-1B3D49203807}"/>
               </a:ext>
             </a:extLst>
           </p:cNvPr>
@@ -2427,7 +4423,7 @@
           <a:bodyPr/>
           <a:lstStyle/>
           <a:p>
-            <a:fld id="{E31EC408-072F-4346-BD0A-D6AA5788A305}" type="slidenum">
+            <a:fld id="{B77F578A-E708-4FF5-8CD5-2CF99810E8A1}" type="slidenum">
               <a:rPr lang="zh-TW" altLang="en-US" smtClean="0"/>
               <a:t>‹#›</a:t>
             </a:fld>
@@ -2438,7 +4434,7 @@
     </p:spTree>
     <p:extLst>
       <p:ext uri="{BB962C8B-B14F-4D97-AF65-F5344CB8AC3E}">
-        <p14:creationId xmlns:p14="http://schemas.microsoft.com/office/powerpoint/2010/main" val="2036183199"/>
+        <p14:creationId xmlns:p14="http://schemas.microsoft.com/office/powerpoint/2010/main" val="2940471500"/>
       </p:ext>
     </p:extLst>
   </p:cSld>
@@ -2470,7 +4466,7 @@
           <p:cNvPr id="2" name="標題 1">
             <a:extLst>
               <a:ext uri="{FF2B5EF4-FFF2-40B4-BE49-F238E27FC236}">
-                <a16:creationId xmlns:a16="http://schemas.microsoft.com/office/drawing/2014/main" id="{B2E81694-0B93-4D65-9DA3-21597478A96C}"/>
+                <a16:creationId xmlns:a16="http://schemas.microsoft.com/office/drawing/2014/main" id="{6FB5209F-B9B9-B7E4-E8D7-A7E90AB9726A}"/>
               </a:ext>
             </a:extLst>
           </p:cNvPr>
@@ -2507,7 +4503,7 @@
           <p:cNvPr id="3" name="圖片版面配置區 2">
             <a:extLst>
               <a:ext uri="{FF2B5EF4-FFF2-40B4-BE49-F238E27FC236}">
-                <a16:creationId xmlns:a16="http://schemas.microsoft.com/office/drawing/2014/main" id="{23E4D718-8CB0-4334-BB8A-FB8B57D7CDC6}"/>
+                <a16:creationId xmlns:a16="http://schemas.microsoft.com/office/drawing/2014/main" id="{71D69E3D-8918-83F3-C055-3AB7ED08009A}"/>
               </a:ext>
             </a:extLst>
           </p:cNvPr>
@@ -2574,7 +4570,7 @@
           <p:cNvPr id="4" name="文字版面配置區 3">
             <a:extLst>
               <a:ext uri="{FF2B5EF4-FFF2-40B4-BE49-F238E27FC236}">
-                <a16:creationId xmlns:a16="http://schemas.microsoft.com/office/drawing/2014/main" id="{0DC47463-53E7-4FE3-B60B-1657D11127BD}"/>
+                <a16:creationId xmlns:a16="http://schemas.microsoft.com/office/drawing/2014/main" id="{692ADD9D-EC9B-7F7B-86A9-49D78B596EB7}"/>
               </a:ext>
             </a:extLst>
           </p:cNvPr>
@@ -2645,7 +4641,7 @@
           <p:cNvPr id="5" name="日期版面配置區 4">
             <a:extLst>
               <a:ext uri="{FF2B5EF4-FFF2-40B4-BE49-F238E27FC236}">
-                <a16:creationId xmlns:a16="http://schemas.microsoft.com/office/drawing/2014/main" id="{28875DC5-6AFF-40C0-8C77-F81A0A3E1B0F}"/>
+                <a16:creationId xmlns:a16="http://schemas.microsoft.com/office/drawing/2014/main" id="{D714BDD9-CB0E-E3B8-9CDA-71369537E3F7}"/>
               </a:ext>
             </a:extLst>
           </p:cNvPr>
@@ -2661,9 +4657,9 @@
           <a:bodyPr/>
           <a:lstStyle/>
           <a:p>
-            <a:fld id="{C3C90D7E-32D6-4894-AE08-7BBB3E610FC9}" type="datetimeFigureOut">
+            <a:fld id="{91B02C7C-A34F-48D1-9321-C49279C28F5B}" type="datetimeFigureOut">
               <a:rPr lang="zh-TW" altLang="en-US" smtClean="0"/>
-              <a:t>2024/9/16</a:t>
+              <a:t>2024/10/1</a:t>
             </a:fld>
             <a:endParaRPr lang="zh-TW" altLang="en-US"/>
           </a:p>
@@ -2674,7 +4670,7 @@
           <p:cNvPr id="6" name="頁尾版面配置區 5">
             <a:extLst>
               <a:ext uri="{FF2B5EF4-FFF2-40B4-BE49-F238E27FC236}">
-                <a16:creationId xmlns:a16="http://schemas.microsoft.com/office/drawing/2014/main" id="{24F8A973-6D07-4F0C-97A0-280FEFC238E0}"/>
+                <a16:creationId xmlns:a16="http://schemas.microsoft.com/office/drawing/2014/main" id="{A0A7666E-FC56-33F5-4F9F-0A8E3CB73DA4}"/>
               </a:ext>
             </a:extLst>
           </p:cNvPr>
@@ -2699,7 +4695,7 @@
           <p:cNvPr id="7" name="投影片編號版面配置區 6">
             <a:extLst>
               <a:ext uri="{FF2B5EF4-FFF2-40B4-BE49-F238E27FC236}">
-                <a16:creationId xmlns:a16="http://schemas.microsoft.com/office/drawing/2014/main" id="{DB60BB1E-F41B-40F0-929B-5208374980BF}"/>
+                <a16:creationId xmlns:a16="http://schemas.microsoft.com/office/drawing/2014/main" id="{719438F4-0ED8-8074-4A84-E375C553A7EF}"/>
               </a:ext>
             </a:extLst>
           </p:cNvPr>
@@ -2715,7 +4711,7 @@
           <a:bodyPr/>
           <a:lstStyle/>
           <a:p>
-            <a:fld id="{E31EC408-072F-4346-BD0A-D6AA5788A305}" type="slidenum">
+            <a:fld id="{B77F578A-E708-4FF5-8CD5-2CF99810E8A1}" type="slidenum">
               <a:rPr lang="zh-TW" altLang="en-US" smtClean="0"/>
               <a:t>‹#›</a:t>
             </a:fld>
@@ -2726,7 +4722,7 @@
     </p:spTree>
     <p:extLst>
       <p:ext uri="{BB962C8B-B14F-4D97-AF65-F5344CB8AC3E}">
-        <p14:creationId xmlns:p14="http://schemas.microsoft.com/office/powerpoint/2010/main" val="3148270851"/>
+        <p14:creationId xmlns:p14="http://schemas.microsoft.com/office/powerpoint/2010/main" val="2829707582"/>
       </p:ext>
     </p:extLst>
   </p:cSld>
@@ -2740,9 +4736,14 @@
 <p:sldMaster xmlns:a="http://schemas.openxmlformats.org/drawingml/2006/main" xmlns:r="http://schemas.openxmlformats.org/officeDocument/2006/relationships" xmlns:p="http://schemas.openxmlformats.org/presentationml/2006/main">
   <p:cSld>
     <p:bg>
-      <p:bgRef idx="1001">
-        <a:schemeClr val="bg1"/>
-      </p:bgRef>
+      <p:bgPr>
+        <a:solidFill>
+          <a:schemeClr val="tx1">
+            <a:lumMod val="95000"/>
+          </a:schemeClr>
+        </a:solidFill>
+        <a:effectLst/>
+      </p:bgPr>
     </p:bg>
     <p:spTree>
       <p:nvGrpSpPr>
@@ -2763,7 +4764,7 @@
           <p:cNvPr id="2" name="標題版面配置區 1">
             <a:extLst>
               <a:ext uri="{FF2B5EF4-FFF2-40B4-BE49-F238E27FC236}">
-                <a16:creationId xmlns:a16="http://schemas.microsoft.com/office/drawing/2014/main" id="{B8575AAC-624C-4B52-ABD4-699B1E35D2CF}"/>
+                <a16:creationId xmlns:a16="http://schemas.microsoft.com/office/drawing/2014/main" id="{78164B4A-2E51-C06E-EE36-FC685BC7B0BE}"/>
               </a:ext>
             </a:extLst>
           </p:cNvPr>
@@ -2801,7 +4802,7 @@
           <p:cNvPr id="3" name="文字版面配置區 2">
             <a:extLst>
               <a:ext uri="{FF2B5EF4-FFF2-40B4-BE49-F238E27FC236}">
-                <a16:creationId xmlns:a16="http://schemas.microsoft.com/office/drawing/2014/main" id="{76722991-C57D-471F-8271-C419A1CFB074}"/>
+                <a16:creationId xmlns:a16="http://schemas.microsoft.com/office/drawing/2014/main" id="{C7DB9FD8-E419-380A-BA53-ED696D120208}"/>
               </a:ext>
             </a:extLst>
           </p:cNvPr>
@@ -2868,7 +4869,7 @@
           <p:cNvPr id="4" name="日期版面配置區 3">
             <a:extLst>
               <a:ext uri="{FF2B5EF4-FFF2-40B4-BE49-F238E27FC236}">
-                <a16:creationId xmlns:a16="http://schemas.microsoft.com/office/drawing/2014/main" id="{85C839DD-8CBF-4E23-A0C7-7C039E950BB8}"/>
+                <a16:creationId xmlns:a16="http://schemas.microsoft.com/office/drawing/2014/main" id="{747E7F4F-C7E2-7F7A-F96E-A6065AEC4A9E}"/>
               </a:ext>
             </a:extLst>
           </p:cNvPr>
@@ -2895,16 +4896,16 @@
               <a:defRPr sz="1200">
                 <a:solidFill>
                   <a:schemeClr val="tx1">
-                    <a:tint val="75000"/>
+                    <a:tint val="82000"/>
                   </a:schemeClr>
                 </a:solidFill>
               </a:defRPr>
             </a:lvl1pPr>
           </a:lstStyle>
           <a:p>
-            <a:fld id="{C3C90D7E-32D6-4894-AE08-7BBB3E610FC9}" type="datetimeFigureOut">
+            <a:fld id="{91B02C7C-A34F-48D1-9321-C49279C28F5B}" type="datetimeFigureOut">
               <a:rPr lang="zh-TW" altLang="en-US" smtClean="0"/>
-              <a:t>2024/9/16</a:t>
+              <a:t>2024/10/1</a:t>
             </a:fld>
             <a:endParaRPr lang="zh-TW" altLang="en-US"/>
           </a:p>
@@ -2915,7 +4916,7 @@
           <p:cNvPr id="5" name="頁尾版面配置區 4">
             <a:extLst>
               <a:ext uri="{FF2B5EF4-FFF2-40B4-BE49-F238E27FC236}">
-                <a16:creationId xmlns:a16="http://schemas.microsoft.com/office/drawing/2014/main" id="{12802D8A-77D4-418C-8190-43B6ADED2131}"/>
+                <a16:creationId xmlns:a16="http://schemas.microsoft.com/office/drawing/2014/main" id="{3C1D788D-8328-933D-3CE2-22FDA779A989}"/>
               </a:ext>
             </a:extLst>
           </p:cNvPr>
@@ -2942,7 +4943,7 @@
               <a:defRPr sz="1200">
                 <a:solidFill>
                   <a:schemeClr val="tx1">
-                    <a:tint val="75000"/>
+                    <a:tint val="82000"/>
                   </a:schemeClr>
                 </a:solidFill>
               </a:defRPr>
@@ -2958,7 +4959,7 @@
           <p:cNvPr id="6" name="投影片編號版面配置區 5">
             <a:extLst>
               <a:ext uri="{FF2B5EF4-FFF2-40B4-BE49-F238E27FC236}">
-                <a16:creationId xmlns:a16="http://schemas.microsoft.com/office/drawing/2014/main" id="{7072B55E-2BE2-4AF4-AFF8-2A716F492F1C}"/>
+                <a16:creationId xmlns:a16="http://schemas.microsoft.com/office/drawing/2014/main" id="{82E27419-C382-3621-1D99-CFAE4D28BE50}"/>
               </a:ext>
             </a:extLst>
           </p:cNvPr>
@@ -2985,14 +4986,14 @@
               <a:defRPr sz="1200">
                 <a:solidFill>
                   <a:schemeClr val="tx1">
-                    <a:tint val="75000"/>
+                    <a:tint val="82000"/>
                   </a:schemeClr>
                 </a:solidFill>
               </a:defRPr>
             </a:lvl1pPr>
           </a:lstStyle>
           <a:p>
-            <a:fld id="{E31EC408-072F-4346-BD0A-D6AA5788A305}" type="slidenum">
+            <a:fld id="{B77F578A-E708-4FF5-8CD5-2CF99810E8A1}" type="slidenum">
               <a:rPr lang="zh-TW" altLang="en-US" smtClean="0"/>
               <a:t>‹#›</a:t>
             </a:fld>
@@ -3003,11 +5004,11 @@
     </p:spTree>
     <p:extLst>
       <p:ext uri="{BB962C8B-B14F-4D97-AF65-F5344CB8AC3E}">
-        <p14:creationId xmlns:p14="http://schemas.microsoft.com/office/powerpoint/2010/main" val="2016052060"/>
+        <p14:creationId xmlns:p14="http://schemas.microsoft.com/office/powerpoint/2010/main" val="3232123818"/>
       </p:ext>
     </p:extLst>
   </p:cSld>
-  <p:clrMap bg1="lt1" tx1="dk1" bg2="lt2" tx2="dk2" accent1="accent1" accent2="accent2" accent3="accent3" accent4="accent4" accent5="accent5" accent6="accent6" hlink="hlink" folHlink="folHlink"/>
+  <p:clrMap bg1="dk1" tx1="lt1" bg2="dk2" tx2="lt2" accent1="accent1" accent2="accent2" accent3="accent3" accent4="accent4" accent5="accent5" accent6="accent6" hlink="hlink" folHlink="folHlink"/>
   <p:sldLayoutIdLst>
     <p:sldLayoutId id="2147483649" r:id="rId1"/>
     <p:sldLayoutId id="2147483650" r:id="rId2"/>
@@ -3326,7 +5327,7 @@
           <p:cNvPr id="2" name="標題 1">
             <a:extLst>
               <a:ext uri="{FF2B5EF4-FFF2-40B4-BE49-F238E27FC236}">
-                <a16:creationId xmlns:a16="http://schemas.microsoft.com/office/drawing/2014/main" id="{32532283-9F93-4E44-8138-32796965361F}"/>
+                <a16:creationId xmlns:a16="http://schemas.microsoft.com/office/drawing/2014/main" id="{D58A8E42-E9D2-FD38-B675-E33167256DF6}"/>
               </a:ext>
             </a:extLst>
           </p:cNvPr>
@@ -3337,44 +5338,80 @@
             <p:ph type="ctrTitle"/>
           </p:nvPr>
         </p:nvSpPr>
-        <p:spPr/>
+        <p:spPr>
+          <a:xfrm>
+            <a:off x="255639" y="335782"/>
+            <a:ext cx="5732206" cy="3093218"/>
+          </a:xfrm>
+        </p:spPr>
         <p:txBody>
           <a:bodyPr/>
           <a:lstStyle/>
           <a:p>
-            <a:endParaRPr lang="zh-TW" altLang="en-US"/>
-          </a:p>
-        </p:txBody>
-      </p:sp>
-      <p:sp>
-        <p:nvSpPr>
-          <p:cNvPr id="3" name="副標題 2">
-            <a:extLst>
-              <a:ext uri="{FF2B5EF4-FFF2-40B4-BE49-F238E27FC236}">
-                <a16:creationId xmlns:a16="http://schemas.microsoft.com/office/drawing/2014/main" id="{8C946F38-524D-4B98-B9CB-80AEE57E455A}"/>
-              </a:ext>
-            </a:extLst>
-          </p:cNvPr>
-          <p:cNvSpPr>
-            <a:spLocks noGrp="1"/>
-          </p:cNvSpPr>
-          <p:nvPr>
-            <p:ph type="subTitle" idx="1"/>
-          </p:nvPr>
-        </p:nvSpPr>
-        <p:spPr/>
-        <p:txBody>
-          <a:bodyPr/>
-          <a:lstStyle/>
-          <a:p>
-            <a:endParaRPr lang="zh-TW" altLang="en-US"/>
+            <a:r>
+              <a:rPr lang="zh-TW" altLang="en-US" b="1" dirty="0">
+                <a:solidFill>
+                  <a:schemeClr val="bg2">
+                    <a:lumMod val="50000"/>
+                  </a:schemeClr>
+                </a:solidFill>
+                <a:latin typeface="微軟正黑體" panose="020B0604030504040204" pitchFamily="34" charset="-120"/>
+                <a:ea typeface="微軟正黑體" panose="020B0604030504040204" pitchFamily="34" charset="-120"/>
+              </a:rPr>
+              <a:t>冒險故事</a:t>
+            </a:r>
+            <a:r>
+              <a:rPr lang="en-US" altLang="zh-TW" b="1" dirty="0">
+                <a:solidFill>
+                  <a:schemeClr val="bg2">
+                    <a:lumMod val="50000"/>
+                  </a:schemeClr>
+                </a:solidFill>
+                <a:latin typeface="微軟正黑體" panose="020B0604030504040204" pitchFamily="34" charset="-120"/>
+                <a:ea typeface="微軟正黑體" panose="020B0604030504040204" pitchFamily="34" charset="-120"/>
+              </a:rPr>
+              <a:t>(</a:t>
+            </a:r>
+            <a:r>
+              <a:rPr lang="en-US" altLang="zh-TW" b="1" dirty="0" err="1">
+                <a:solidFill>
+                  <a:schemeClr val="bg2">
+                    <a:lumMod val="50000"/>
+                  </a:schemeClr>
+                </a:solidFill>
+                <a:latin typeface="微軟正黑體" panose="020B0604030504040204" pitchFamily="34" charset="-120"/>
+                <a:ea typeface="微軟正黑體" panose="020B0604030504040204" pitchFamily="34" charset="-120"/>
+              </a:rPr>
+              <a:t>VTube</a:t>
+            </a:r>
+            <a:r>
+              <a:rPr lang="en-US" altLang="zh-TW" b="1" dirty="0">
+                <a:solidFill>
+                  <a:schemeClr val="bg2">
+                    <a:lumMod val="50000"/>
+                  </a:schemeClr>
+                </a:solidFill>
+                <a:latin typeface="微軟正黑體" panose="020B0604030504040204" pitchFamily="34" charset="-120"/>
+                <a:ea typeface="微軟正黑體" panose="020B0604030504040204" pitchFamily="34" charset="-120"/>
+              </a:rPr>
+              <a:t> Studio)</a:t>
+            </a:r>
+            <a:endParaRPr lang="zh-TW" altLang="en-US" b="1" dirty="0">
+              <a:solidFill>
+                <a:schemeClr val="bg2">
+                  <a:lumMod val="50000"/>
+                </a:schemeClr>
+              </a:solidFill>
+              <a:latin typeface="微軟正黑體" panose="020B0604030504040204" pitchFamily="34" charset="-120"/>
+              <a:ea typeface="微軟正黑體" panose="020B0604030504040204" pitchFamily="34" charset="-120"/>
+            </a:endParaRPr>
           </a:p>
         </p:txBody>
       </p:sp>
     </p:spTree>
     <p:extLst>
       <p:ext uri="{BB962C8B-B14F-4D97-AF65-F5344CB8AC3E}">
-        <p14:creationId xmlns:p14="http://schemas.microsoft.com/office/powerpoint/2010/main" val="1328321055"/>
+        <p14:creationId xmlns:p14="http://schemas.microsoft.com/office/powerpoint/2010/main" val="1199308403"/>
       </p:ext>
     </p:extLst>
   </p:cSld>
@@ -3384,10 +5421,1689 @@
 </p:sld>
 </file>
 
+<file path=ppt/slides/slide10.xml><?xml version="1.0" encoding="utf-8"?>
+<p:sld xmlns:a="http://schemas.openxmlformats.org/drawingml/2006/main" xmlns:r="http://schemas.openxmlformats.org/officeDocument/2006/relationships" xmlns:p="http://schemas.openxmlformats.org/presentationml/2006/main">
+  <p:cSld>
+    <p:spTree>
+      <p:nvGrpSpPr>
+        <p:cNvPr id="1" name=""/>
+        <p:cNvGrpSpPr/>
+        <p:nvPr/>
+      </p:nvGrpSpPr>
+      <p:grpSpPr>
+        <a:xfrm>
+          <a:off x="0" y="0"/>
+          <a:ext cx="0" cy="0"/>
+          <a:chOff x="0" y="0"/>
+          <a:chExt cx="0" cy="0"/>
+        </a:xfrm>
+      </p:grpSpPr>
+      <p:pic>
+        <p:nvPicPr>
+          <p:cNvPr id="3" name="圖片 2">
+            <a:extLst>
+              <a:ext uri="{FF2B5EF4-FFF2-40B4-BE49-F238E27FC236}">
+                <a16:creationId xmlns:a16="http://schemas.microsoft.com/office/drawing/2014/main" id="{CFD3B745-41C2-408F-944B-E4009FEDCDC2}"/>
+              </a:ext>
+            </a:extLst>
+          </p:cNvPr>
+          <p:cNvPicPr>
+            <a:picLocks noChangeAspect="1"/>
+          </p:cNvPicPr>
+          <p:nvPr/>
+        </p:nvPicPr>
+        <p:blipFill>
+          <a:blip r:embed="rId3">
+            <a:extLst>
+              <a:ext uri="{28A0092B-C50C-407E-A947-70E740481C1C}">
+                <a14:useLocalDpi xmlns:a14="http://schemas.microsoft.com/office/drawing/2010/main" val="0"/>
+              </a:ext>
+            </a:extLst>
+          </a:blip>
+          <a:stretch>
+            <a:fillRect/>
+          </a:stretch>
+        </p:blipFill>
+        <p:spPr>
+          <a:xfrm>
+            <a:off x="0" y="724308"/>
+            <a:ext cx="6464300" cy="6133692"/>
+          </a:xfrm>
+          <a:prstGeom prst="rect">
+            <a:avLst/>
+          </a:prstGeom>
+        </p:spPr>
+      </p:pic>
+      <p:sp>
+        <p:nvSpPr>
+          <p:cNvPr id="5" name="文字方塊 4">
+            <a:extLst>
+              <a:ext uri="{FF2B5EF4-FFF2-40B4-BE49-F238E27FC236}">
+                <a16:creationId xmlns:a16="http://schemas.microsoft.com/office/drawing/2014/main" id="{32B18B83-E4ED-44A9-8B8F-DC79ECC0D811}"/>
+              </a:ext>
+            </a:extLst>
+          </p:cNvPr>
+          <p:cNvSpPr txBox="1"/>
+          <p:nvPr/>
+        </p:nvSpPr>
+        <p:spPr>
+          <a:xfrm>
+            <a:off x="353961" y="144094"/>
+            <a:ext cx="1524000" cy="553998"/>
+          </a:xfrm>
+          <a:prstGeom prst="rect">
+            <a:avLst/>
+          </a:prstGeom>
+          <a:noFill/>
+        </p:spPr>
+        <p:txBody>
+          <a:bodyPr wrap="square">
+            <a:spAutoFit/>
+          </a:bodyPr>
+          <a:lstStyle>
+            <a:defPPr>
+              <a:defRPr lang="zh-TW"/>
+            </a:defPPr>
+            <a:lvl1pPr>
+              <a:defRPr sz="3200" b="1">
+                <a:solidFill>
+                  <a:schemeClr val="bg2">
+                    <a:lumMod val="50000"/>
+                  </a:schemeClr>
+                </a:solidFill>
+                <a:latin typeface="微軟正黑體" panose="020B0604030504040204" pitchFamily="34" charset="-120"/>
+                <a:ea typeface="微軟正黑體" panose="020B0604030504040204" pitchFamily="34" charset="-120"/>
+              </a:defRPr>
+            </a:lvl1pPr>
+          </a:lstStyle>
+          <a:p>
+            <a:r>
+              <a:rPr lang="en-US" altLang="zh-TW" dirty="0"/>
+              <a:t>6. </a:t>
+            </a:r>
+            <a:r>
+              <a:rPr lang="zh-TW" altLang="en-US" dirty="0"/>
+              <a:t>轉彎</a:t>
+            </a:r>
+            <a:endParaRPr lang="en-US" altLang="zh-TW" dirty="0"/>
+          </a:p>
+        </p:txBody>
+      </p:sp>
+    </p:spTree>
+    <p:extLst>
+      <p:ext uri="{BB962C8B-B14F-4D97-AF65-F5344CB8AC3E}">
+        <p14:creationId xmlns:p14="http://schemas.microsoft.com/office/powerpoint/2010/main" val="1764972123"/>
+      </p:ext>
+    </p:extLst>
+  </p:cSld>
+  <p:clrMapOvr>
+    <a:masterClrMapping/>
+  </p:clrMapOvr>
+  <mc:AlternateContent xmlns:mc="http://schemas.openxmlformats.org/markup-compatibility/2006" xmlns:p159="http://schemas.microsoft.com/office/powerpoint/2015/09/main">
+    <mc:Choice Requires="p159">
+      <p:transition xmlns:p14="http://schemas.microsoft.com/office/powerpoint/2010/main" spd="slow" p14:dur="1500">
+        <p159:morph option="byObject"/>
+      </p:transition>
+    </mc:Choice>
+    <mc:Fallback xmlns="">
+      <p:transition spd="slow">
+        <p:fade/>
+      </p:transition>
+    </mc:Fallback>
+  </mc:AlternateContent>
+  <p:timing>
+    <p:tnLst>
+      <p:par>
+        <p:cTn id="1" dur="indefinite" restart="never" nodeType="tmRoot">
+          <p:childTnLst>
+            <p:seq concurrent="1" nextAc="seek">
+              <p:cTn id="2" dur="indefinite" nodeType="mainSeq">
+                <p:childTnLst>
+                  <p:par>
+                    <p:cTn id="3" fill="hold">
+                      <p:stCondLst>
+                        <p:cond delay="indefinite"/>
+                        <p:cond evt="onBegin" delay="0">
+                          <p:tn val="2"/>
+                        </p:cond>
+                      </p:stCondLst>
+                      <p:childTnLst>
+                        <p:par>
+                          <p:cTn id="4" fill="hold">
+                            <p:stCondLst>
+                              <p:cond delay="0"/>
+                            </p:stCondLst>
+                            <p:childTnLst>
+                              <p:par>
+                                <p:cTn id="5" presetID="2" presetClass="entr" presetSubtype="4" fill="hold" nodeType="afterEffect">
+                                  <p:stCondLst>
+                                    <p:cond delay="0"/>
+                                  </p:stCondLst>
+                                  <p:childTnLst>
+                                    <p:set>
+                                      <p:cBhvr>
+                                        <p:cTn id="6" dur="1" fill="hold">
+                                          <p:stCondLst>
+                                            <p:cond delay="0"/>
+                                          </p:stCondLst>
+                                        </p:cTn>
+                                        <p:tgtEl>
+                                          <p:spTgt spid="3"/>
+                                        </p:tgtEl>
+                                        <p:attrNameLst>
+                                          <p:attrName>style.visibility</p:attrName>
+                                        </p:attrNameLst>
+                                      </p:cBhvr>
+                                      <p:to>
+                                        <p:strVal val="visible"/>
+                                      </p:to>
+                                    </p:set>
+                                    <p:anim calcmode="lin" valueType="num">
+                                      <p:cBhvr additive="base">
+                                        <p:cTn id="7" dur="500" fill="hold"/>
+                                        <p:tgtEl>
+                                          <p:spTgt spid="3"/>
+                                        </p:tgtEl>
+                                        <p:attrNameLst>
+                                          <p:attrName>ppt_x</p:attrName>
+                                        </p:attrNameLst>
+                                      </p:cBhvr>
+                                      <p:tavLst>
+                                        <p:tav tm="0">
+                                          <p:val>
+                                            <p:strVal val="#ppt_x"/>
+                                          </p:val>
+                                        </p:tav>
+                                        <p:tav tm="100000">
+                                          <p:val>
+                                            <p:strVal val="#ppt_x"/>
+                                          </p:val>
+                                        </p:tav>
+                                      </p:tavLst>
+                                    </p:anim>
+                                    <p:anim calcmode="lin" valueType="num">
+                                      <p:cBhvr additive="base">
+                                        <p:cTn id="8" dur="500" fill="hold"/>
+                                        <p:tgtEl>
+                                          <p:spTgt spid="3"/>
+                                        </p:tgtEl>
+                                        <p:attrNameLst>
+                                          <p:attrName>ppt_y</p:attrName>
+                                        </p:attrNameLst>
+                                      </p:cBhvr>
+                                      <p:tavLst>
+                                        <p:tav tm="0">
+                                          <p:val>
+                                            <p:strVal val="1+#ppt_h/2"/>
+                                          </p:val>
+                                        </p:tav>
+                                        <p:tav tm="100000">
+                                          <p:val>
+                                            <p:strVal val="#ppt_y"/>
+                                          </p:val>
+                                        </p:tav>
+                                      </p:tavLst>
+                                    </p:anim>
+                                  </p:childTnLst>
+                                </p:cTn>
+                              </p:par>
+                            </p:childTnLst>
+                          </p:cTn>
+                        </p:par>
+                      </p:childTnLst>
+                    </p:cTn>
+                  </p:par>
+                </p:childTnLst>
+              </p:cTn>
+              <p:prevCondLst>
+                <p:cond evt="onPrev" delay="0">
+                  <p:tgtEl>
+                    <p:sldTgt/>
+                  </p:tgtEl>
+                </p:cond>
+              </p:prevCondLst>
+              <p:nextCondLst>
+                <p:cond evt="onNext" delay="0">
+                  <p:tgtEl>
+                    <p:sldTgt/>
+                  </p:tgtEl>
+                </p:cond>
+              </p:nextCondLst>
+            </p:seq>
+          </p:childTnLst>
+        </p:cTn>
+      </p:par>
+    </p:tnLst>
+  </p:timing>
+</p:sld>
+</file>
+
+<file path=ppt/slides/slide11.xml><?xml version="1.0" encoding="utf-8"?>
+<p:sld xmlns:a="http://schemas.openxmlformats.org/drawingml/2006/main" xmlns:r="http://schemas.openxmlformats.org/officeDocument/2006/relationships" xmlns:p="http://schemas.openxmlformats.org/presentationml/2006/main">
+  <p:cSld>
+    <p:spTree>
+      <p:nvGrpSpPr>
+        <p:cNvPr id="1" name=""/>
+        <p:cNvGrpSpPr/>
+        <p:nvPr/>
+      </p:nvGrpSpPr>
+      <p:grpSpPr>
+        <a:xfrm>
+          <a:off x="0" y="0"/>
+          <a:ext cx="0" cy="0"/>
+          <a:chOff x="0" y="0"/>
+          <a:chExt cx="0" cy="0"/>
+        </a:xfrm>
+      </p:grpSpPr>
+      <p:sp>
+        <p:nvSpPr>
+          <p:cNvPr id="4" name="文字方塊 3">
+            <a:extLst>
+              <a:ext uri="{FF2B5EF4-FFF2-40B4-BE49-F238E27FC236}">
+                <a16:creationId xmlns:a16="http://schemas.microsoft.com/office/drawing/2014/main" id="{6F58768D-9D08-4EA5-9339-069768BAA576}"/>
+              </a:ext>
+            </a:extLst>
+          </p:cNvPr>
+          <p:cNvSpPr txBox="1"/>
+          <p:nvPr/>
+        </p:nvSpPr>
+        <p:spPr>
+          <a:xfrm>
+            <a:off x="353961" y="144094"/>
+            <a:ext cx="1524000" cy="553998"/>
+          </a:xfrm>
+          <a:prstGeom prst="rect">
+            <a:avLst/>
+          </a:prstGeom>
+          <a:noFill/>
+        </p:spPr>
+        <p:txBody>
+          <a:bodyPr wrap="square">
+            <a:spAutoFit/>
+          </a:bodyPr>
+          <a:lstStyle>
+            <a:defPPr>
+              <a:defRPr lang="zh-TW"/>
+            </a:defPPr>
+            <a:lvl1pPr>
+              <a:defRPr sz="3200" b="1">
+                <a:solidFill>
+                  <a:schemeClr val="bg2">
+                    <a:lumMod val="50000"/>
+                  </a:schemeClr>
+                </a:solidFill>
+                <a:latin typeface="微軟正黑體" panose="020B0604030504040204" pitchFamily="34" charset="-120"/>
+                <a:ea typeface="微軟正黑體" panose="020B0604030504040204" pitchFamily="34" charset="-120"/>
+              </a:defRPr>
+            </a:lvl1pPr>
+          </a:lstStyle>
+          <a:p>
+            <a:r>
+              <a:rPr lang="en-US" altLang="zh-TW" dirty="0"/>
+              <a:t>7. </a:t>
+            </a:r>
+            <a:r>
+              <a:rPr lang="zh-TW" altLang="en-US" dirty="0"/>
+              <a:t>結局</a:t>
+            </a:r>
+            <a:endParaRPr lang="en-US" altLang="zh-TW" dirty="0"/>
+          </a:p>
+        </p:txBody>
+      </p:sp>
+      <p:pic>
+        <p:nvPicPr>
+          <p:cNvPr id="3" name="圖片 2">
+            <a:extLst>
+              <a:ext uri="{FF2B5EF4-FFF2-40B4-BE49-F238E27FC236}">
+                <a16:creationId xmlns:a16="http://schemas.microsoft.com/office/drawing/2014/main" id="{C9BBB1F9-9C95-4007-B154-58743536458B}"/>
+              </a:ext>
+            </a:extLst>
+          </p:cNvPr>
+          <p:cNvPicPr>
+            <a:picLocks noChangeAspect="1"/>
+          </p:cNvPicPr>
+          <p:nvPr/>
+        </p:nvPicPr>
+        <p:blipFill>
+          <a:blip r:embed="rId3">
+            <a:extLst>
+              <a:ext uri="{28A0092B-C50C-407E-A947-70E740481C1C}">
+                <a14:useLocalDpi xmlns:a14="http://schemas.microsoft.com/office/drawing/2010/main" val="0"/>
+              </a:ext>
+            </a:extLst>
+          </a:blip>
+          <a:stretch>
+            <a:fillRect/>
+          </a:stretch>
+        </p:blipFill>
+        <p:spPr>
+          <a:xfrm>
+            <a:off x="0" y="914400"/>
+            <a:ext cx="6096000" cy="5943600"/>
+          </a:xfrm>
+          <a:prstGeom prst="rect">
+            <a:avLst/>
+          </a:prstGeom>
+        </p:spPr>
+      </p:pic>
+    </p:spTree>
+    <p:extLst>
+      <p:ext uri="{BB962C8B-B14F-4D97-AF65-F5344CB8AC3E}">
+        <p14:creationId xmlns:p14="http://schemas.microsoft.com/office/powerpoint/2010/main" val="2936837164"/>
+      </p:ext>
+    </p:extLst>
+  </p:cSld>
+  <p:clrMapOvr>
+    <a:masterClrMapping/>
+  </p:clrMapOvr>
+  <mc:AlternateContent xmlns:mc="http://schemas.openxmlformats.org/markup-compatibility/2006" xmlns:p159="http://schemas.microsoft.com/office/powerpoint/2015/09/main">
+    <mc:Choice Requires="p159">
+      <p:transition xmlns:p14="http://schemas.microsoft.com/office/powerpoint/2010/main" spd="slow" p14:dur="1500">
+        <p159:morph option="byObject"/>
+      </p:transition>
+    </mc:Choice>
+    <mc:Fallback xmlns="">
+      <p:transition spd="slow">
+        <p:fade/>
+      </p:transition>
+    </mc:Fallback>
+  </mc:AlternateContent>
+</p:sld>
+</file>
+
+<file path=ppt/slides/slide12.xml><?xml version="1.0" encoding="utf-8"?>
+<p:sld xmlns:a="http://schemas.openxmlformats.org/drawingml/2006/main" xmlns:r="http://schemas.openxmlformats.org/officeDocument/2006/relationships" xmlns:p="http://schemas.openxmlformats.org/presentationml/2006/main">
+  <p:cSld>
+    <p:spTree>
+      <p:nvGrpSpPr>
+        <p:cNvPr id="1" name=""/>
+        <p:cNvGrpSpPr/>
+        <p:nvPr/>
+      </p:nvGrpSpPr>
+      <p:grpSpPr>
+        <a:xfrm>
+          <a:off x="0" y="0"/>
+          <a:ext cx="0" cy="0"/>
+          <a:chOff x="0" y="0"/>
+          <a:chExt cx="0" cy="0"/>
+        </a:xfrm>
+      </p:grpSpPr>
+      <p:pic>
+        <p:nvPicPr>
+          <p:cNvPr id="3" name="圖片 2">
+            <a:extLst>
+              <a:ext uri="{FF2B5EF4-FFF2-40B4-BE49-F238E27FC236}">
+                <a16:creationId xmlns:a16="http://schemas.microsoft.com/office/drawing/2014/main" id="{B6234D2E-3288-4691-9636-CE2EBCD63F99}"/>
+              </a:ext>
+            </a:extLst>
+          </p:cNvPr>
+          <p:cNvPicPr>
+            <a:picLocks noChangeAspect="1"/>
+          </p:cNvPicPr>
+          <p:nvPr/>
+        </p:nvPicPr>
+        <p:blipFill>
+          <a:blip r:embed="rId3">
+            <a:extLst>
+              <a:ext uri="{28A0092B-C50C-407E-A947-70E740481C1C}">
+                <a14:useLocalDpi xmlns:a14="http://schemas.microsoft.com/office/drawing/2010/main" val="0"/>
+              </a:ext>
+            </a:extLst>
+          </a:blip>
+          <a:stretch>
+            <a:fillRect/>
+          </a:stretch>
+        </p:blipFill>
+        <p:spPr>
+          <a:xfrm>
+            <a:off x="0" y="0"/>
+            <a:ext cx="6515100" cy="6858000"/>
+          </a:xfrm>
+          <a:prstGeom prst="rect">
+            <a:avLst/>
+          </a:prstGeom>
+        </p:spPr>
+      </p:pic>
+    </p:spTree>
+    <p:extLst>
+      <p:ext uri="{BB962C8B-B14F-4D97-AF65-F5344CB8AC3E}">
+        <p14:creationId xmlns:p14="http://schemas.microsoft.com/office/powerpoint/2010/main" val="3595395592"/>
+      </p:ext>
+    </p:extLst>
+  </p:cSld>
+  <p:clrMapOvr>
+    <a:masterClrMapping/>
+  </p:clrMapOvr>
+  <mc:AlternateContent xmlns:mc="http://schemas.openxmlformats.org/markup-compatibility/2006" xmlns:p159="http://schemas.microsoft.com/office/powerpoint/2015/09/main">
+    <mc:Choice Requires="p159">
+      <p:transition xmlns:p14="http://schemas.microsoft.com/office/powerpoint/2010/main" spd="slow" p14:dur="1500">
+        <p159:morph option="byObject"/>
+      </p:transition>
+    </mc:Choice>
+    <mc:Fallback xmlns="">
+      <p:transition spd="slow">
+        <p:fade/>
+      </p:transition>
+    </mc:Fallback>
+  </mc:AlternateContent>
+</p:sld>
+</file>
+
+<file path=ppt/slides/slide2.xml><?xml version="1.0" encoding="utf-8"?>
+<p:sld xmlns:a="http://schemas.openxmlformats.org/drawingml/2006/main" xmlns:r="http://schemas.openxmlformats.org/officeDocument/2006/relationships" xmlns:p="http://schemas.openxmlformats.org/presentationml/2006/main">
+  <p:cSld>
+    <p:spTree>
+      <p:nvGrpSpPr>
+        <p:cNvPr id="1" name=""/>
+        <p:cNvGrpSpPr/>
+        <p:nvPr/>
+      </p:nvGrpSpPr>
+      <p:grpSpPr>
+        <a:xfrm>
+          <a:off x="0" y="0"/>
+          <a:ext cx="0" cy="0"/>
+          <a:chOff x="0" y="0"/>
+          <a:chExt cx="0" cy="0"/>
+        </a:xfrm>
+      </p:grpSpPr>
+      <p:sp>
+        <p:nvSpPr>
+          <p:cNvPr id="8" name="文字方塊 7">
+            <a:extLst>
+              <a:ext uri="{FF2B5EF4-FFF2-40B4-BE49-F238E27FC236}">
+                <a16:creationId xmlns:a16="http://schemas.microsoft.com/office/drawing/2014/main" id="{CEC75267-D866-4D72-B852-A699FA3CB77C}"/>
+              </a:ext>
+            </a:extLst>
+          </p:cNvPr>
+          <p:cNvSpPr txBox="1"/>
+          <p:nvPr/>
+        </p:nvSpPr>
+        <p:spPr>
+          <a:xfrm>
+            <a:off x="353961" y="144094"/>
+            <a:ext cx="1524000" cy="584775"/>
+          </a:xfrm>
+          <a:prstGeom prst="rect">
+            <a:avLst/>
+          </a:prstGeom>
+          <a:noFill/>
+        </p:spPr>
+        <p:txBody>
+          <a:bodyPr wrap="square">
+            <a:spAutoFit/>
+          </a:bodyPr>
+          <a:lstStyle/>
+          <a:p>
+            <a:r>
+              <a:rPr lang="en-US" altLang="zh-TW" sz="3200" b="1" dirty="0">
+                <a:solidFill>
+                  <a:schemeClr val="bg2">
+                    <a:lumMod val="50000"/>
+                  </a:schemeClr>
+                </a:solidFill>
+                <a:latin typeface="微軟正黑體" panose="020B0604030504040204" pitchFamily="34" charset="-120"/>
+                <a:ea typeface="微軟正黑體" panose="020B0604030504040204" pitchFamily="34" charset="-120"/>
+              </a:rPr>
+              <a:t>1. </a:t>
+            </a:r>
+            <a:r>
+              <a:rPr lang="zh-TW" altLang="en-US" sz="3200" b="1" dirty="0">
+                <a:solidFill>
+                  <a:schemeClr val="bg2">
+                    <a:lumMod val="50000"/>
+                  </a:schemeClr>
+                </a:solidFill>
+                <a:latin typeface="微軟正黑體" panose="020B0604030504040204" pitchFamily="34" charset="-120"/>
+                <a:ea typeface="微軟正黑體" panose="020B0604030504040204" pitchFamily="34" charset="-120"/>
+              </a:rPr>
+              <a:t>目標</a:t>
+            </a:r>
+          </a:p>
+        </p:txBody>
+      </p:sp>
+      <p:pic>
+        <p:nvPicPr>
+          <p:cNvPr id="4" name="圖片 3">
+            <a:extLst>
+              <a:ext uri="{FF2B5EF4-FFF2-40B4-BE49-F238E27FC236}">
+                <a16:creationId xmlns:a16="http://schemas.microsoft.com/office/drawing/2014/main" id="{D779DD29-56A7-4819-9F34-60A0B5A417BD}"/>
+              </a:ext>
+            </a:extLst>
+          </p:cNvPr>
+          <p:cNvPicPr>
+            <a:picLocks noChangeAspect="1"/>
+          </p:cNvPicPr>
+          <p:nvPr/>
+        </p:nvPicPr>
+        <p:blipFill>
+          <a:blip r:embed="rId3">
+            <a:extLst>
+              <a:ext uri="{28A0092B-C50C-407E-A947-70E740481C1C}">
+                <a14:useLocalDpi xmlns:a14="http://schemas.microsoft.com/office/drawing/2010/main" val="0"/>
+              </a:ext>
+            </a:extLst>
+          </a:blip>
+          <a:stretch>
+            <a:fillRect/>
+          </a:stretch>
+        </p:blipFill>
+        <p:spPr>
+          <a:xfrm>
+            <a:off x="-63500" y="820531"/>
+            <a:ext cx="6159500" cy="6050169"/>
+          </a:xfrm>
+          <a:prstGeom prst="rect">
+            <a:avLst/>
+          </a:prstGeom>
+        </p:spPr>
+      </p:pic>
+    </p:spTree>
+    <p:extLst>
+      <p:ext uri="{BB962C8B-B14F-4D97-AF65-F5344CB8AC3E}">
+        <p14:creationId xmlns:p14="http://schemas.microsoft.com/office/powerpoint/2010/main" val="3533634528"/>
+      </p:ext>
+    </p:extLst>
+  </p:cSld>
+  <p:clrMapOvr>
+    <a:masterClrMapping/>
+  </p:clrMapOvr>
+  <mc:AlternateContent xmlns:mc="http://schemas.openxmlformats.org/markup-compatibility/2006" xmlns:p14="http://schemas.microsoft.com/office/powerpoint/2010/main">
+    <mc:Choice Requires="p14">
+      <p:transition p14:dur="10"/>
+    </mc:Choice>
+    <mc:Fallback xmlns="">
+      <p:transition/>
+    </mc:Fallback>
+  </mc:AlternateContent>
+</p:sld>
+</file>
+
+<file path=ppt/slides/slide3.xml><?xml version="1.0" encoding="utf-8"?>
+<p:sld xmlns:a="http://schemas.openxmlformats.org/drawingml/2006/main" xmlns:r="http://schemas.openxmlformats.org/officeDocument/2006/relationships" xmlns:p="http://schemas.openxmlformats.org/presentationml/2006/main">
+  <p:cSld>
+    <p:spTree>
+      <p:nvGrpSpPr>
+        <p:cNvPr id="1" name=""/>
+        <p:cNvGrpSpPr/>
+        <p:nvPr/>
+      </p:nvGrpSpPr>
+      <p:grpSpPr>
+        <a:xfrm>
+          <a:off x="0" y="0"/>
+          <a:ext cx="0" cy="0"/>
+          <a:chOff x="0" y="0"/>
+          <a:chExt cx="0" cy="0"/>
+        </a:xfrm>
+      </p:grpSpPr>
+      <p:pic>
+        <p:nvPicPr>
+          <p:cNvPr id="10" name="圖片 9" descr="一張含有 黑暗, space, 圓形, 天體 的圖片&#10;&#10;自動產生的描述">
+            <a:extLst>
+              <a:ext uri="{FF2B5EF4-FFF2-40B4-BE49-F238E27FC236}">
+                <a16:creationId xmlns:a16="http://schemas.microsoft.com/office/drawing/2014/main" id="{C010131B-FD2C-62B7-A243-56B557854985}"/>
+              </a:ext>
+            </a:extLst>
+          </p:cNvPr>
+          <p:cNvPicPr>
+            <a:picLocks noChangeAspect="1"/>
+          </p:cNvPicPr>
+          <p:nvPr/>
+        </p:nvPicPr>
+        <p:blipFill>
+          <a:blip r:embed="rId3">
+            <a:extLst>
+              <a:ext uri="{28A0092B-C50C-407E-A947-70E740481C1C}">
+                <a14:useLocalDpi xmlns:a14="http://schemas.microsoft.com/office/drawing/2010/main" val="0"/>
+              </a:ext>
+            </a:extLst>
+          </a:blip>
+          <a:stretch>
+            <a:fillRect/>
+          </a:stretch>
+        </p:blipFill>
+        <p:spPr>
+          <a:xfrm rot="15086013">
+            <a:off x="3341252" y="2603211"/>
+            <a:ext cx="3396655" cy="3396655"/>
+          </a:xfrm>
+          <a:prstGeom prst="rect">
+            <a:avLst/>
+          </a:prstGeom>
+        </p:spPr>
+      </p:pic>
+      <p:sp>
+        <p:nvSpPr>
+          <p:cNvPr id="15" name="文字方塊 14">
+            <a:extLst>
+              <a:ext uri="{FF2B5EF4-FFF2-40B4-BE49-F238E27FC236}">
+                <a16:creationId xmlns:a16="http://schemas.microsoft.com/office/drawing/2014/main" id="{CFF6E779-9D0E-4630-8DA8-E5F885CF91CC}"/>
+              </a:ext>
+            </a:extLst>
+          </p:cNvPr>
+          <p:cNvSpPr txBox="1"/>
+          <p:nvPr/>
+        </p:nvSpPr>
+        <p:spPr>
+          <a:xfrm>
+            <a:off x="353961" y="144094"/>
+            <a:ext cx="1524000" cy="553998"/>
+          </a:xfrm>
+          <a:prstGeom prst="rect">
+            <a:avLst/>
+          </a:prstGeom>
+          <a:noFill/>
+        </p:spPr>
+        <p:txBody>
+          <a:bodyPr wrap="square">
+            <a:spAutoFit/>
+          </a:bodyPr>
+          <a:lstStyle>
+            <a:defPPr>
+              <a:defRPr lang="zh-TW"/>
+            </a:defPPr>
+            <a:lvl1pPr>
+              <a:defRPr sz="3200" b="1">
+                <a:solidFill>
+                  <a:schemeClr val="bg2">
+                    <a:lumMod val="50000"/>
+                  </a:schemeClr>
+                </a:solidFill>
+                <a:latin typeface="微軟正黑體" panose="020B0604030504040204" pitchFamily="34" charset="-120"/>
+                <a:ea typeface="微軟正黑體" panose="020B0604030504040204" pitchFamily="34" charset="-120"/>
+              </a:defRPr>
+            </a:lvl1pPr>
+          </a:lstStyle>
+          <a:p>
+            <a:r>
+              <a:rPr lang="en-US" altLang="zh-TW" dirty="0"/>
+              <a:t>2. </a:t>
+            </a:r>
+            <a:r>
+              <a:rPr lang="zh-TW" altLang="en-US" dirty="0"/>
+              <a:t>阻礙</a:t>
+            </a:r>
+            <a:endParaRPr lang="en-US" altLang="zh-TW" dirty="0"/>
+          </a:p>
+        </p:txBody>
+      </p:sp>
+      <p:pic>
+        <p:nvPicPr>
+          <p:cNvPr id="6" name="圖片 5">
+            <a:extLst>
+              <a:ext uri="{FF2B5EF4-FFF2-40B4-BE49-F238E27FC236}">
+                <a16:creationId xmlns:a16="http://schemas.microsoft.com/office/drawing/2014/main" id="{A15586FB-6AC9-4F32-A22F-1FF606233FFB}"/>
+              </a:ext>
+            </a:extLst>
+          </p:cNvPr>
+          <p:cNvPicPr>
+            <a:picLocks noChangeAspect="1"/>
+          </p:cNvPicPr>
+          <p:nvPr/>
+        </p:nvPicPr>
+        <p:blipFill>
+          <a:blip r:embed="rId4">
+            <a:extLst>
+              <a:ext uri="{28A0092B-C50C-407E-A947-70E740481C1C}">
+                <a14:useLocalDpi xmlns:a14="http://schemas.microsoft.com/office/drawing/2010/main" val="0"/>
+              </a:ext>
+            </a:extLst>
+          </a:blip>
+          <a:stretch>
+            <a:fillRect/>
+          </a:stretch>
+        </p:blipFill>
+        <p:spPr>
+          <a:xfrm>
+            <a:off x="0" y="762000"/>
+            <a:ext cx="6096000" cy="6096000"/>
+          </a:xfrm>
+          <a:prstGeom prst="rect">
+            <a:avLst/>
+          </a:prstGeom>
+        </p:spPr>
+      </p:pic>
+    </p:spTree>
+    <p:extLst>
+      <p:ext uri="{BB962C8B-B14F-4D97-AF65-F5344CB8AC3E}">
+        <p14:creationId xmlns:p14="http://schemas.microsoft.com/office/powerpoint/2010/main" val="4229419837"/>
+      </p:ext>
+    </p:extLst>
+  </p:cSld>
+  <p:clrMapOvr>
+    <a:masterClrMapping/>
+  </p:clrMapOvr>
+  <mc:AlternateContent xmlns:mc="http://schemas.openxmlformats.org/markup-compatibility/2006" xmlns:p159="http://schemas.microsoft.com/office/powerpoint/2015/09/main">
+    <mc:Choice Requires="p159">
+      <p:transition xmlns:p14="http://schemas.microsoft.com/office/powerpoint/2010/main" spd="slow" p14:dur="2000">
+        <p159:morph option="byObject"/>
+      </p:transition>
+    </mc:Choice>
+    <mc:Fallback xmlns="">
+      <p:transition spd="slow">
+        <p:fade/>
+      </p:transition>
+    </mc:Fallback>
+  </mc:AlternateContent>
+  <p:timing>
+    <p:tnLst>
+      <p:par>
+        <p:cTn id="1" dur="indefinite" restart="never" nodeType="tmRoot">
+          <p:childTnLst>
+            <p:seq concurrent="1" nextAc="seek">
+              <p:cTn id="2" dur="indefinite" nodeType="mainSeq">
+                <p:childTnLst>
+                  <p:par>
+                    <p:cTn id="3" fill="hold">
+                      <p:stCondLst>
+                        <p:cond delay="indefinite"/>
+                        <p:cond evt="onBegin" delay="0">
+                          <p:tn val="2"/>
+                        </p:cond>
+                      </p:stCondLst>
+                      <p:childTnLst>
+                        <p:par>
+                          <p:cTn id="4" fill="hold">
+                            <p:stCondLst>
+                              <p:cond delay="0"/>
+                            </p:stCondLst>
+                            <p:childTnLst>
+                              <p:par>
+                                <p:cTn id="5" presetID="26" presetClass="emph" presetSubtype="0" repeatCount="indefinite" fill="hold" nodeType="withEffect">
+                                  <p:stCondLst>
+                                    <p:cond delay="0"/>
+                                  </p:stCondLst>
+                                  <p:endCondLst>
+                                    <p:cond evt="onNext" delay="0">
+                                      <p:tgtEl>
+                                        <p:sldTgt/>
+                                      </p:tgtEl>
+                                    </p:cond>
+                                  </p:endCondLst>
+                                  <p:childTnLst>
+                                    <p:animEffect transition="out" filter="fade">
+                                      <p:cBhvr>
+                                        <p:cTn id="6" dur="1000" tmFilter="0, 0; .2, .5; .8, .5; 1, 0"/>
+                                        <p:tgtEl>
+                                          <p:spTgt spid="10"/>
+                                        </p:tgtEl>
+                                      </p:cBhvr>
+                                    </p:animEffect>
+                                    <p:animScale>
+                                      <p:cBhvr>
+                                        <p:cTn id="7" dur="500" autoRev="1" fill="hold"/>
+                                        <p:tgtEl>
+                                          <p:spTgt spid="10"/>
+                                        </p:tgtEl>
+                                      </p:cBhvr>
+                                      <p:by x="105000" y="105000"/>
+                                    </p:animScale>
+                                  </p:childTnLst>
+                                </p:cTn>
+                              </p:par>
+                            </p:childTnLst>
+                          </p:cTn>
+                        </p:par>
+                      </p:childTnLst>
+                    </p:cTn>
+                  </p:par>
+                </p:childTnLst>
+              </p:cTn>
+              <p:prevCondLst>
+                <p:cond evt="onPrev" delay="0">
+                  <p:tgtEl>
+                    <p:sldTgt/>
+                  </p:tgtEl>
+                </p:cond>
+              </p:prevCondLst>
+              <p:nextCondLst>
+                <p:cond evt="onNext" delay="0">
+                  <p:tgtEl>
+                    <p:sldTgt/>
+                  </p:tgtEl>
+                </p:cond>
+              </p:nextCondLst>
+            </p:seq>
+          </p:childTnLst>
+        </p:cTn>
+      </p:par>
+    </p:tnLst>
+  </p:timing>
+</p:sld>
+</file>
+
+<file path=ppt/slides/slide4.xml><?xml version="1.0" encoding="utf-8"?>
+<p:sld xmlns:a="http://schemas.openxmlformats.org/drawingml/2006/main" xmlns:r="http://schemas.openxmlformats.org/officeDocument/2006/relationships" xmlns:p="http://schemas.openxmlformats.org/presentationml/2006/main">
+  <p:cSld>
+    <p:spTree>
+      <p:nvGrpSpPr>
+        <p:cNvPr id="1" name=""/>
+        <p:cNvGrpSpPr/>
+        <p:nvPr/>
+      </p:nvGrpSpPr>
+      <p:grpSpPr>
+        <a:xfrm>
+          <a:off x="0" y="0"/>
+          <a:ext cx="0" cy="0"/>
+          <a:chOff x="0" y="0"/>
+          <a:chExt cx="0" cy="0"/>
+        </a:xfrm>
+      </p:grpSpPr>
+      <p:pic>
+        <p:nvPicPr>
+          <p:cNvPr id="3" name="圖片 2">
+            <a:extLst>
+              <a:ext uri="{FF2B5EF4-FFF2-40B4-BE49-F238E27FC236}">
+                <a16:creationId xmlns:a16="http://schemas.microsoft.com/office/drawing/2014/main" id="{B1522933-E984-44CA-9BF7-C37166EB2AF7}"/>
+              </a:ext>
+            </a:extLst>
+          </p:cNvPr>
+          <p:cNvPicPr>
+            <a:picLocks noChangeAspect="1"/>
+          </p:cNvPicPr>
+          <p:nvPr/>
+        </p:nvPicPr>
+        <p:blipFill>
+          <a:blip r:embed="rId3">
+            <a:extLst>
+              <a:ext uri="{28A0092B-C50C-407E-A947-70E740481C1C}">
+                <a14:useLocalDpi xmlns:a14="http://schemas.microsoft.com/office/drawing/2010/main" val="0"/>
+              </a:ext>
+            </a:extLst>
+          </a:blip>
+          <a:stretch>
+            <a:fillRect/>
+          </a:stretch>
+        </p:blipFill>
+        <p:spPr>
+          <a:xfrm>
+            <a:off x="0" y="0"/>
+            <a:ext cx="6286500" cy="6858000"/>
+          </a:xfrm>
+          <a:prstGeom prst="rect">
+            <a:avLst/>
+          </a:prstGeom>
+        </p:spPr>
+      </p:pic>
+    </p:spTree>
+    <p:extLst>
+      <p:ext uri="{BB962C8B-B14F-4D97-AF65-F5344CB8AC3E}">
+        <p14:creationId xmlns:p14="http://schemas.microsoft.com/office/powerpoint/2010/main" val="2046652044"/>
+      </p:ext>
+    </p:extLst>
+  </p:cSld>
+  <p:clrMapOvr>
+    <a:masterClrMapping/>
+  </p:clrMapOvr>
+  <mc:AlternateContent xmlns:mc="http://schemas.openxmlformats.org/markup-compatibility/2006" xmlns:p159="http://schemas.microsoft.com/office/powerpoint/2015/09/main">
+    <mc:Choice Requires="p159">
+      <p:transition xmlns:p14="http://schemas.microsoft.com/office/powerpoint/2010/main" spd="slow" p14:dur="1500">
+        <p159:morph option="byObject"/>
+      </p:transition>
+    </mc:Choice>
+    <mc:Fallback xmlns="">
+      <p:transition spd="slow">
+        <p:fade/>
+      </p:transition>
+    </mc:Fallback>
+  </mc:AlternateContent>
+</p:sld>
+</file>
+
+<file path=ppt/slides/slide5.xml><?xml version="1.0" encoding="utf-8"?>
+<p:sld xmlns:a="http://schemas.openxmlformats.org/drawingml/2006/main" xmlns:r="http://schemas.openxmlformats.org/officeDocument/2006/relationships" xmlns:p="http://schemas.openxmlformats.org/presentationml/2006/main">
+  <p:cSld>
+    <p:spTree>
+      <p:nvGrpSpPr>
+        <p:cNvPr id="1" name=""/>
+        <p:cNvGrpSpPr/>
+        <p:nvPr/>
+      </p:nvGrpSpPr>
+      <p:grpSpPr>
+        <a:xfrm>
+          <a:off x="0" y="0"/>
+          <a:ext cx="0" cy="0"/>
+          <a:chOff x="0" y="0"/>
+          <a:chExt cx="0" cy="0"/>
+        </a:xfrm>
+      </p:grpSpPr>
+      <p:sp>
+        <p:nvSpPr>
+          <p:cNvPr id="5" name="文字方塊 4">
+            <a:extLst>
+              <a:ext uri="{FF2B5EF4-FFF2-40B4-BE49-F238E27FC236}">
+                <a16:creationId xmlns:a16="http://schemas.microsoft.com/office/drawing/2014/main" id="{D9971AAB-3106-4EDC-BE37-B06B4A900966}"/>
+              </a:ext>
+            </a:extLst>
+          </p:cNvPr>
+          <p:cNvSpPr txBox="1"/>
+          <p:nvPr/>
+        </p:nvSpPr>
+        <p:spPr>
+          <a:xfrm>
+            <a:off x="353961" y="144094"/>
+            <a:ext cx="1524000" cy="553998"/>
+          </a:xfrm>
+          <a:prstGeom prst="rect">
+            <a:avLst/>
+          </a:prstGeom>
+          <a:noFill/>
+        </p:spPr>
+        <p:txBody>
+          <a:bodyPr wrap="square">
+            <a:spAutoFit/>
+          </a:bodyPr>
+          <a:lstStyle>
+            <a:defPPr>
+              <a:defRPr lang="zh-TW"/>
+            </a:defPPr>
+            <a:lvl1pPr>
+              <a:defRPr sz="3200" b="1">
+                <a:solidFill>
+                  <a:schemeClr val="bg2">
+                    <a:lumMod val="50000"/>
+                  </a:schemeClr>
+                </a:solidFill>
+                <a:latin typeface="微軟正黑體" panose="020B0604030504040204" pitchFamily="34" charset="-120"/>
+                <a:ea typeface="微軟正黑體" panose="020B0604030504040204" pitchFamily="34" charset="-120"/>
+              </a:defRPr>
+            </a:lvl1pPr>
+          </a:lstStyle>
+          <a:p>
+            <a:r>
+              <a:rPr lang="en-US" altLang="zh-TW" dirty="0"/>
+              <a:t>3. </a:t>
+            </a:r>
+            <a:r>
+              <a:rPr lang="zh-TW" altLang="en-US" dirty="0"/>
+              <a:t>努力</a:t>
+            </a:r>
+            <a:endParaRPr lang="en-US" altLang="zh-TW" dirty="0"/>
+          </a:p>
+        </p:txBody>
+      </p:sp>
+      <p:pic>
+        <p:nvPicPr>
+          <p:cNvPr id="8" name="圖片 7">
+            <a:extLst>
+              <a:ext uri="{FF2B5EF4-FFF2-40B4-BE49-F238E27FC236}">
+                <a16:creationId xmlns:a16="http://schemas.microsoft.com/office/drawing/2014/main" id="{06A16B84-82E5-4E2A-B767-71BF5DBF0B9B}"/>
+              </a:ext>
+            </a:extLst>
+          </p:cNvPr>
+          <p:cNvPicPr>
+            <a:picLocks noChangeAspect="1"/>
+          </p:cNvPicPr>
+          <p:nvPr/>
+        </p:nvPicPr>
+        <p:blipFill>
+          <a:blip r:embed="rId3">
+            <a:extLst>
+              <a:ext uri="{28A0092B-C50C-407E-A947-70E740481C1C}">
+                <a14:useLocalDpi xmlns:a14="http://schemas.microsoft.com/office/drawing/2010/main" val="0"/>
+              </a:ext>
+            </a:extLst>
+          </a:blip>
+          <a:stretch>
+            <a:fillRect/>
+          </a:stretch>
+        </p:blipFill>
+        <p:spPr>
+          <a:xfrm>
+            <a:off x="0" y="762000"/>
+            <a:ext cx="6096000" cy="6096000"/>
+          </a:xfrm>
+          <a:prstGeom prst="rect">
+            <a:avLst/>
+          </a:prstGeom>
+        </p:spPr>
+      </p:pic>
+    </p:spTree>
+    <p:extLst>
+      <p:ext uri="{BB962C8B-B14F-4D97-AF65-F5344CB8AC3E}">
+        <p14:creationId xmlns:p14="http://schemas.microsoft.com/office/powerpoint/2010/main" val="820764981"/>
+      </p:ext>
+    </p:extLst>
+  </p:cSld>
+  <p:clrMapOvr>
+    <a:masterClrMapping/>
+  </p:clrMapOvr>
+  <mc:AlternateContent xmlns:mc="http://schemas.openxmlformats.org/markup-compatibility/2006" xmlns:p159="http://schemas.microsoft.com/office/powerpoint/2015/09/main">
+    <mc:Choice Requires="p159">
+      <p:transition xmlns:p14="http://schemas.microsoft.com/office/powerpoint/2010/main" spd="slow" p14:dur="1500">
+        <p159:morph option="byObject"/>
+      </p:transition>
+    </mc:Choice>
+    <mc:Fallback xmlns="">
+      <p:transition spd="slow">
+        <p:fade/>
+      </p:transition>
+    </mc:Fallback>
+  </mc:AlternateContent>
+</p:sld>
+</file>
+
+<file path=ppt/slides/slide6.xml><?xml version="1.0" encoding="utf-8"?>
+<p:sld xmlns:a="http://schemas.openxmlformats.org/drawingml/2006/main" xmlns:r="http://schemas.openxmlformats.org/officeDocument/2006/relationships" xmlns:p="http://schemas.openxmlformats.org/presentationml/2006/main">
+  <p:cSld>
+    <p:spTree>
+      <p:nvGrpSpPr>
+        <p:cNvPr id="1" name=""/>
+        <p:cNvGrpSpPr/>
+        <p:nvPr/>
+      </p:nvGrpSpPr>
+      <p:grpSpPr>
+        <a:xfrm>
+          <a:off x="0" y="0"/>
+          <a:ext cx="0" cy="0"/>
+          <a:chOff x="0" y="0"/>
+          <a:chExt cx="0" cy="0"/>
+        </a:xfrm>
+      </p:grpSpPr>
+      <p:pic>
+        <p:nvPicPr>
+          <p:cNvPr id="3" name="圖片 2">
+            <a:extLst>
+              <a:ext uri="{FF2B5EF4-FFF2-40B4-BE49-F238E27FC236}">
+                <a16:creationId xmlns:a16="http://schemas.microsoft.com/office/drawing/2014/main" id="{ADC9F42E-340D-4EDA-8943-91DFE93E981B}"/>
+              </a:ext>
+            </a:extLst>
+          </p:cNvPr>
+          <p:cNvPicPr>
+            <a:picLocks noChangeAspect="1"/>
+          </p:cNvPicPr>
+          <p:nvPr/>
+        </p:nvPicPr>
+        <p:blipFill>
+          <a:blip r:embed="rId3">
+            <a:extLst>
+              <a:ext uri="{28A0092B-C50C-407E-A947-70E740481C1C}">
+                <a14:useLocalDpi xmlns:a14="http://schemas.microsoft.com/office/drawing/2010/main" val="0"/>
+              </a:ext>
+            </a:extLst>
+          </a:blip>
+          <a:stretch>
+            <a:fillRect/>
+          </a:stretch>
+        </p:blipFill>
+        <p:spPr>
+          <a:xfrm>
+            <a:off x="0" y="3327400"/>
+            <a:ext cx="6060290" cy="3784601"/>
+          </a:xfrm>
+          <a:prstGeom prst="rect">
+            <a:avLst/>
+          </a:prstGeom>
+        </p:spPr>
+      </p:pic>
+      <p:pic>
+        <p:nvPicPr>
+          <p:cNvPr id="5" name="圖片 4">
+            <a:extLst>
+              <a:ext uri="{FF2B5EF4-FFF2-40B4-BE49-F238E27FC236}">
+                <a16:creationId xmlns:a16="http://schemas.microsoft.com/office/drawing/2014/main" id="{E551F3E4-3F0F-4BB6-8A86-76966009CB61}"/>
+              </a:ext>
+            </a:extLst>
+          </p:cNvPr>
+          <p:cNvPicPr>
+            <a:picLocks noChangeAspect="1"/>
+          </p:cNvPicPr>
+          <p:nvPr/>
+        </p:nvPicPr>
+        <p:blipFill>
+          <a:blip r:embed="rId4">
+            <a:extLst>
+              <a:ext uri="{28A0092B-C50C-407E-A947-70E740481C1C}">
+                <a14:useLocalDpi xmlns:a14="http://schemas.microsoft.com/office/drawing/2010/main" val="0"/>
+              </a:ext>
+            </a:extLst>
+          </a:blip>
+          <a:stretch>
+            <a:fillRect/>
+          </a:stretch>
+        </p:blipFill>
+        <p:spPr>
+          <a:xfrm>
+            <a:off x="0" y="0"/>
+            <a:ext cx="6060290" cy="3327400"/>
+          </a:xfrm>
+          <a:prstGeom prst="rect">
+            <a:avLst/>
+          </a:prstGeom>
+        </p:spPr>
+      </p:pic>
+    </p:spTree>
+    <p:extLst>
+      <p:ext uri="{BB962C8B-B14F-4D97-AF65-F5344CB8AC3E}">
+        <p14:creationId xmlns:p14="http://schemas.microsoft.com/office/powerpoint/2010/main" val="2210582395"/>
+      </p:ext>
+    </p:extLst>
+  </p:cSld>
+  <p:clrMapOvr>
+    <a:masterClrMapping/>
+  </p:clrMapOvr>
+  <mc:AlternateContent xmlns:mc="http://schemas.openxmlformats.org/markup-compatibility/2006" xmlns:p159="http://schemas.microsoft.com/office/powerpoint/2015/09/main">
+    <mc:Choice Requires="p159">
+      <p:transition spd="slow">
+        <p159:morph option="byObject"/>
+      </p:transition>
+    </mc:Choice>
+    <mc:Fallback xmlns="">
+      <p:transition spd="slow">
+        <p:fade/>
+      </p:transition>
+    </mc:Fallback>
+  </mc:AlternateContent>
+  <p:timing>
+    <p:tnLst>
+      <p:par>
+        <p:cTn id="1" dur="indefinite" restart="never" nodeType="tmRoot">
+          <p:childTnLst>
+            <p:seq concurrent="1" nextAc="seek">
+              <p:cTn id="2" dur="indefinite" nodeType="mainSeq">
+                <p:childTnLst>
+                  <p:par>
+                    <p:cTn id="3" fill="hold">
+                      <p:stCondLst>
+                        <p:cond delay="indefinite"/>
+                        <p:cond evt="onBegin" delay="0">
+                          <p:tn val="2"/>
+                        </p:cond>
+                      </p:stCondLst>
+                      <p:childTnLst>
+                        <p:par>
+                          <p:cTn id="4" fill="hold">
+                            <p:stCondLst>
+                              <p:cond delay="0"/>
+                            </p:stCondLst>
+                            <p:childTnLst>
+                              <p:par>
+                                <p:cTn id="5" presetID="2" presetClass="entr" presetSubtype="2" fill="hold" nodeType="afterEffect">
+                                  <p:stCondLst>
+                                    <p:cond delay="0"/>
+                                  </p:stCondLst>
+                                  <p:childTnLst>
+                                    <p:set>
+                                      <p:cBhvr>
+                                        <p:cTn id="6" dur="1" fill="hold">
+                                          <p:stCondLst>
+                                            <p:cond delay="0"/>
+                                          </p:stCondLst>
+                                        </p:cTn>
+                                        <p:tgtEl>
+                                          <p:spTgt spid="3"/>
+                                        </p:tgtEl>
+                                        <p:attrNameLst>
+                                          <p:attrName>style.visibility</p:attrName>
+                                        </p:attrNameLst>
+                                      </p:cBhvr>
+                                      <p:to>
+                                        <p:strVal val="visible"/>
+                                      </p:to>
+                                    </p:set>
+                                    <p:anim calcmode="lin" valueType="num">
+                                      <p:cBhvr additive="base">
+                                        <p:cTn id="7" dur="500" fill="hold"/>
+                                        <p:tgtEl>
+                                          <p:spTgt spid="3"/>
+                                        </p:tgtEl>
+                                        <p:attrNameLst>
+                                          <p:attrName>ppt_x</p:attrName>
+                                        </p:attrNameLst>
+                                      </p:cBhvr>
+                                      <p:tavLst>
+                                        <p:tav tm="0">
+                                          <p:val>
+                                            <p:strVal val="1+#ppt_w/2"/>
+                                          </p:val>
+                                        </p:tav>
+                                        <p:tav tm="100000">
+                                          <p:val>
+                                            <p:strVal val="#ppt_x"/>
+                                          </p:val>
+                                        </p:tav>
+                                      </p:tavLst>
+                                    </p:anim>
+                                    <p:anim calcmode="lin" valueType="num">
+                                      <p:cBhvr additive="base">
+                                        <p:cTn id="8" dur="500" fill="hold"/>
+                                        <p:tgtEl>
+                                          <p:spTgt spid="3"/>
+                                        </p:tgtEl>
+                                        <p:attrNameLst>
+                                          <p:attrName>ppt_y</p:attrName>
+                                        </p:attrNameLst>
+                                      </p:cBhvr>
+                                      <p:tavLst>
+                                        <p:tav tm="0">
+                                          <p:val>
+                                            <p:strVal val="#ppt_y"/>
+                                          </p:val>
+                                        </p:tav>
+                                        <p:tav tm="100000">
+                                          <p:val>
+                                            <p:strVal val="#ppt_y"/>
+                                          </p:val>
+                                        </p:tav>
+                                      </p:tavLst>
+                                    </p:anim>
+                                  </p:childTnLst>
+                                </p:cTn>
+                              </p:par>
+                            </p:childTnLst>
+                          </p:cTn>
+                        </p:par>
+                        <p:par>
+                          <p:cTn id="9" fill="hold">
+                            <p:stCondLst>
+                              <p:cond delay="500"/>
+                            </p:stCondLst>
+                            <p:childTnLst>
+                              <p:par>
+                                <p:cTn id="10" presetID="2" presetClass="entr" presetSubtype="8" fill="hold" nodeType="afterEffect">
+                                  <p:stCondLst>
+                                    <p:cond delay="0"/>
+                                  </p:stCondLst>
+                                  <p:childTnLst>
+                                    <p:set>
+                                      <p:cBhvr>
+                                        <p:cTn id="11" dur="1" fill="hold">
+                                          <p:stCondLst>
+                                            <p:cond delay="0"/>
+                                          </p:stCondLst>
+                                        </p:cTn>
+                                        <p:tgtEl>
+                                          <p:spTgt spid="5"/>
+                                        </p:tgtEl>
+                                        <p:attrNameLst>
+                                          <p:attrName>style.visibility</p:attrName>
+                                        </p:attrNameLst>
+                                      </p:cBhvr>
+                                      <p:to>
+                                        <p:strVal val="visible"/>
+                                      </p:to>
+                                    </p:set>
+                                    <p:anim calcmode="lin" valueType="num">
+                                      <p:cBhvr additive="base">
+                                        <p:cTn id="12" dur="500" fill="hold"/>
+                                        <p:tgtEl>
+                                          <p:spTgt spid="5"/>
+                                        </p:tgtEl>
+                                        <p:attrNameLst>
+                                          <p:attrName>ppt_x</p:attrName>
+                                        </p:attrNameLst>
+                                      </p:cBhvr>
+                                      <p:tavLst>
+                                        <p:tav tm="0">
+                                          <p:val>
+                                            <p:strVal val="0-#ppt_w/2"/>
+                                          </p:val>
+                                        </p:tav>
+                                        <p:tav tm="100000">
+                                          <p:val>
+                                            <p:strVal val="#ppt_x"/>
+                                          </p:val>
+                                        </p:tav>
+                                      </p:tavLst>
+                                    </p:anim>
+                                    <p:anim calcmode="lin" valueType="num">
+                                      <p:cBhvr additive="base">
+                                        <p:cTn id="13" dur="500" fill="hold"/>
+                                        <p:tgtEl>
+                                          <p:spTgt spid="5"/>
+                                        </p:tgtEl>
+                                        <p:attrNameLst>
+                                          <p:attrName>ppt_y</p:attrName>
+                                        </p:attrNameLst>
+                                      </p:cBhvr>
+                                      <p:tavLst>
+                                        <p:tav tm="0">
+                                          <p:val>
+                                            <p:strVal val="#ppt_y"/>
+                                          </p:val>
+                                        </p:tav>
+                                        <p:tav tm="100000">
+                                          <p:val>
+                                            <p:strVal val="#ppt_y"/>
+                                          </p:val>
+                                        </p:tav>
+                                      </p:tavLst>
+                                    </p:anim>
+                                  </p:childTnLst>
+                                </p:cTn>
+                              </p:par>
+                            </p:childTnLst>
+                          </p:cTn>
+                        </p:par>
+                      </p:childTnLst>
+                    </p:cTn>
+                  </p:par>
+                </p:childTnLst>
+              </p:cTn>
+              <p:prevCondLst>
+                <p:cond evt="onPrev" delay="0">
+                  <p:tgtEl>
+                    <p:sldTgt/>
+                  </p:tgtEl>
+                </p:cond>
+              </p:prevCondLst>
+              <p:nextCondLst>
+                <p:cond evt="onNext" delay="0">
+                  <p:tgtEl>
+                    <p:sldTgt/>
+                  </p:tgtEl>
+                </p:cond>
+              </p:nextCondLst>
+            </p:seq>
+          </p:childTnLst>
+        </p:cTn>
+      </p:par>
+    </p:tnLst>
+  </p:timing>
+</p:sld>
+</file>
+
+<file path=ppt/slides/slide7.xml><?xml version="1.0" encoding="utf-8"?>
+<p:sld xmlns:a="http://schemas.openxmlformats.org/drawingml/2006/main" xmlns:r="http://schemas.openxmlformats.org/officeDocument/2006/relationships" xmlns:p="http://schemas.openxmlformats.org/presentationml/2006/main">
+  <p:cSld>
+    <p:spTree>
+      <p:nvGrpSpPr>
+        <p:cNvPr id="1" name=""/>
+        <p:cNvGrpSpPr/>
+        <p:nvPr/>
+      </p:nvGrpSpPr>
+      <p:grpSpPr>
+        <a:xfrm>
+          <a:off x="0" y="0"/>
+          <a:ext cx="0" cy="0"/>
+          <a:chOff x="0" y="0"/>
+          <a:chExt cx="0" cy="0"/>
+        </a:xfrm>
+      </p:grpSpPr>
+      <p:pic>
+        <p:nvPicPr>
+          <p:cNvPr id="7" name="圖片 6">
+            <a:extLst>
+              <a:ext uri="{FF2B5EF4-FFF2-40B4-BE49-F238E27FC236}">
+                <a16:creationId xmlns:a16="http://schemas.microsoft.com/office/drawing/2014/main" id="{FA799B0B-E019-4B2E-8209-346D53875FA6}"/>
+              </a:ext>
+            </a:extLst>
+          </p:cNvPr>
+          <p:cNvPicPr>
+            <a:picLocks noChangeAspect="1"/>
+          </p:cNvPicPr>
+          <p:nvPr/>
+        </p:nvPicPr>
+        <p:blipFill>
+          <a:blip r:embed="rId3">
+            <a:extLst>
+              <a:ext uri="{28A0092B-C50C-407E-A947-70E740481C1C}">
+                <a14:useLocalDpi xmlns:a14="http://schemas.microsoft.com/office/drawing/2010/main" val="0"/>
+              </a:ext>
+            </a:extLst>
+          </a:blip>
+          <a:stretch>
+            <a:fillRect/>
+          </a:stretch>
+        </p:blipFill>
+        <p:spPr>
+          <a:xfrm>
+            <a:off x="0" y="0"/>
+            <a:ext cx="6858000" cy="6858000"/>
+          </a:xfrm>
+          <a:prstGeom prst="rect">
+            <a:avLst/>
+          </a:prstGeom>
+        </p:spPr>
+      </p:pic>
+    </p:spTree>
+    <p:extLst>
+      <p:ext uri="{BB962C8B-B14F-4D97-AF65-F5344CB8AC3E}">
+        <p14:creationId xmlns:p14="http://schemas.microsoft.com/office/powerpoint/2010/main" val="2241434471"/>
+      </p:ext>
+    </p:extLst>
+  </p:cSld>
+  <p:clrMapOvr>
+    <a:masterClrMapping/>
+  </p:clrMapOvr>
+  <mc:AlternateContent xmlns:mc="http://schemas.openxmlformats.org/markup-compatibility/2006" xmlns:p159="http://schemas.microsoft.com/office/powerpoint/2015/09/main">
+    <mc:Choice Requires="p159">
+      <p:transition xmlns:p14="http://schemas.microsoft.com/office/powerpoint/2010/main" spd="slow" p14:dur="1500">
+        <p159:morph option="byObject"/>
+      </p:transition>
+    </mc:Choice>
+    <mc:Fallback xmlns="">
+      <p:transition spd="slow">
+        <p:fade/>
+      </p:transition>
+    </mc:Fallback>
+  </mc:AlternateContent>
+</p:sld>
+</file>
+
+<file path=ppt/slides/slide8.xml><?xml version="1.0" encoding="utf-8"?>
+<p:sld xmlns:a="http://schemas.openxmlformats.org/drawingml/2006/main" xmlns:r="http://schemas.openxmlformats.org/officeDocument/2006/relationships" xmlns:p="http://schemas.openxmlformats.org/presentationml/2006/main">
+  <p:cSld>
+    <p:spTree>
+      <p:nvGrpSpPr>
+        <p:cNvPr id="1" name=""/>
+        <p:cNvGrpSpPr/>
+        <p:nvPr/>
+      </p:nvGrpSpPr>
+      <p:grpSpPr>
+        <a:xfrm>
+          <a:off x="0" y="0"/>
+          <a:ext cx="0" cy="0"/>
+          <a:chOff x="0" y="0"/>
+          <a:chExt cx="0" cy="0"/>
+        </a:xfrm>
+      </p:grpSpPr>
+      <p:pic>
+        <p:nvPicPr>
+          <p:cNvPr id="4" name="圖片 3">
+            <a:extLst>
+              <a:ext uri="{FF2B5EF4-FFF2-40B4-BE49-F238E27FC236}">
+                <a16:creationId xmlns:a16="http://schemas.microsoft.com/office/drawing/2014/main" id="{8C7A4774-5888-4785-8E74-D1280FCD321F}"/>
+              </a:ext>
+            </a:extLst>
+          </p:cNvPr>
+          <p:cNvPicPr>
+            <a:picLocks noChangeAspect="1"/>
+          </p:cNvPicPr>
+          <p:nvPr/>
+        </p:nvPicPr>
+        <p:blipFill>
+          <a:blip r:embed="rId3">
+            <a:extLst>
+              <a:ext uri="{28A0092B-C50C-407E-A947-70E740481C1C}">
+                <a14:useLocalDpi xmlns:a14="http://schemas.microsoft.com/office/drawing/2010/main" val="0"/>
+              </a:ext>
+            </a:extLst>
+          </a:blip>
+          <a:stretch>
+            <a:fillRect/>
+          </a:stretch>
+        </p:blipFill>
+        <p:spPr>
+          <a:xfrm>
+            <a:off x="0" y="765016"/>
+            <a:ext cx="6680200" cy="6181082"/>
+          </a:xfrm>
+          <a:prstGeom prst="rect">
+            <a:avLst/>
+          </a:prstGeom>
+        </p:spPr>
+      </p:pic>
+      <p:sp>
+        <p:nvSpPr>
+          <p:cNvPr id="6" name="文字方塊 5">
+            <a:extLst>
+              <a:ext uri="{FF2B5EF4-FFF2-40B4-BE49-F238E27FC236}">
+                <a16:creationId xmlns:a16="http://schemas.microsoft.com/office/drawing/2014/main" id="{A804BD06-37B4-4AD9-82D9-E48B759309F2}"/>
+              </a:ext>
+            </a:extLst>
+          </p:cNvPr>
+          <p:cNvSpPr txBox="1"/>
+          <p:nvPr/>
+        </p:nvSpPr>
+        <p:spPr>
+          <a:xfrm>
+            <a:off x="353961" y="144094"/>
+            <a:ext cx="1524000" cy="584775"/>
+          </a:xfrm>
+          <a:prstGeom prst="rect">
+            <a:avLst/>
+          </a:prstGeom>
+          <a:noFill/>
+        </p:spPr>
+        <p:txBody>
+          <a:bodyPr wrap="square">
+            <a:spAutoFit/>
+          </a:bodyPr>
+          <a:lstStyle/>
+          <a:p>
+            <a:r>
+              <a:rPr lang="en-US" altLang="zh-TW" sz="3200" b="1" dirty="0">
+                <a:solidFill>
+                  <a:schemeClr val="bg2">
+                    <a:lumMod val="50000"/>
+                  </a:schemeClr>
+                </a:solidFill>
+                <a:latin typeface="微軟正黑體" panose="020B0604030504040204" pitchFamily="34" charset="-120"/>
+                <a:ea typeface="微軟正黑體" panose="020B0604030504040204" pitchFamily="34" charset="-120"/>
+              </a:rPr>
+              <a:t>5. </a:t>
+            </a:r>
+            <a:r>
+              <a:rPr lang="zh-TW" altLang="en-US" sz="3200" b="1" dirty="0">
+                <a:solidFill>
+                  <a:schemeClr val="bg2">
+                    <a:lumMod val="50000"/>
+                  </a:schemeClr>
+                </a:solidFill>
+                <a:latin typeface="微軟正黑體" panose="020B0604030504040204" pitchFamily="34" charset="-120"/>
+                <a:ea typeface="微軟正黑體" panose="020B0604030504040204" pitchFamily="34" charset="-120"/>
+              </a:rPr>
+              <a:t>意外</a:t>
+            </a:r>
+            <a:endParaRPr lang="en-US" altLang="zh-TW" sz="3200" b="1" dirty="0">
+              <a:solidFill>
+                <a:schemeClr val="bg2">
+                  <a:lumMod val="50000"/>
+                </a:schemeClr>
+              </a:solidFill>
+              <a:latin typeface="微軟正黑體" panose="020B0604030504040204" pitchFamily="34" charset="-120"/>
+              <a:ea typeface="微軟正黑體" panose="020B0604030504040204" pitchFamily="34" charset="-120"/>
+            </a:endParaRPr>
+          </a:p>
+        </p:txBody>
+      </p:sp>
+    </p:spTree>
+    <p:extLst>
+      <p:ext uri="{BB962C8B-B14F-4D97-AF65-F5344CB8AC3E}">
+        <p14:creationId xmlns:p14="http://schemas.microsoft.com/office/powerpoint/2010/main" val="762670048"/>
+      </p:ext>
+    </p:extLst>
+  </p:cSld>
+  <p:clrMapOvr>
+    <a:masterClrMapping/>
+  </p:clrMapOvr>
+  <mc:AlternateContent xmlns:mc="http://schemas.openxmlformats.org/markup-compatibility/2006" xmlns:p159="http://schemas.microsoft.com/office/powerpoint/2015/09/main">
+    <mc:Choice Requires="p159">
+      <p:transition xmlns:p14="http://schemas.microsoft.com/office/powerpoint/2010/main" spd="slow" p14:dur="1500">
+        <p159:morph option="byObject"/>
+      </p:transition>
+    </mc:Choice>
+    <mc:Fallback xmlns="">
+      <p:transition spd="slow">
+        <p:fade/>
+      </p:transition>
+    </mc:Fallback>
+  </mc:AlternateContent>
+</p:sld>
+</file>
+
+<file path=ppt/slides/slide9.xml><?xml version="1.0" encoding="utf-8"?>
+<p:sld xmlns:a="http://schemas.openxmlformats.org/drawingml/2006/main" xmlns:r="http://schemas.openxmlformats.org/officeDocument/2006/relationships" xmlns:p="http://schemas.openxmlformats.org/presentationml/2006/main">
+  <p:cSld>
+    <p:spTree>
+      <p:nvGrpSpPr>
+        <p:cNvPr id="1" name=""/>
+        <p:cNvGrpSpPr/>
+        <p:nvPr/>
+      </p:nvGrpSpPr>
+      <p:grpSpPr>
+        <a:xfrm>
+          <a:off x="0" y="0"/>
+          <a:ext cx="0" cy="0"/>
+          <a:chOff x="0" y="0"/>
+          <a:chExt cx="0" cy="0"/>
+        </a:xfrm>
+      </p:grpSpPr>
+      <p:pic>
+        <p:nvPicPr>
+          <p:cNvPr id="4" name="圖片 3">
+            <a:extLst>
+              <a:ext uri="{FF2B5EF4-FFF2-40B4-BE49-F238E27FC236}">
+                <a16:creationId xmlns:a16="http://schemas.microsoft.com/office/drawing/2014/main" id="{D22EE421-4E2A-48B4-B830-634EADCEE866}"/>
+              </a:ext>
+            </a:extLst>
+          </p:cNvPr>
+          <p:cNvPicPr>
+            <a:picLocks noChangeAspect="1"/>
+          </p:cNvPicPr>
+          <p:nvPr/>
+        </p:nvPicPr>
+        <p:blipFill>
+          <a:blip r:embed="rId3">
+            <a:extLst>
+              <a:ext uri="{28A0092B-C50C-407E-A947-70E740481C1C}">
+                <a14:useLocalDpi xmlns:a14="http://schemas.microsoft.com/office/drawing/2010/main" val="0"/>
+              </a:ext>
+            </a:extLst>
+          </a:blip>
+          <a:stretch>
+            <a:fillRect/>
+          </a:stretch>
+        </p:blipFill>
+        <p:spPr>
+          <a:xfrm>
+            <a:off x="0" y="0"/>
+            <a:ext cx="6642100" cy="6858000"/>
+          </a:xfrm>
+          <a:prstGeom prst="rect">
+            <a:avLst/>
+          </a:prstGeom>
+        </p:spPr>
+      </p:pic>
+    </p:spTree>
+    <p:extLst>
+      <p:ext uri="{BB962C8B-B14F-4D97-AF65-F5344CB8AC3E}">
+        <p14:creationId xmlns:p14="http://schemas.microsoft.com/office/powerpoint/2010/main" val="3679514722"/>
+      </p:ext>
+    </p:extLst>
+  </p:cSld>
+  <p:clrMapOvr>
+    <a:masterClrMapping/>
+  </p:clrMapOvr>
+  <mc:AlternateContent xmlns:mc="http://schemas.openxmlformats.org/markup-compatibility/2006" xmlns:p159="http://schemas.microsoft.com/office/powerpoint/2015/09/main">
+    <mc:Choice Requires="p159">
+      <p:transition xmlns:p14="http://schemas.microsoft.com/office/powerpoint/2010/main" spd="slow" p14:dur="1500">
+        <p159:morph option="byObject"/>
+      </p:transition>
+    </mc:Choice>
+    <mc:Fallback xmlns="">
+      <p:transition spd="slow">
+        <p:fade/>
+      </p:transition>
+    </mc:Fallback>
+  </mc:AlternateContent>
+</p:sld>
+</file>
+
 <file path=ppt/theme/theme1.xml><?xml version="1.0" encoding="utf-8"?>
 <a:theme xmlns:a="http://schemas.openxmlformats.org/drawingml/2006/main" name="Office 佈景主題">
   <a:themeElements>
-    <a:clrScheme name="Office">
+    <a:clrScheme name="黃橙色">
       <a:dk1>
         <a:sysClr val="windowText" lastClr="000000"/>
       </a:dk1>
@@ -3395,39 +7111,39 @@
         <a:sysClr val="window" lastClr="FFFFFF"/>
       </a:lt1>
       <a:dk2>
-        <a:srgbClr val="44546A"/>
+        <a:srgbClr val="4E3B30"/>
       </a:dk2>
       <a:lt2>
-        <a:srgbClr val="E7E6E6"/>
+        <a:srgbClr val="FBEEC9"/>
       </a:lt2>
       <a:accent1>
-        <a:srgbClr val="4472C4"/>
+        <a:srgbClr val="F0A22E"/>
       </a:accent1>
       <a:accent2>
-        <a:srgbClr val="ED7D31"/>
+        <a:srgbClr val="A5644E"/>
       </a:accent2>
       <a:accent3>
-        <a:srgbClr val="A5A5A5"/>
+        <a:srgbClr val="B58B80"/>
       </a:accent3>
       <a:accent4>
-        <a:srgbClr val="FFC000"/>
+        <a:srgbClr val="C3986D"/>
       </a:accent4>
       <a:accent5>
-        <a:srgbClr val="5B9BD5"/>
+        <a:srgbClr val="A19574"/>
       </a:accent5>
       <a:accent6>
-        <a:srgbClr val="70AD47"/>
+        <a:srgbClr val="C17529"/>
       </a:accent6>
       <a:hlink>
-        <a:srgbClr val="0563C1"/>
+        <a:srgbClr val="AD1F1F"/>
       </a:hlink>
       <a:folHlink>
-        <a:srgbClr val="954F72"/>
+        <a:srgbClr val="FFC42F"/>
       </a:folHlink>
     </a:clrScheme>
     <a:fontScheme name="Office">
       <a:majorFont>
-        <a:latin typeface="Calibri Light" panose="020F0302020204030204"/>
+        <a:latin typeface="Aptos Display" panose="02110004020202020204"/>
         <a:ea typeface=""/>
         <a:cs typeface=""/>
         <a:font script="Jpan" typeface="游ゴシック Light"/>
@@ -3479,7 +7195,7 @@
         <a:font script="Tfng" typeface="Ebrima"/>
       </a:majorFont>
       <a:minorFont>
-        <a:latin typeface="Calibri" panose="020F0502020204030204"/>
+        <a:latin typeface="Aptos" panose="02110004020202020204"/>
         <a:ea typeface=""/>
         <a:cs typeface=""/>
         <a:font script="Jpan" typeface="游ゴシック"/>
@@ -3590,13 +7306,6 @@
         </a:gradFill>
       </a:fillStyleLst>
       <a:lnStyleLst>
-        <a:ln w="6350" cap="flat" cmpd="sng" algn="ctr">
-          <a:solidFill>
-            <a:schemeClr val="phClr"/>
-          </a:solidFill>
-          <a:prstDash val="solid"/>
-          <a:miter lim="800000"/>
-        </a:ln>
         <a:ln w="12700" cap="flat" cmpd="sng" algn="ctr">
           <a:solidFill>
             <a:schemeClr val="phClr"/>
@@ -3605,6 +7314,13 @@
           <a:miter lim="800000"/>
         </a:ln>
         <a:ln w="19050" cap="flat" cmpd="sng" algn="ctr">
+          <a:solidFill>
+            <a:schemeClr val="phClr"/>
+          </a:solidFill>
+          <a:prstDash val="solid"/>
+          <a:miter lim="800000"/>
+        </a:ln>
+        <a:ln w="25400" cap="flat" cmpd="sng" algn="ctr">
           <a:solidFill>
             <a:schemeClr val="phClr"/>
           </a:solidFill>
@@ -3669,11 +7385,346 @@
       </a:bgFillStyleLst>
     </a:fmtScheme>
   </a:themeElements>
-  <a:objectDefaults/>
+  <a:objectDefaults>
+    <a:lnDef>
+      <a:spPr/>
+      <a:bodyPr/>
+      <a:lstStyle/>
+      <a:style>
+        <a:lnRef idx="2">
+          <a:schemeClr val="accent1"/>
+        </a:lnRef>
+        <a:fillRef idx="0">
+          <a:schemeClr val="accent1"/>
+        </a:fillRef>
+        <a:effectRef idx="1">
+          <a:schemeClr val="accent1"/>
+        </a:effectRef>
+        <a:fontRef idx="minor">
+          <a:schemeClr val="tx1"/>
+        </a:fontRef>
+      </a:style>
+    </a:lnDef>
+  </a:objectDefaults>
   <a:extraClrSchemeLst/>
   <a:extLst>
     <a:ext uri="{05A4C25C-085E-4340-85A3-A5531E510DB2}">
-      <thm15:themeFamily xmlns:thm15="http://schemas.microsoft.com/office/thememl/2012/main" name="Office Theme" id="{62F939B6-93AF-4DB8-9C6B-D6C7DFDC589F}" vid="{4A3C46E8-61CC-4603-A589-7422A47A8E4A}"/>
+      <thm15:themeFamily xmlns:thm15="http://schemas.microsoft.com/office/thememl/2012/main" name="Office Theme" id="{2E142A2C-CD16-42D6-873A-C26D2A0506FA}" vid="{1BDDFF52-6CD6-40A5-AB3C-68EB2F1E4D0A}"/>
+    </a:ext>
+  </a:extLst>
+</a:theme>
+</file>
+
+<file path=ppt/theme/theme2.xml><?xml version="1.0" encoding="utf-8"?>
+<a:theme xmlns:a="http://schemas.openxmlformats.org/drawingml/2006/main" name="Office 佈景主題">
+  <a:themeElements>
+    <a:clrScheme name="Office">
+      <a:dk1>
+        <a:sysClr val="windowText" lastClr="000000"/>
+      </a:dk1>
+      <a:lt1>
+        <a:sysClr val="window" lastClr="FFFFFF"/>
+      </a:lt1>
+      <a:dk2>
+        <a:srgbClr val="0E2841"/>
+      </a:dk2>
+      <a:lt2>
+        <a:srgbClr val="E8E8E8"/>
+      </a:lt2>
+      <a:accent1>
+        <a:srgbClr val="156082"/>
+      </a:accent1>
+      <a:accent2>
+        <a:srgbClr val="E97132"/>
+      </a:accent2>
+      <a:accent3>
+        <a:srgbClr val="196B24"/>
+      </a:accent3>
+      <a:accent4>
+        <a:srgbClr val="0F9ED5"/>
+      </a:accent4>
+      <a:accent5>
+        <a:srgbClr val="A02B93"/>
+      </a:accent5>
+      <a:accent6>
+        <a:srgbClr val="4EA72E"/>
+      </a:accent6>
+      <a:hlink>
+        <a:srgbClr val="467886"/>
+      </a:hlink>
+      <a:folHlink>
+        <a:srgbClr val="96607D"/>
+      </a:folHlink>
+    </a:clrScheme>
+    <a:fontScheme name="Office">
+      <a:majorFont>
+        <a:latin typeface="Aptos Display" panose="02110004020202020204"/>
+        <a:ea typeface=""/>
+        <a:cs typeface=""/>
+        <a:font script="Jpan" typeface="游ゴシック Light"/>
+        <a:font script="Hang" typeface="맑은 고딕"/>
+        <a:font script="Hans" typeface="等线 Light"/>
+        <a:font script="Hant" typeface="新細明體"/>
+        <a:font script="Arab" typeface="Times New Roman"/>
+        <a:font script="Hebr" typeface="Times New Roman"/>
+        <a:font script="Thai" typeface="Angsana New"/>
+        <a:font script="Ethi" typeface="Nyala"/>
+        <a:font script="Beng" typeface="Vrinda"/>
+        <a:font script="Gujr" typeface="Shruti"/>
+        <a:font script="Khmr" typeface="MoolBoran"/>
+        <a:font script="Knda" typeface="Tunga"/>
+        <a:font script="Guru" typeface="Raavi"/>
+        <a:font script="Cans" typeface="Euphemia"/>
+        <a:font script="Cher" typeface="Plantagenet Cherokee"/>
+        <a:font script="Yiii" typeface="Microsoft Yi Baiti"/>
+        <a:font script="Tibt" typeface="Microsoft Himalaya"/>
+        <a:font script="Thaa" typeface="MV Boli"/>
+        <a:font script="Deva" typeface="Mangal"/>
+        <a:font script="Telu" typeface="Gautami"/>
+        <a:font script="Taml" typeface="Latha"/>
+        <a:font script="Syrc" typeface="Estrangelo Edessa"/>
+        <a:font script="Orya" typeface="Kalinga"/>
+        <a:font script="Mlym" typeface="Kartika"/>
+        <a:font script="Laoo" typeface="DokChampa"/>
+        <a:font script="Sinh" typeface="Iskoola Pota"/>
+        <a:font script="Mong" typeface="Mongolian Baiti"/>
+        <a:font script="Viet" typeface="Times New Roman"/>
+        <a:font script="Uigh" typeface="Microsoft Uighur"/>
+        <a:font script="Geor" typeface="Sylfaen"/>
+        <a:font script="Armn" typeface="Arial"/>
+        <a:font script="Bugi" typeface="Leelawadee UI"/>
+        <a:font script="Bopo" typeface="Microsoft JhengHei"/>
+        <a:font script="Java" typeface="Javanese Text"/>
+        <a:font script="Lisu" typeface="Segoe UI"/>
+        <a:font script="Mymr" typeface="Myanmar Text"/>
+        <a:font script="Nkoo" typeface="Ebrima"/>
+        <a:font script="Olck" typeface="Nirmala UI"/>
+        <a:font script="Osma" typeface="Ebrima"/>
+        <a:font script="Phag" typeface="Phagspa"/>
+        <a:font script="Syrn" typeface="Estrangelo Edessa"/>
+        <a:font script="Syrj" typeface="Estrangelo Edessa"/>
+        <a:font script="Syre" typeface="Estrangelo Edessa"/>
+        <a:font script="Sora" typeface="Nirmala UI"/>
+        <a:font script="Tale" typeface="Microsoft Tai Le"/>
+        <a:font script="Talu" typeface="Microsoft New Tai Lue"/>
+        <a:font script="Tfng" typeface="Ebrima"/>
+      </a:majorFont>
+      <a:minorFont>
+        <a:latin typeface="Aptos" panose="02110004020202020204"/>
+        <a:ea typeface=""/>
+        <a:cs typeface=""/>
+        <a:font script="Jpan" typeface="游ゴシック"/>
+        <a:font script="Hang" typeface="맑은 고딕"/>
+        <a:font script="Hans" typeface="等线"/>
+        <a:font script="Hant" typeface="新細明體"/>
+        <a:font script="Arab" typeface="Arial"/>
+        <a:font script="Hebr" typeface="Arial"/>
+        <a:font script="Thai" typeface="Cordia New"/>
+        <a:font script="Ethi" typeface="Nyala"/>
+        <a:font script="Beng" typeface="Vrinda"/>
+        <a:font script="Gujr" typeface="Shruti"/>
+        <a:font script="Khmr" typeface="DaunPenh"/>
+        <a:font script="Knda" typeface="Tunga"/>
+        <a:font script="Guru" typeface="Raavi"/>
+        <a:font script="Cans" typeface="Euphemia"/>
+        <a:font script="Cher" typeface="Plantagenet Cherokee"/>
+        <a:font script="Yiii" typeface="Microsoft Yi Baiti"/>
+        <a:font script="Tibt" typeface="Microsoft Himalaya"/>
+        <a:font script="Thaa" typeface="MV Boli"/>
+        <a:font script="Deva" typeface="Mangal"/>
+        <a:font script="Telu" typeface="Gautami"/>
+        <a:font script="Taml" typeface="Latha"/>
+        <a:font script="Syrc" typeface="Estrangelo Edessa"/>
+        <a:font script="Orya" typeface="Kalinga"/>
+        <a:font script="Mlym" typeface="Kartika"/>
+        <a:font script="Laoo" typeface="DokChampa"/>
+        <a:font script="Sinh" typeface="Iskoola Pota"/>
+        <a:font script="Mong" typeface="Mongolian Baiti"/>
+        <a:font script="Viet" typeface="Arial"/>
+        <a:font script="Uigh" typeface="Microsoft Uighur"/>
+        <a:font script="Geor" typeface="Sylfaen"/>
+        <a:font script="Armn" typeface="Arial"/>
+        <a:font script="Bugi" typeface="Leelawadee UI"/>
+        <a:font script="Bopo" typeface="Microsoft JhengHei"/>
+        <a:font script="Java" typeface="Javanese Text"/>
+        <a:font script="Lisu" typeface="Segoe UI"/>
+        <a:font script="Mymr" typeface="Myanmar Text"/>
+        <a:font script="Nkoo" typeface="Ebrima"/>
+        <a:font script="Olck" typeface="Nirmala UI"/>
+        <a:font script="Osma" typeface="Ebrima"/>
+        <a:font script="Phag" typeface="Phagspa"/>
+        <a:font script="Syrn" typeface="Estrangelo Edessa"/>
+        <a:font script="Syrj" typeface="Estrangelo Edessa"/>
+        <a:font script="Syre" typeface="Estrangelo Edessa"/>
+        <a:font script="Sora" typeface="Nirmala UI"/>
+        <a:font script="Tale" typeface="Microsoft Tai Le"/>
+        <a:font script="Talu" typeface="Microsoft New Tai Lue"/>
+        <a:font script="Tfng" typeface="Ebrima"/>
+      </a:minorFont>
+    </a:fontScheme>
+    <a:fmtScheme name="Office">
+      <a:fillStyleLst>
+        <a:solidFill>
+          <a:schemeClr val="phClr"/>
+        </a:solidFill>
+        <a:gradFill rotWithShape="1">
+          <a:gsLst>
+            <a:gs pos="0">
+              <a:schemeClr val="phClr">
+                <a:lumMod val="110000"/>
+                <a:satMod val="105000"/>
+                <a:tint val="67000"/>
+              </a:schemeClr>
+            </a:gs>
+            <a:gs pos="50000">
+              <a:schemeClr val="phClr">
+                <a:lumMod val="105000"/>
+                <a:satMod val="103000"/>
+                <a:tint val="73000"/>
+              </a:schemeClr>
+            </a:gs>
+            <a:gs pos="100000">
+              <a:schemeClr val="phClr">
+                <a:lumMod val="105000"/>
+                <a:satMod val="109000"/>
+                <a:tint val="81000"/>
+              </a:schemeClr>
+            </a:gs>
+          </a:gsLst>
+          <a:lin ang="5400000" scaled="0"/>
+        </a:gradFill>
+        <a:gradFill rotWithShape="1">
+          <a:gsLst>
+            <a:gs pos="0">
+              <a:schemeClr val="phClr">
+                <a:satMod val="103000"/>
+                <a:lumMod val="102000"/>
+                <a:tint val="94000"/>
+              </a:schemeClr>
+            </a:gs>
+            <a:gs pos="50000">
+              <a:schemeClr val="phClr">
+                <a:satMod val="110000"/>
+                <a:lumMod val="100000"/>
+                <a:shade val="100000"/>
+              </a:schemeClr>
+            </a:gs>
+            <a:gs pos="100000">
+              <a:schemeClr val="phClr">
+                <a:lumMod val="99000"/>
+                <a:satMod val="120000"/>
+                <a:shade val="78000"/>
+              </a:schemeClr>
+            </a:gs>
+          </a:gsLst>
+          <a:lin ang="5400000" scaled="0"/>
+        </a:gradFill>
+      </a:fillStyleLst>
+      <a:lnStyleLst>
+        <a:ln w="12700" cap="flat" cmpd="sng" algn="ctr">
+          <a:solidFill>
+            <a:schemeClr val="phClr"/>
+          </a:solidFill>
+          <a:prstDash val="solid"/>
+          <a:miter lim="800000"/>
+        </a:ln>
+        <a:ln w="19050" cap="flat" cmpd="sng" algn="ctr">
+          <a:solidFill>
+            <a:schemeClr val="phClr"/>
+          </a:solidFill>
+          <a:prstDash val="solid"/>
+          <a:miter lim="800000"/>
+        </a:ln>
+        <a:ln w="25400" cap="flat" cmpd="sng" algn="ctr">
+          <a:solidFill>
+            <a:schemeClr val="phClr"/>
+          </a:solidFill>
+          <a:prstDash val="solid"/>
+          <a:miter lim="800000"/>
+        </a:ln>
+      </a:lnStyleLst>
+      <a:effectStyleLst>
+        <a:effectStyle>
+          <a:effectLst/>
+        </a:effectStyle>
+        <a:effectStyle>
+          <a:effectLst/>
+        </a:effectStyle>
+        <a:effectStyle>
+          <a:effectLst>
+            <a:outerShdw blurRad="57150" dist="19050" dir="5400000" algn="ctr" rotWithShape="0">
+              <a:srgbClr val="000000">
+                <a:alpha val="63000"/>
+              </a:srgbClr>
+            </a:outerShdw>
+          </a:effectLst>
+        </a:effectStyle>
+      </a:effectStyleLst>
+      <a:bgFillStyleLst>
+        <a:solidFill>
+          <a:schemeClr val="phClr"/>
+        </a:solidFill>
+        <a:solidFill>
+          <a:schemeClr val="phClr">
+            <a:tint val="95000"/>
+            <a:satMod val="170000"/>
+          </a:schemeClr>
+        </a:solidFill>
+        <a:gradFill rotWithShape="1">
+          <a:gsLst>
+            <a:gs pos="0">
+              <a:schemeClr val="phClr">
+                <a:tint val="93000"/>
+                <a:satMod val="150000"/>
+                <a:shade val="98000"/>
+                <a:lumMod val="102000"/>
+              </a:schemeClr>
+            </a:gs>
+            <a:gs pos="50000">
+              <a:schemeClr val="phClr">
+                <a:tint val="98000"/>
+                <a:satMod val="130000"/>
+                <a:shade val="90000"/>
+                <a:lumMod val="103000"/>
+              </a:schemeClr>
+            </a:gs>
+            <a:gs pos="100000">
+              <a:schemeClr val="phClr">
+                <a:shade val="63000"/>
+                <a:satMod val="120000"/>
+              </a:schemeClr>
+            </a:gs>
+          </a:gsLst>
+          <a:lin ang="5400000" scaled="0"/>
+        </a:gradFill>
+      </a:bgFillStyleLst>
+    </a:fmtScheme>
+  </a:themeElements>
+  <a:objectDefaults>
+    <a:lnDef>
+      <a:spPr/>
+      <a:bodyPr/>
+      <a:lstStyle/>
+      <a:style>
+        <a:lnRef idx="2">
+          <a:schemeClr val="accent1"/>
+        </a:lnRef>
+        <a:fillRef idx="0">
+          <a:schemeClr val="accent1"/>
+        </a:fillRef>
+        <a:effectRef idx="1">
+          <a:schemeClr val="accent1"/>
+        </a:effectRef>
+        <a:fontRef idx="minor">
+          <a:schemeClr val="tx1"/>
+        </a:fontRef>
+      </a:style>
+    </a:lnDef>
+  </a:objectDefaults>
+  <a:extraClrSchemeLst/>
+  <a:extLst>
+    <a:ext uri="{05A4C25C-085E-4340-85A3-A5531E510DB2}">
+      <thm15:themeFamily xmlns:thm15="http://schemas.microsoft.com/office/thememl/2012/main" name="Office Theme" id="{2E142A2C-CD16-42D6-873A-C26D2A0506FA}" vid="{1BDDFF52-6CD6-40A5-AB3C-68EB2F1E4D0A}"/>
     </a:ext>
   </a:extLst>
 </a:theme>

--- a/hw02.pptx
+++ b/hw02.pptx
@@ -208,7 +208,7 @@
           <a:p>
             <a:fld id="{C3ADC67D-B875-494C-A789-0B27AA4DED5E}" type="datetimeFigureOut">
               <a:rPr lang="zh-TW" altLang="en-US" smtClean="0"/>
-              <a:t>2024/10/1</a:t>
+              <a:t>2024/10/8</a:t>
             </a:fld>
             <a:endParaRPr lang="zh-TW" altLang="en-US"/>
           </a:p>
@@ -520,7 +520,15 @@
           <a:lstStyle/>
           <a:p>
             <a:r>
-              <a:rPr lang="zh-TW" altLang="en-US" dirty="0"/>
+              <a:rPr lang="zh-TW" altLang="en-US" sz="1200" b="1" i="0" kern="1200" dirty="0">
+                <a:solidFill>
+                  <a:srgbClr val="FFFFFF"/>
+                </a:solidFill>
+                <a:effectLst/>
+                <a:latin typeface="Roboto" panose="02000000000000000000" pitchFamily="2" charset="0"/>
+                <a:ea typeface="+mn-ea"/>
+                <a:cs typeface="+mn-cs"/>
+              </a:rPr>
               <a:t>大家好，接下來我要分享我的冒險故事</a:t>
             </a:r>
           </a:p>
@@ -672,35 +680,8 @@
                 <a:ea typeface="+mn-ea"/>
                 <a:cs typeface="+mn-cs"/>
               </a:rPr>
-              <a:t>比賽後，監製找到我，稱讚了我對音樂的感覺，並說我有成為優秀</a:t>
-            </a:r>
-            <a:r>
-              <a:rPr lang="en-US" altLang="zh-TW" sz="1200" b="1" i="0" kern="1200" dirty="0">
-                <a:solidFill>
-                  <a:srgbClr val="FFFFFF"/>
-                </a:solidFill>
-                <a:effectLst/>
-                <a:latin typeface="Roboto" panose="02000000000000000000" pitchFamily="2" charset="0"/>
-                <a:ea typeface="+mn-ea"/>
-                <a:cs typeface="+mn-cs"/>
-              </a:rPr>
-              <a:t>DJ</a:t>
-            </a:r>
-            <a:r>
-              <a:rPr lang="zh-TW" altLang="en-US" sz="1200" b="1" i="0" kern="1200" dirty="0">
-                <a:solidFill>
-                  <a:srgbClr val="FFFFFF"/>
-                </a:solidFill>
-                <a:effectLst/>
-                <a:latin typeface="Roboto" panose="02000000000000000000" pitchFamily="2" charset="0"/>
-                <a:ea typeface="+mn-ea"/>
-                <a:cs typeface="+mn-cs"/>
-              </a:rPr>
-              <a:t>的潛力。他甚至邀請我參加下一個小型派對的現場表演。這讓我意識到，偶爾的失敗不會決定一切，反而是成長的契機。</a:t>
-            </a:r>
-          </a:p>
-          <a:p>
-            <a:endParaRPr lang="zh-TW" altLang="en-US" dirty="0"/>
+              <a:t>比賽後，監製稱讚了我的音樂感覺，認為我有潛力，並邀請我參加下一個小型派對的現場表演。這讓我明白，失敗是成長的一部分。</a:t>
+            </a:r>
           </a:p>
         </p:txBody>
       </p:sp>
@@ -989,7 +970,7 @@
                 <a:ea typeface="+mn-ea"/>
                 <a:cs typeface="+mn-cs"/>
               </a:rPr>
-              <a:t>這只是我音樂旅程的開始，還有更多的節奏與故事等待我去創造。</a:t>
+              <a:t>這只是我音樂旅程的開始，未來還有更多的節奏與故事等待我去創造。以上就是我的冒險故事，謝謝大家</a:t>
             </a:r>
           </a:p>
         </p:txBody>
@@ -1109,7 +1090,7 @@
                 <a:ea typeface="+mn-ea"/>
                 <a:cs typeface="+mn-cs"/>
               </a:rPr>
-              <a:t>這次，我終於有機會參加一場知名音樂節的</a:t>
+              <a:t>這次，我終於有機會參加知名音樂節的</a:t>
             </a:r>
             <a:r>
               <a:rPr lang="en-US" altLang="zh-TW" sz="1200" b="1" i="0" kern="1200" dirty="0">
@@ -1133,7 +1114,7 @@
                 <a:ea typeface="+mn-ea"/>
                 <a:cs typeface="+mn-cs"/>
               </a:rPr>
-              <a:t>比賽，我希望能用音樂讓觀眾感受到強烈的節奏與情感，並藉此提升我的</a:t>
+              <a:t>比賽，希望用音樂打動觀眾，提升我的</a:t>
             </a:r>
             <a:r>
               <a:rPr lang="en-US" altLang="zh-TW" sz="1200" b="1" i="0" kern="1200" dirty="0">
@@ -1157,7 +1138,7 @@
                 <a:ea typeface="+mn-ea"/>
                 <a:cs typeface="+mn-cs"/>
               </a:rPr>
-              <a:t>技巧，讓更多人知道我的音樂。</a:t>
+              <a:t>技巧，讓更多人認識我的音樂。</a:t>
             </a:r>
           </a:p>
         </p:txBody>
@@ -1389,11 +1370,8 @@
                 <a:ea typeface="+mn-ea"/>
                 <a:cs typeface="+mn-cs"/>
               </a:rPr>
-              <a:t>看到其他參賽者裝備齊全，操作技術純熟。加上，家裡並不支持我走這條音樂路，這讓我更加焦慮。</a:t>
-            </a:r>
-          </a:p>
-          <a:p>
-            <a:endParaRPr lang="zh-TW" altLang="en-US" dirty="0"/>
+              <a:t>其他參賽者的裝備和技術都很專業，這讓我更加焦慮。</a:t>
+            </a:r>
           </a:p>
         </p:txBody>
       </p:sp>
@@ -1632,51 +1610,8 @@
                 <a:ea typeface="+mn-ea"/>
                 <a:cs typeface="+mn-cs"/>
               </a:rPr>
-              <a:t>我回想起自己每個夜晚的練習，告訴自己只要專注於音樂，其他的都不重要。隨著比賽開始，我深吸一口氣，全心投入到混音的節奏中。</a:t>
-            </a:r>
-            <a:endParaRPr lang="en-US" altLang="zh-TW" sz="1200" b="1" i="0" kern="1200" dirty="0">
-              <a:solidFill>
-                <a:srgbClr val="FFFFFF"/>
-              </a:solidFill>
-              <a:effectLst/>
-              <a:latin typeface="Roboto" panose="02000000000000000000" pitchFamily="2" charset="0"/>
-              <a:ea typeface="+mn-ea"/>
-              <a:cs typeface="+mn-cs"/>
-            </a:endParaRPr>
-          </a:p>
-          <a:p>
-            <a:pPr marL="0" marR="0" lvl="0" indent="0" algn="l" defTabSz="914400" rtl="0" eaLnBrk="1" fontAlgn="auto" latinLnBrk="0" hangingPunct="1">
-              <a:lnSpc>
-                <a:spcPct val="100000"/>
-              </a:lnSpc>
-              <a:spcBef>
-                <a:spcPts val="0"/>
-              </a:spcBef>
-              <a:spcAft>
-                <a:spcPts val="0"/>
-              </a:spcAft>
-              <a:buClrTx/>
-              <a:buSzTx/>
-              <a:buFontTx/>
-              <a:buNone/>
-              <a:tabLst/>
-              <a:defRPr/>
-            </a:pPr>
-            <a:r>
-              <a:rPr lang="zh-TW" altLang="en-US" sz="1200" b="1" i="0" kern="1200" dirty="0">
-                <a:solidFill>
-                  <a:srgbClr val="FFFFFF"/>
-                </a:solidFill>
-                <a:effectLst/>
-                <a:latin typeface="Roboto" panose="02000000000000000000" pitchFamily="2" charset="0"/>
-                <a:ea typeface="+mn-ea"/>
-                <a:cs typeface="+mn-cs"/>
-              </a:rPr>
-              <a:t>隨著比賽開始，我深吸一口氣，全心投入到混音的節奏中。</a:t>
-            </a:r>
-          </a:p>
-          <a:p>
-            <a:endParaRPr lang="zh-TW" altLang="en-US" dirty="0"/>
+              <a:t>我回想起每晚的練習，提醒自己專注於音樂，其他都不重要。比賽開始後，我全心投入到混音的節奏中。</a:t>
+            </a:r>
           </a:p>
         </p:txBody>
       </p:sp>
@@ -1810,11 +1745,8 @@
                 <a:ea typeface="+mn-ea"/>
                 <a:cs typeface="+mn-cs"/>
               </a:rPr>
-              <a:t>表演開始一切還算順利，但就在我準備播放最後一段高潮時，我的混音設備突然出現故障，音樂瞬間中斷。觀眾的注意力全都轉向了我，我感到無比尷尬和挫折。</a:t>
-            </a:r>
-          </a:p>
-          <a:p>
-            <a:endParaRPr lang="zh-TW" altLang="en-US" dirty="0"/>
+              <a:t>一開始表演很順利，但就在最後高潮時，我的設備突然故障，音樂中斷，所有目光都集中在我身上，那一刻我感到無比尷尬和挫折。</a:t>
+            </a:r>
           </a:p>
         </p:txBody>
       </p:sp>
@@ -2062,7 +1994,7 @@
                 <a:ea typeface="+mn-ea"/>
                 <a:cs typeface="+mn-cs"/>
               </a:rPr>
-              <a:t>這讓我重新拾起信心，完成了最後的混音。雖然表演不是完全按計劃進行，但觀眾的反應讓我感到驚喜，甚至有人開始隨著我的節奏舞動起來。</a:t>
+              <a:t>我重新拾起信心，完成了表演。觀眾的反應超乎預期，有人甚至開始隨著我的節奏舞動。</a:t>
             </a:r>
           </a:p>
         </p:txBody>
@@ -2250,7 +2182,7 @@
           <a:p>
             <a:fld id="{91B02C7C-A34F-48D1-9321-C49279C28F5B}" type="datetimeFigureOut">
               <a:rPr lang="zh-TW" altLang="en-US" smtClean="0"/>
-              <a:t>2024/10/1</a:t>
+              <a:t>2024/10/8</a:t>
             </a:fld>
             <a:endParaRPr lang="zh-TW" altLang="en-US"/>
           </a:p>
@@ -2448,7 +2380,7 @@
           <a:p>
             <a:fld id="{91B02C7C-A34F-48D1-9321-C49279C28F5B}" type="datetimeFigureOut">
               <a:rPr lang="zh-TW" altLang="en-US" smtClean="0"/>
-              <a:t>2024/10/1</a:t>
+              <a:t>2024/10/8</a:t>
             </a:fld>
             <a:endParaRPr lang="zh-TW" altLang="en-US"/>
           </a:p>
@@ -2656,7 +2588,7 @@
           <a:p>
             <a:fld id="{91B02C7C-A34F-48D1-9321-C49279C28F5B}" type="datetimeFigureOut">
               <a:rPr lang="zh-TW" altLang="en-US" smtClean="0"/>
-              <a:t>2024/10/1</a:t>
+              <a:t>2024/10/8</a:t>
             </a:fld>
             <a:endParaRPr lang="zh-TW" altLang="en-US"/>
           </a:p>
@@ -2854,7 +2786,7 @@
           <a:p>
             <a:fld id="{91B02C7C-A34F-48D1-9321-C49279C28F5B}" type="datetimeFigureOut">
               <a:rPr lang="zh-TW" altLang="en-US" smtClean="0"/>
-              <a:t>2024/10/1</a:t>
+              <a:t>2024/10/8</a:t>
             </a:fld>
             <a:endParaRPr lang="zh-TW" altLang="en-US"/>
           </a:p>
@@ -3129,7 +3061,7 @@
           <a:p>
             <a:fld id="{91B02C7C-A34F-48D1-9321-C49279C28F5B}" type="datetimeFigureOut">
               <a:rPr lang="zh-TW" altLang="en-US" smtClean="0"/>
-              <a:t>2024/10/1</a:t>
+              <a:t>2024/10/8</a:t>
             </a:fld>
             <a:endParaRPr lang="zh-TW" altLang="en-US"/>
           </a:p>
@@ -3394,7 +3326,7 @@
           <a:p>
             <a:fld id="{91B02C7C-A34F-48D1-9321-C49279C28F5B}" type="datetimeFigureOut">
               <a:rPr lang="zh-TW" altLang="en-US" smtClean="0"/>
-              <a:t>2024/10/1</a:t>
+              <a:t>2024/10/8</a:t>
             </a:fld>
             <a:endParaRPr lang="zh-TW" altLang="en-US"/>
           </a:p>
@@ -3806,7 +3738,7 @@
           <a:p>
             <a:fld id="{91B02C7C-A34F-48D1-9321-C49279C28F5B}" type="datetimeFigureOut">
               <a:rPr lang="zh-TW" altLang="en-US" smtClean="0"/>
-              <a:t>2024/10/1</a:t>
+              <a:t>2024/10/8</a:t>
             </a:fld>
             <a:endParaRPr lang="zh-TW" altLang="en-US"/>
           </a:p>
@@ -3947,7 +3879,7 @@
           <a:p>
             <a:fld id="{91B02C7C-A34F-48D1-9321-C49279C28F5B}" type="datetimeFigureOut">
               <a:rPr lang="zh-TW" altLang="en-US" smtClean="0"/>
-              <a:t>2024/10/1</a:t>
+              <a:t>2024/10/8</a:t>
             </a:fld>
             <a:endParaRPr lang="zh-TW" altLang="en-US"/>
           </a:p>
@@ -4060,7 +3992,7 @@
           <a:p>
             <a:fld id="{91B02C7C-A34F-48D1-9321-C49279C28F5B}" type="datetimeFigureOut">
               <a:rPr lang="zh-TW" altLang="en-US" smtClean="0"/>
-              <a:t>2024/10/1</a:t>
+              <a:t>2024/10/8</a:t>
             </a:fld>
             <a:endParaRPr lang="zh-TW" altLang="en-US"/>
           </a:p>
@@ -4371,7 +4303,7 @@
           <a:p>
             <a:fld id="{91B02C7C-A34F-48D1-9321-C49279C28F5B}" type="datetimeFigureOut">
               <a:rPr lang="zh-TW" altLang="en-US" smtClean="0"/>
-              <a:t>2024/10/1</a:t>
+              <a:t>2024/10/8</a:t>
             </a:fld>
             <a:endParaRPr lang="zh-TW" altLang="en-US"/>
           </a:p>
@@ -4659,7 +4591,7 @@
           <a:p>
             <a:fld id="{91B02C7C-A34F-48D1-9321-C49279C28F5B}" type="datetimeFigureOut">
               <a:rPr lang="zh-TW" altLang="en-US" smtClean="0"/>
-              <a:t>2024/10/1</a:t>
+              <a:t>2024/10/8</a:t>
             </a:fld>
             <a:endParaRPr lang="zh-TW" altLang="en-US"/>
           </a:p>
@@ -4905,7 +4837,7 @@
           <a:p>
             <a:fld id="{91B02C7C-A34F-48D1-9321-C49279C28F5B}" type="datetimeFigureOut">
               <a:rPr lang="zh-TW" altLang="en-US" smtClean="0"/>
-              <a:t>2024/10/1</a:t>
+              <a:t>2024/10/8</a:t>
             </a:fld>
             <a:endParaRPr lang="zh-TW" altLang="en-US"/>
           </a:p>
